--- a/Common/Chapter11 Stencil.pptx
+++ b/Common/Chapter11 Stencil.pptx
@@ -5,10 +5,10 @@
     <p:sldMasterId id="2147483648" r:id="rId1"/>
   </p:sldMasterIdLst>
   <p:notesMasterIdLst>
-    <p:notesMasterId r:id="rId19"/>
+    <p:notesMasterId r:id="rId14"/>
   </p:notesMasterIdLst>
   <p:handoutMasterIdLst>
-    <p:handoutMasterId r:id="rId20"/>
+    <p:handoutMasterId r:id="rId15"/>
   </p:handoutMasterIdLst>
   <p:sldIdLst>
     <p:sldId id="261" r:id="rId2"/>
@@ -19,15 +19,10 @@
     <p:sldId id="274" r:id="rId7"/>
     <p:sldId id="275" r:id="rId8"/>
     <p:sldId id="276" r:id="rId9"/>
-    <p:sldId id="262" r:id="rId10"/>
-    <p:sldId id="263" r:id="rId11"/>
-    <p:sldId id="264" r:id="rId12"/>
-    <p:sldId id="265" r:id="rId13"/>
-    <p:sldId id="271" r:id="rId14"/>
-    <p:sldId id="267" r:id="rId15"/>
-    <p:sldId id="268" r:id="rId16"/>
-    <p:sldId id="269" r:id="rId17"/>
-    <p:sldId id="270" r:id="rId18"/>
+    <p:sldId id="278" r:id="rId10"/>
+    <p:sldId id="277" r:id="rId11"/>
+    <p:sldId id="279" r:id="rId12"/>
+    <p:sldId id="280" r:id="rId13"/>
   </p:sldIdLst>
   <p:sldSz cx="12192000" cy="6858000"/>
   <p:notesSz cx="6858000" cy="9144000"/>
@@ -148,3691 +143,6 @@
 </p:presentation>
 </file>
 
-<file path=ppt/charts/chart1.xml><?xml version="1.0" encoding="utf-8"?>
-<c:chartSpace xmlns:c="http://schemas.openxmlformats.org/drawingml/2006/chart" xmlns:a="http://schemas.openxmlformats.org/drawingml/2006/main" xmlns:r="http://schemas.openxmlformats.org/officeDocument/2006/relationships">
-  <c:date1904 val="0"/>
-  <c:lang val="ko-KR"/>
-  <c:roundedCorners val="0"/>
-  <mc:AlternateContent xmlns:mc="http://schemas.openxmlformats.org/markup-compatibility/2006">
-    <mc:Choice xmlns:c14="http://schemas.microsoft.com/office/drawing/2007/8/2/chart" Requires="c14">
-      <c14:style val="103"/>
-    </mc:Choice>
-    <mc:Fallback>
-      <c:style val="3"/>
-    </mc:Fallback>
-  </mc:AlternateContent>
-  <c:chart>
-    <c:autoTitleDeleted val="1"/>
-    <c:plotArea>
-      <c:layout/>
-      <c:barChart>
-        <c:barDir val="col"/>
-        <c:grouping val="clustered"/>
-        <c:varyColors val="0"/>
-        <c:ser>
-          <c:idx val="0"/>
-          <c:order val="0"/>
-          <c:tx>
-            <c:strRef>
-              <c:f>Sheet1!$B$1</c:f>
-              <c:strCache>
-                <c:ptCount val="1"/>
-                <c:pt idx="0">
-                  <c:v>계열 1</c:v>
-                </c:pt>
-              </c:strCache>
-            </c:strRef>
-          </c:tx>
-          <c:spPr>
-            <a:gradFill rotWithShape="1">
-              <a:gsLst>
-                <a:gs pos="0">
-                  <a:schemeClr val="accent1">
-                    <a:shade val="65000"/>
-                    <a:satMod val="103000"/>
-                    <a:lumMod val="102000"/>
-                    <a:tint val="94000"/>
-                  </a:schemeClr>
-                </a:gs>
-                <a:gs pos="50000">
-                  <a:schemeClr val="accent1">
-                    <a:shade val="65000"/>
-                    <a:satMod val="110000"/>
-                    <a:lumMod val="100000"/>
-                    <a:shade val="100000"/>
-                  </a:schemeClr>
-                </a:gs>
-                <a:gs pos="100000">
-                  <a:schemeClr val="accent1">
-                    <a:shade val="65000"/>
-                    <a:lumMod val="99000"/>
-                    <a:satMod val="120000"/>
-                    <a:shade val="78000"/>
-                  </a:schemeClr>
-                </a:gs>
-              </a:gsLst>
-              <a:lin ang="5400000" scaled="0"/>
-            </a:gradFill>
-            <a:ln>
-              <a:noFill/>
-            </a:ln>
-            <a:effectLst/>
-          </c:spPr>
-          <c:invertIfNegative val="0"/>
-          <c:cat>
-            <c:strRef>
-              <c:f>Sheet1!$A$2:$A$5</c:f>
-              <c:strCache>
-                <c:ptCount val="4"/>
-                <c:pt idx="0">
-                  <c:v>범주 1</c:v>
-                </c:pt>
-                <c:pt idx="1">
-                  <c:v>범주 2</c:v>
-                </c:pt>
-                <c:pt idx="2">
-                  <c:v>범주 3</c:v>
-                </c:pt>
-                <c:pt idx="3">
-                  <c:v>범주 4</c:v>
-                </c:pt>
-              </c:strCache>
-            </c:strRef>
-          </c:cat>
-          <c:val>
-            <c:numRef>
-              <c:f>Sheet1!$B$2:$B$5</c:f>
-              <c:numCache>
-                <c:formatCode>General</c:formatCode>
-                <c:ptCount val="4"/>
-                <c:pt idx="0">
-                  <c:v>4.3</c:v>
-                </c:pt>
-                <c:pt idx="1">
-                  <c:v>2.5</c:v>
-                </c:pt>
-                <c:pt idx="2">
-                  <c:v>3.5</c:v>
-                </c:pt>
-                <c:pt idx="3">
-                  <c:v>4.5</c:v>
-                </c:pt>
-              </c:numCache>
-            </c:numRef>
-          </c:val>
-          <c:extLst xmlns:c16r2="http://schemas.microsoft.com/office/drawing/2015/06/chart">
-            <c:ext xmlns:c16="http://schemas.microsoft.com/office/drawing/2014/chart" uri="{C3380CC4-5D6E-409C-BE32-E72D297353CC}">
-              <c16:uniqueId val="{00000000-B15F-4CC6-AB46-0F5752DC9A2C}"/>
-            </c:ext>
-          </c:extLst>
-        </c:ser>
-        <c:ser>
-          <c:idx val="1"/>
-          <c:order val="1"/>
-          <c:tx>
-            <c:strRef>
-              <c:f>Sheet1!$C$1</c:f>
-              <c:strCache>
-                <c:ptCount val="1"/>
-                <c:pt idx="0">
-                  <c:v>계열 2</c:v>
-                </c:pt>
-              </c:strCache>
-            </c:strRef>
-          </c:tx>
-          <c:spPr>
-            <a:gradFill rotWithShape="1">
-              <a:gsLst>
-                <a:gs pos="0">
-                  <a:schemeClr val="accent1">
-                    <a:satMod val="103000"/>
-                    <a:lumMod val="102000"/>
-                    <a:tint val="94000"/>
-                  </a:schemeClr>
-                </a:gs>
-                <a:gs pos="50000">
-                  <a:schemeClr val="accent1">
-                    <a:satMod val="110000"/>
-                    <a:lumMod val="100000"/>
-                    <a:shade val="100000"/>
-                  </a:schemeClr>
-                </a:gs>
-                <a:gs pos="100000">
-                  <a:schemeClr val="accent1">
-                    <a:lumMod val="99000"/>
-                    <a:satMod val="120000"/>
-                    <a:shade val="78000"/>
-                  </a:schemeClr>
-                </a:gs>
-              </a:gsLst>
-              <a:lin ang="5400000" scaled="0"/>
-            </a:gradFill>
-            <a:ln>
-              <a:noFill/>
-            </a:ln>
-            <a:effectLst/>
-          </c:spPr>
-          <c:invertIfNegative val="0"/>
-          <c:cat>
-            <c:strRef>
-              <c:f>Sheet1!$A$2:$A$5</c:f>
-              <c:strCache>
-                <c:ptCount val="4"/>
-                <c:pt idx="0">
-                  <c:v>범주 1</c:v>
-                </c:pt>
-                <c:pt idx="1">
-                  <c:v>범주 2</c:v>
-                </c:pt>
-                <c:pt idx="2">
-                  <c:v>범주 3</c:v>
-                </c:pt>
-                <c:pt idx="3">
-                  <c:v>범주 4</c:v>
-                </c:pt>
-              </c:strCache>
-            </c:strRef>
-          </c:cat>
-          <c:val>
-            <c:numRef>
-              <c:f>Sheet1!$C$2:$C$5</c:f>
-              <c:numCache>
-                <c:formatCode>General</c:formatCode>
-                <c:ptCount val="4"/>
-                <c:pt idx="0">
-                  <c:v>2.4</c:v>
-                </c:pt>
-                <c:pt idx="1">
-                  <c:v>4.4000000000000004</c:v>
-                </c:pt>
-                <c:pt idx="2">
-                  <c:v>1.8</c:v>
-                </c:pt>
-                <c:pt idx="3">
-                  <c:v>2.8</c:v>
-                </c:pt>
-              </c:numCache>
-            </c:numRef>
-          </c:val>
-          <c:extLst xmlns:c16r2="http://schemas.microsoft.com/office/drawing/2015/06/chart">
-            <c:ext xmlns:c16="http://schemas.microsoft.com/office/drawing/2014/chart" uri="{C3380CC4-5D6E-409C-BE32-E72D297353CC}">
-              <c16:uniqueId val="{00000001-B15F-4CC6-AB46-0F5752DC9A2C}"/>
-            </c:ext>
-          </c:extLst>
-        </c:ser>
-        <c:ser>
-          <c:idx val="2"/>
-          <c:order val="2"/>
-          <c:tx>
-            <c:strRef>
-              <c:f>Sheet1!$D$1</c:f>
-              <c:strCache>
-                <c:ptCount val="1"/>
-                <c:pt idx="0">
-                  <c:v>계열 3</c:v>
-                </c:pt>
-              </c:strCache>
-            </c:strRef>
-          </c:tx>
-          <c:spPr>
-            <a:gradFill rotWithShape="1">
-              <a:gsLst>
-                <a:gs pos="0">
-                  <a:schemeClr val="accent1">
-                    <a:tint val="65000"/>
-                    <a:satMod val="103000"/>
-                    <a:lumMod val="102000"/>
-                    <a:tint val="94000"/>
-                  </a:schemeClr>
-                </a:gs>
-                <a:gs pos="50000">
-                  <a:schemeClr val="accent1">
-                    <a:tint val="65000"/>
-                    <a:satMod val="110000"/>
-                    <a:lumMod val="100000"/>
-                    <a:shade val="100000"/>
-                  </a:schemeClr>
-                </a:gs>
-                <a:gs pos="100000">
-                  <a:schemeClr val="accent1">
-                    <a:tint val="65000"/>
-                    <a:lumMod val="99000"/>
-                    <a:satMod val="120000"/>
-                    <a:shade val="78000"/>
-                  </a:schemeClr>
-                </a:gs>
-              </a:gsLst>
-              <a:lin ang="5400000" scaled="0"/>
-            </a:gradFill>
-            <a:ln>
-              <a:noFill/>
-            </a:ln>
-            <a:effectLst/>
-          </c:spPr>
-          <c:invertIfNegative val="0"/>
-          <c:cat>
-            <c:strRef>
-              <c:f>Sheet1!$A$2:$A$5</c:f>
-              <c:strCache>
-                <c:ptCount val="4"/>
-                <c:pt idx="0">
-                  <c:v>범주 1</c:v>
-                </c:pt>
-                <c:pt idx="1">
-                  <c:v>범주 2</c:v>
-                </c:pt>
-                <c:pt idx="2">
-                  <c:v>범주 3</c:v>
-                </c:pt>
-                <c:pt idx="3">
-                  <c:v>범주 4</c:v>
-                </c:pt>
-              </c:strCache>
-            </c:strRef>
-          </c:cat>
-          <c:val>
-            <c:numRef>
-              <c:f>Sheet1!$D$2:$D$5</c:f>
-              <c:numCache>
-                <c:formatCode>General</c:formatCode>
-                <c:ptCount val="4"/>
-                <c:pt idx="0">
-                  <c:v>2</c:v>
-                </c:pt>
-                <c:pt idx="1">
-                  <c:v>2</c:v>
-                </c:pt>
-                <c:pt idx="2">
-                  <c:v>3</c:v>
-                </c:pt>
-                <c:pt idx="3">
-                  <c:v>5</c:v>
-                </c:pt>
-              </c:numCache>
-            </c:numRef>
-          </c:val>
-          <c:extLst xmlns:c16r2="http://schemas.microsoft.com/office/drawing/2015/06/chart">
-            <c:ext xmlns:c16="http://schemas.microsoft.com/office/drawing/2014/chart" uri="{C3380CC4-5D6E-409C-BE32-E72D297353CC}">
-              <c16:uniqueId val="{00000002-B15F-4CC6-AB46-0F5752DC9A2C}"/>
-            </c:ext>
-          </c:extLst>
-        </c:ser>
-        <c:dLbls>
-          <c:showLegendKey val="0"/>
-          <c:showVal val="0"/>
-          <c:showCatName val="0"/>
-          <c:showSerName val="0"/>
-          <c:showPercent val="0"/>
-          <c:showBubbleSize val="0"/>
-        </c:dLbls>
-        <c:gapWidth val="100"/>
-        <c:overlap val="-24"/>
-        <c:axId val="621593008"/>
-        <c:axId val="621589872"/>
-      </c:barChart>
-      <c:catAx>
-        <c:axId val="621593008"/>
-        <c:scaling>
-          <c:orientation val="minMax"/>
-        </c:scaling>
-        <c:delete val="0"/>
-        <c:axPos val="b"/>
-        <c:numFmt formatCode="General" sourceLinked="1"/>
-        <c:majorTickMark val="none"/>
-        <c:minorTickMark val="none"/>
-        <c:tickLblPos val="nextTo"/>
-        <c:spPr>
-          <a:noFill/>
-          <a:ln w="9525" cap="flat" cmpd="sng" algn="ctr">
-            <a:solidFill>
-              <a:schemeClr val="tx2">
-                <a:lumMod val="15000"/>
-                <a:lumOff val="85000"/>
-              </a:schemeClr>
-            </a:solidFill>
-            <a:round/>
-          </a:ln>
-          <a:effectLst/>
-        </c:spPr>
-        <c:txPr>
-          <a:bodyPr rot="-60000000" spcFirstLastPara="1" vertOverflow="ellipsis" vert="horz" wrap="square" anchor="ctr" anchorCtr="1"/>
-          <a:lstStyle/>
-          <a:p>
-            <a:pPr>
-              <a:defRPr lang="ko-KR" sz="1197" b="0" i="0" u="none" strike="noStrike" kern="1200" baseline="0" noProof="0">
-                <a:solidFill>
-                  <a:schemeClr val="tx2"/>
-                </a:solidFill>
-                <a:latin typeface="맑은 고딕" panose="020B0503020000020004" pitchFamily="50" charset="-127"/>
-                <a:ea typeface="맑은 고딕" panose="020B0503020000020004" pitchFamily="50" charset="-127"/>
-                <a:cs typeface="+mn-cs"/>
-              </a:defRPr>
-            </a:pPr>
-            <a:endParaRPr lang="ko-KR"/>
-          </a:p>
-        </c:txPr>
-        <c:crossAx val="621589872"/>
-        <c:crosses val="autoZero"/>
-        <c:auto val="1"/>
-        <c:lblAlgn val="ctr"/>
-        <c:lblOffset val="100"/>
-        <c:noMultiLvlLbl val="0"/>
-      </c:catAx>
-      <c:valAx>
-        <c:axId val="621589872"/>
-        <c:scaling>
-          <c:orientation val="minMax"/>
-        </c:scaling>
-        <c:delete val="0"/>
-        <c:axPos val="l"/>
-        <c:majorGridlines>
-          <c:spPr>
-            <a:ln w="9525" cap="flat" cmpd="sng" algn="ctr">
-              <a:solidFill>
-                <a:schemeClr val="tx2">
-                  <a:lumMod val="15000"/>
-                  <a:lumOff val="85000"/>
-                </a:schemeClr>
-              </a:solidFill>
-              <a:round/>
-            </a:ln>
-            <a:effectLst/>
-          </c:spPr>
-        </c:majorGridlines>
-        <c:numFmt formatCode="General" sourceLinked="1"/>
-        <c:majorTickMark val="none"/>
-        <c:minorTickMark val="none"/>
-        <c:tickLblPos val="nextTo"/>
-        <c:spPr>
-          <a:noFill/>
-          <a:ln>
-            <a:noFill/>
-          </a:ln>
-          <a:effectLst/>
-        </c:spPr>
-        <c:txPr>
-          <a:bodyPr rot="-60000000" spcFirstLastPara="1" vertOverflow="ellipsis" vert="horz" wrap="square" anchor="ctr" anchorCtr="1"/>
-          <a:lstStyle/>
-          <a:p>
-            <a:pPr>
-              <a:defRPr lang="ko-KR" sz="1197" b="0" i="0" u="none" strike="noStrike" kern="1200" baseline="0" noProof="0">
-                <a:solidFill>
-                  <a:schemeClr val="tx2"/>
-                </a:solidFill>
-                <a:latin typeface="맑은 고딕" panose="020B0503020000020004" pitchFamily="50" charset="-127"/>
-                <a:ea typeface="맑은 고딕" panose="020B0503020000020004" pitchFamily="50" charset="-127"/>
-                <a:cs typeface="+mn-cs"/>
-              </a:defRPr>
-            </a:pPr>
-            <a:endParaRPr lang="ko-KR"/>
-          </a:p>
-        </c:txPr>
-        <c:crossAx val="621593008"/>
-        <c:crosses val="autoZero"/>
-        <c:crossBetween val="between"/>
-      </c:valAx>
-      <c:spPr>
-        <a:noFill/>
-        <a:ln>
-          <a:noFill/>
-        </a:ln>
-        <a:effectLst/>
-      </c:spPr>
-    </c:plotArea>
-    <c:legend>
-      <c:legendPos val="b"/>
-      <c:layout/>
-      <c:overlay val="0"/>
-      <c:spPr>
-        <a:noFill/>
-        <a:ln>
-          <a:noFill/>
-        </a:ln>
-        <a:effectLst/>
-      </c:spPr>
-      <c:txPr>
-        <a:bodyPr rot="0" spcFirstLastPara="1" vertOverflow="ellipsis" vert="horz" wrap="square" anchor="ctr" anchorCtr="1"/>
-        <a:lstStyle/>
-        <a:p>
-          <a:pPr>
-            <a:defRPr lang="ko-KR" sz="1197" b="0" i="0" u="none" strike="noStrike" kern="1200" baseline="0" noProof="0">
-              <a:solidFill>
-                <a:schemeClr val="tx2"/>
-              </a:solidFill>
-              <a:latin typeface="맑은 고딕" panose="020B0503020000020004" pitchFamily="50" charset="-127"/>
-              <a:ea typeface="맑은 고딕" panose="020B0503020000020004" pitchFamily="50" charset="-127"/>
-              <a:cs typeface="+mn-cs"/>
-            </a:defRPr>
-          </a:pPr>
-          <a:endParaRPr lang="ko-KR"/>
-        </a:p>
-      </c:txPr>
-    </c:legend>
-    <c:plotVisOnly val="1"/>
-    <c:dispBlanksAs val="gap"/>
-    <c:showDLblsOverMax val="0"/>
-  </c:chart>
-  <c:spPr>
-    <a:noFill/>
-    <a:ln>
-      <a:noFill/>
-    </a:ln>
-    <a:effectLst/>
-  </c:spPr>
-  <c:txPr>
-    <a:bodyPr/>
-    <a:lstStyle/>
-    <a:p>
-      <a:pPr>
-        <a:defRPr lang="ko-KR" noProof="0">
-          <a:latin typeface="맑은 고딕" panose="020B0503020000020004" pitchFamily="50" charset="-127"/>
-          <a:ea typeface="맑은 고딕" panose="020B0503020000020004" pitchFamily="50" charset="-127"/>
-        </a:defRPr>
-      </a:pPr>
-      <a:endParaRPr lang="ko-KR"/>
-    </a:p>
-  </c:txPr>
-  <c:externalData r:id="rId3">
-    <c:autoUpdate val="0"/>
-  </c:externalData>
-</c:chartSpace>
-</file>
-
-<file path=ppt/charts/colors1.xml><?xml version="1.0" encoding="utf-8"?>
-<cs:colorStyle xmlns:cs="http://schemas.microsoft.com/office/drawing/2012/chartStyle" xmlns:a="http://schemas.openxmlformats.org/drawingml/2006/main" meth="withinLinear" id="14">
-  <a:schemeClr val="accent1"/>
-</cs:colorStyle>
-</file>
-
-<file path=ppt/charts/style1.xml><?xml version="1.0" encoding="utf-8"?>
-<cs:chartStyle xmlns:cs="http://schemas.microsoft.com/office/drawing/2012/chartStyle" xmlns:a="http://schemas.openxmlformats.org/drawingml/2006/main" id="207">
-  <cs:axisTitle>
-    <cs:lnRef idx="0"/>
-    <cs:fillRef idx="0"/>
-    <cs:effectRef idx="0"/>
-    <cs:fontRef idx="minor">
-      <a:schemeClr val="tx2"/>
-    </cs:fontRef>
-    <cs:defRPr sz="1197" b="1" kern="1200"/>
-  </cs:axisTitle>
-  <cs:categoryAxis>
-    <cs:lnRef idx="0"/>
-    <cs:fillRef idx="0"/>
-    <cs:effectRef idx="0"/>
-    <cs:fontRef idx="minor">
-      <a:schemeClr val="tx2"/>
-    </cs:fontRef>
-    <cs:spPr>
-      <a:ln w="9525" cap="flat" cmpd="sng" algn="ctr">
-        <a:solidFill>
-          <a:schemeClr val="tx2">
-            <a:lumMod val="15000"/>
-            <a:lumOff val="85000"/>
-          </a:schemeClr>
-        </a:solidFill>
-        <a:round/>
-      </a:ln>
-    </cs:spPr>
-    <cs:defRPr sz="1197" kern="1200"/>
-  </cs:categoryAxis>
-  <cs:chartArea mods="allowNoFillOverride allowNoLineOverride">
-    <cs:lnRef idx="0"/>
-    <cs:fillRef idx="0"/>
-    <cs:effectRef idx="0"/>
-    <cs:fontRef idx="minor">
-      <a:schemeClr val="tx2"/>
-    </cs:fontRef>
-    <cs:spPr>
-      <a:solidFill>
-        <a:schemeClr val="bg1"/>
-      </a:solidFill>
-      <a:ln w="9525" cap="flat" cmpd="sng" algn="ctr">
-        <a:solidFill>
-          <a:schemeClr val="tx2">
-            <a:lumMod val="15000"/>
-            <a:lumOff val="85000"/>
-          </a:schemeClr>
-        </a:solidFill>
-        <a:round/>
-      </a:ln>
-    </cs:spPr>
-    <cs:defRPr sz="1197" kern="1200"/>
-  </cs:chartArea>
-  <cs:dataLabel>
-    <cs:lnRef idx="0"/>
-    <cs:fillRef idx="0"/>
-    <cs:effectRef idx="0"/>
-    <cs:fontRef idx="minor">
-      <a:schemeClr val="tx2"/>
-    </cs:fontRef>
-    <cs:defRPr sz="1197" kern="1200"/>
-  </cs:dataLabel>
-  <cs:dataLabelCallout>
-    <cs:lnRef idx="0"/>
-    <cs:fillRef idx="0"/>
-    <cs:effectRef idx="0"/>
-    <cs:fontRef idx="minor">
-      <a:schemeClr val="dk2">
-        <a:lumMod val="75000"/>
-      </a:schemeClr>
-    </cs:fontRef>
-    <cs:spPr>
-      <a:solidFill>
-        <a:schemeClr val="lt1"/>
-      </a:solidFill>
-      <a:ln>
-        <a:solidFill>
-          <a:schemeClr val="dk1">
-            <a:lumMod val="25000"/>
-            <a:lumOff val="75000"/>
-          </a:schemeClr>
-        </a:solidFill>
-      </a:ln>
-    </cs:spPr>
-    <cs:defRPr sz="1197" kern="1200"/>
-    <cs:bodyPr rot="0" spcFirstLastPara="1" vertOverflow="clip" horzOverflow="clip" vert="horz" wrap="square" lIns="36576" tIns="18288" rIns="36576" bIns="18288" anchor="ctr" anchorCtr="1">
-      <a:spAutoFit/>
-    </cs:bodyPr>
-  </cs:dataLabelCallout>
-  <cs:dataPoint>
-    <cs:lnRef idx="0"/>
-    <cs:fillRef idx="3">
-      <cs:styleClr val="auto"/>
-    </cs:fillRef>
-    <cs:effectRef idx="2"/>
-    <cs:fontRef idx="minor">
-      <a:schemeClr val="tx2"/>
-    </cs:fontRef>
-  </cs:dataPoint>
-  <cs:dataPoint3D>
-    <cs:lnRef idx="0"/>
-    <cs:fillRef idx="3">
-      <cs:styleClr val="auto"/>
-    </cs:fillRef>
-    <cs:effectRef idx="2"/>
-    <cs:fontRef idx="minor">
-      <a:schemeClr val="tx2"/>
-    </cs:fontRef>
-  </cs:dataPoint3D>
-  <cs:dataPointLine>
-    <cs:lnRef idx="0">
-      <cs:styleClr val="auto"/>
-    </cs:lnRef>
-    <cs:fillRef idx="3"/>
-    <cs:effectRef idx="2"/>
-    <cs:fontRef idx="minor">
-      <a:schemeClr val="tx2"/>
-    </cs:fontRef>
-    <cs:spPr>
-      <a:ln w="31750" cap="rnd">
-        <a:solidFill>
-          <a:schemeClr val="phClr"/>
-        </a:solidFill>
-        <a:round/>
-      </a:ln>
-    </cs:spPr>
-  </cs:dataPointLine>
-  <cs:dataPointMarker>
-    <cs:lnRef idx="0"/>
-    <cs:fillRef idx="3">
-      <cs:styleClr val="auto"/>
-    </cs:fillRef>
-    <cs:effectRef idx="2"/>
-    <cs:fontRef idx="minor">
-      <a:schemeClr val="tx2"/>
-    </cs:fontRef>
-    <cs:spPr>
-      <a:ln w="12700">
-        <a:solidFill>
-          <a:schemeClr val="lt2"/>
-        </a:solidFill>
-        <a:round/>
-      </a:ln>
-    </cs:spPr>
-  </cs:dataPointMarker>
-  <cs:dataPointMarkerLayout symbol="circle" size="6"/>
-  <cs:dataPointWireframe>
-    <cs:lnRef idx="0">
-      <cs:styleClr val="auto"/>
-    </cs:lnRef>
-    <cs:fillRef idx="3"/>
-    <cs:effectRef idx="2"/>
-    <cs:fontRef idx="minor">
-      <a:schemeClr val="tx2"/>
-    </cs:fontRef>
-    <cs:spPr>
-      <a:ln w="9525" cap="rnd">
-        <a:solidFill>
-          <a:schemeClr val="phClr"/>
-        </a:solidFill>
-        <a:round/>
-      </a:ln>
-    </cs:spPr>
-  </cs:dataPointWireframe>
-  <cs:dataTable>
-    <cs:lnRef idx="0"/>
-    <cs:fillRef idx="0"/>
-    <cs:effectRef idx="0"/>
-    <cs:fontRef idx="minor">
-      <a:schemeClr val="tx2"/>
-    </cs:fontRef>
-    <cs:spPr>
-      <a:ln w="9525">
-        <a:solidFill>
-          <a:schemeClr val="tx2">
-            <a:lumMod val="15000"/>
-            <a:lumOff val="85000"/>
-          </a:schemeClr>
-        </a:solidFill>
-      </a:ln>
-    </cs:spPr>
-    <cs:defRPr sz="1197" kern="1200"/>
-  </cs:dataTable>
-  <cs:downBar>
-    <cs:lnRef idx="0"/>
-    <cs:fillRef idx="0"/>
-    <cs:effectRef idx="0"/>
-    <cs:fontRef idx="minor">
-      <a:schemeClr val="dk1"/>
-    </cs:fontRef>
-    <cs:spPr>
-      <a:solidFill>
-        <a:schemeClr val="dk1">
-          <a:lumMod val="65000"/>
-          <a:lumOff val="35000"/>
-        </a:schemeClr>
-      </a:solidFill>
-      <a:ln w="9525">
-        <a:solidFill>
-          <a:schemeClr val="tx1">
-            <a:lumMod val="65000"/>
-            <a:lumOff val="35000"/>
-          </a:schemeClr>
-        </a:solidFill>
-      </a:ln>
-    </cs:spPr>
-  </cs:downBar>
-  <cs:dropLine>
-    <cs:lnRef idx="0"/>
-    <cs:fillRef idx="0"/>
-    <cs:effectRef idx="0"/>
-    <cs:fontRef idx="minor">
-      <a:schemeClr val="tx2"/>
-    </cs:fontRef>
-    <cs:spPr>
-      <a:ln w="9525">
-        <a:solidFill>
-          <a:schemeClr val="tx2">
-            <a:lumMod val="60000"/>
-            <a:lumOff val="40000"/>
-          </a:schemeClr>
-        </a:solidFill>
-        <a:prstDash val="dash"/>
-      </a:ln>
-    </cs:spPr>
-  </cs:dropLine>
-  <cs:errorBar>
-    <cs:lnRef idx="0"/>
-    <cs:fillRef idx="0"/>
-    <cs:effectRef idx="0"/>
-    <cs:fontRef idx="minor">
-      <a:schemeClr val="tx2"/>
-    </cs:fontRef>
-    <cs:spPr>
-      <a:ln w="9525">
-        <a:solidFill>
-          <a:schemeClr val="tx2">
-            <a:lumMod val="75000"/>
-            <a:lumOff val="25000"/>
-          </a:schemeClr>
-        </a:solidFill>
-        <a:round/>
-      </a:ln>
-    </cs:spPr>
-  </cs:errorBar>
-  <cs:floor>
-    <cs:lnRef idx="0"/>
-    <cs:fillRef idx="0"/>
-    <cs:effectRef idx="0"/>
-    <cs:fontRef idx="minor">
-      <a:schemeClr val="tx2"/>
-    </cs:fontRef>
-  </cs:floor>
-  <cs:gridlineMajor>
-    <cs:lnRef idx="0"/>
-    <cs:fillRef idx="0"/>
-    <cs:effectRef idx="0"/>
-    <cs:fontRef idx="minor">
-      <a:schemeClr val="tx2"/>
-    </cs:fontRef>
-    <cs:spPr>
-      <a:ln w="9525" cap="flat" cmpd="sng" algn="ctr">
-        <a:solidFill>
-          <a:schemeClr val="tx2">
-            <a:lumMod val="15000"/>
-            <a:lumOff val="85000"/>
-          </a:schemeClr>
-        </a:solidFill>
-        <a:round/>
-      </a:ln>
-    </cs:spPr>
-  </cs:gridlineMajor>
-  <cs:gridlineMinor>
-    <cs:lnRef idx="0"/>
-    <cs:fillRef idx="0"/>
-    <cs:effectRef idx="0"/>
-    <cs:fontRef idx="minor">
-      <a:schemeClr val="tx2"/>
-    </cs:fontRef>
-    <cs:spPr>
-      <a:ln>
-        <a:solidFill>
-          <a:schemeClr val="tx2">
-            <a:lumMod val="5000"/>
-            <a:lumOff val="95000"/>
-          </a:schemeClr>
-        </a:solidFill>
-      </a:ln>
-    </cs:spPr>
-  </cs:gridlineMinor>
-  <cs:hiLoLine>
-    <cs:lnRef idx="0"/>
-    <cs:fillRef idx="0"/>
-    <cs:effectRef idx="0"/>
-    <cs:fontRef idx="minor">
-      <a:schemeClr val="tx2"/>
-    </cs:fontRef>
-    <cs:spPr>
-      <a:ln w="9525">
-        <a:solidFill>
-          <a:schemeClr val="tx2">
-            <a:lumMod val="60000"/>
-            <a:lumOff val="40000"/>
-          </a:schemeClr>
-        </a:solidFill>
-        <a:prstDash val="dash"/>
-      </a:ln>
-    </cs:spPr>
-  </cs:hiLoLine>
-  <cs:leaderLine>
-    <cs:lnRef idx="0"/>
-    <cs:fillRef idx="0"/>
-    <cs:effectRef idx="0"/>
-    <cs:fontRef idx="minor">
-      <a:schemeClr val="tx2"/>
-    </cs:fontRef>
-    <cs:spPr>
-      <a:ln w="9525">
-        <a:solidFill>
-          <a:schemeClr val="tx2">
-            <a:lumMod val="35000"/>
-            <a:lumOff val="65000"/>
-          </a:schemeClr>
-        </a:solidFill>
-      </a:ln>
-    </cs:spPr>
-  </cs:leaderLine>
-  <cs:legend>
-    <cs:lnRef idx="0"/>
-    <cs:fillRef idx="0"/>
-    <cs:effectRef idx="0"/>
-    <cs:fontRef idx="minor">
-      <a:schemeClr val="tx2"/>
-    </cs:fontRef>
-    <cs:defRPr sz="1197" kern="1200"/>
-  </cs:legend>
-  <cs:plotArea>
-    <cs:lnRef idx="0"/>
-    <cs:fillRef idx="0"/>
-    <cs:effectRef idx="0"/>
-    <cs:fontRef idx="minor">
-      <a:schemeClr val="tx2"/>
-    </cs:fontRef>
-  </cs:plotArea>
-  <cs:plotArea3D>
-    <cs:lnRef idx="0"/>
-    <cs:fillRef idx="0"/>
-    <cs:effectRef idx="0"/>
-    <cs:fontRef idx="minor">
-      <a:schemeClr val="tx2"/>
-    </cs:fontRef>
-  </cs:plotArea3D>
-  <cs:seriesAxis>
-    <cs:lnRef idx="0"/>
-    <cs:fillRef idx="0"/>
-    <cs:effectRef idx="0"/>
-    <cs:fontRef idx="minor">
-      <a:schemeClr val="tx2"/>
-    </cs:fontRef>
-    <cs:spPr>
-      <a:ln w="9525" cap="flat" cmpd="sng" algn="ctr">
-        <a:solidFill>
-          <a:schemeClr val="tx2">
-            <a:lumMod val="15000"/>
-            <a:lumOff val="85000"/>
-          </a:schemeClr>
-        </a:solidFill>
-        <a:round/>
-      </a:ln>
-    </cs:spPr>
-    <cs:defRPr sz="1197" kern="1200"/>
-  </cs:seriesAxis>
-  <cs:seriesLine>
-    <cs:lnRef idx="0"/>
-    <cs:fillRef idx="0"/>
-    <cs:effectRef idx="0"/>
-    <cs:fontRef idx="minor">
-      <a:schemeClr val="tx2"/>
-    </cs:fontRef>
-    <cs:spPr>
-      <a:ln w="9525">
-        <a:solidFill>
-          <a:schemeClr val="tx2">
-            <a:lumMod val="60000"/>
-            <a:lumOff val="40000"/>
-          </a:schemeClr>
-        </a:solidFill>
-        <a:prstDash val="dash"/>
-      </a:ln>
-    </cs:spPr>
-  </cs:seriesLine>
-  <cs:title>
-    <cs:lnRef idx="0"/>
-    <cs:fillRef idx="0"/>
-    <cs:effectRef idx="0"/>
-    <cs:fontRef idx="minor">
-      <a:schemeClr val="tx2"/>
-    </cs:fontRef>
-    <cs:defRPr sz="2128" b="1" kern="1200"/>
-  </cs:title>
-  <cs:trendline>
-    <cs:lnRef idx="0">
-      <cs:styleClr val="auto"/>
-    </cs:lnRef>
-    <cs:fillRef idx="0"/>
-    <cs:effectRef idx="0"/>
-    <cs:fontRef idx="minor">
-      <a:schemeClr val="tx2"/>
-    </cs:fontRef>
-    <cs:spPr>
-      <a:ln w="19050" cap="rnd">
-        <a:solidFill>
-          <a:schemeClr val="phClr"/>
-        </a:solidFill>
-        <a:prstDash val="sysDash"/>
-      </a:ln>
-    </cs:spPr>
-  </cs:trendline>
-  <cs:trendlineLabel>
-    <cs:lnRef idx="0"/>
-    <cs:fillRef idx="0"/>
-    <cs:effectRef idx="0"/>
-    <cs:fontRef idx="minor">
-      <a:schemeClr val="tx2"/>
-    </cs:fontRef>
-    <cs:defRPr sz="1197" kern="1200"/>
-  </cs:trendlineLabel>
-  <cs:upBar>
-    <cs:lnRef idx="0"/>
-    <cs:fillRef idx="0"/>
-    <cs:effectRef idx="0"/>
-    <cs:fontRef idx="minor">
-      <a:schemeClr val="tx2"/>
-    </cs:fontRef>
-    <cs:spPr>
-      <a:solidFill>
-        <a:schemeClr val="lt1"/>
-      </a:solidFill>
-      <a:ln w="9525">
-        <a:solidFill>
-          <a:schemeClr val="tx1">
-            <a:lumMod val="15000"/>
-            <a:lumOff val="85000"/>
-          </a:schemeClr>
-        </a:solidFill>
-      </a:ln>
-    </cs:spPr>
-  </cs:upBar>
-  <cs:valueAxis>
-    <cs:lnRef idx="0"/>
-    <cs:fillRef idx="0"/>
-    <cs:effectRef idx="0"/>
-    <cs:fontRef idx="minor">
-      <a:schemeClr val="tx2"/>
-    </cs:fontRef>
-    <cs:defRPr sz="1197" kern="1200"/>
-  </cs:valueAxis>
-  <cs:wall>
-    <cs:lnRef idx="0"/>
-    <cs:fillRef idx="0"/>
-    <cs:effectRef idx="0"/>
-    <cs:fontRef idx="minor">
-      <a:schemeClr val="tx2"/>
-    </cs:fontRef>
-  </cs:wall>
-</cs:chartStyle>
-</file>
-
-<file path=ppt/diagrams/colors1.xml><?xml version="1.0" encoding="utf-8"?>
-<dgm:colorsDef xmlns:dgm="http://schemas.openxmlformats.org/drawingml/2006/diagram" xmlns:a="http://schemas.openxmlformats.org/drawingml/2006/main" uniqueId="urn:microsoft.com/office/officeart/2005/8/colors/accent1_1">
-  <dgm:title val=""/>
-  <dgm:desc val=""/>
-  <dgm:catLst>
-    <dgm:cat type="accent1" pri="11100"/>
-  </dgm:catLst>
-  <dgm:styleLbl name="node0">
-    <dgm:fillClrLst meth="repeat">
-      <a:schemeClr val="lt1"/>
-    </dgm:fillClrLst>
-    <dgm:linClrLst meth="repeat">
-      <a:schemeClr val="accent1">
-        <a:shade val="80000"/>
-      </a:schemeClr>
-    </dgm:linClrLst>
-    <dgm:effectClrLst/>
-    <dgm:txLinClrLst/>
-    <dgm:txFillClrLst meth="repeat">
-      <a:schemeClr val="dk1"/>
-    </dgm:txFillClrLst>
-    <dgm:txEffectClrLst/>
-  </dgm:styleLbl>
-  <dgm:styleLbl name="alignNode1">
-    <dgm:fillClrLst meth="repeat">
-      <a:schemeClr val="lt1"/>
-    </dgm:fillClrLst>
-    <dgm:linClrLst meth="repeat">
-      <a:schemeClr val="accent1">
-        <a:shade val="80000"/>
-      </a:schemeClr>
-    </dgm:linClrLst>
-    <dgm:effectClrLst/>
-    <dgm:txLinClrLst/>
-    <dgm:txFillClrLst meth="repeat">
-      <a:schemeClr val="dk1"/>
-    </dgm:txFillClrLst>
-    <dgm:txEffectClrLst/>
-  </dgm:styleLbl>
-  <dgm:styleLbl name="node1">
-    <dgm:fillClrLst meth="repeat">
-      <a:schemeClr val="lt1"/>
-    </dgm:fillClrLst>
-    <dgm:linClrLst meth="repeat">
-      <a:schemeClr val="accent1">
-        <a:shade val="80000"/>
-      </a:schemeClr>
-    </dgm:linClrLst>
-    <dgm:effectClrLst/>
-    <dgm:txLinClrLst/>
-    <dgm:txFillClrLst meth="repeat">
-      <a:schemeClr val="dk1"/>
-    </dgm:txFillClrLst>
-    <dgm:txEffectClrLst/>
-  </dgm:styleLbl>
-  <dgm:styleLbl name="lnNode1">
-    <dgm:fillClrLst meth="repeat">
-      <a:schemeClr val="lt1"/>
-    </dgm:fillClrLst>
-    <dgm:linClrLst meth="repeat">
-      <a:schemeClr val="accent1">
-        <a:shade val="80000"/>
-      </a:schemeClr>
-    </dgm:linClrLst>
-    <dgm:effectClrLst/>
-    <dgm:txLinClrLst/>
-    <dgm:txFillClrLst meth="repeat">
-      <a:schemeClr val="dk1"/>
-    </dgm:txFillClrLst>
-    <dgm:txEffectClrLst/>
-  </dgm:styleLbl>
-  <dgm:styleLbl name="vennNode1">
-    <dgm:fillClrLst meth="repeat">
-      <a:schemeClr val="lt1">
-        <a:alpha val="50000"/>
-      </a:schemeClr>
-    </dgm:fillClrLst>
-    <dgm:linClrLst meth="repeat">
-      <a:schemeClr val="accent1">
-        <a:shade val="80000"/>
-      </a:schemeClr>
-    </dgm:linClrLst>
-    <dgm:effectClrLst/>
-    <dgm:txLinClrLst/>
-    <dgm:txFillClrLst/>
-    <dgm:txEffectClrLst/>
-  </dgm:styleLbl>
-  <dgm:styleLbl name="node2">
-    <dgm:fillClrLst meth="repeat">
-      <a:schemeClr val="lt1"/>
-    </dgm:fillClrLst>
-    <dgm:linClrLst meth="repeat">
-      <a:schemeClr val="accent1">
-        <a:shade val="80000"/>
-      </a:schemeClr>
-    </dgm:linClrLst>
-    <dgm:effectClrLst/>
-    <dgm:txLinClrLst/>
-    <dgm:txFillClrLst meth="repeat">
-      <a:schemeClr val="dk1"/>
-    </dgm:txFillClrLst>
-    <dgm:txEffectClrLst/>
-  </dgm:styleLbl>
-  <dgm:styleLbl name="node3">
-    <dgm:fillClrLst meth="repeat">
-      <a:schemeClr val="lt1"/>
-    </dgm:fillClrLst>
-    <dgm:linClrLst meth="repeat">
-      <a:schemeClr val="accent1">
-        <a:shade val="80000"/>
-      </a:schemeClr>
-    </dgm:linClrLst>
-    <dgm:effectClrLst/>
-    <dgm:txLinClrLst/>
-    <dgm:txFillClrLst meth="repeat">
-      <a:schemeClr val="dk1"/>
-    </dgm:txFillClrLst>
-    <dgm:txEffectClrLst/>
-  </dgm:styleLbl>
-  <dgm:styleLbl name="node4">
-    <dgm:fillClrLst meth="repeat">
-      <a:schemeClr val="lt1"/>
-    </dgm:fillClrLst>
-    <dgm:linClrLst meth="repeat">
-      <a:schemeClr val="accent1">
-        <a:shade val="80000"/>
-      </a:schemeClr>
-    </dgm:linClrLst>
-    <dgm:effectClrLst/>
-    <dgm:txLinClrLst/>
-    <dgm:txFillClrLst meth="repeat">
-      <a:schemeClr val="dk1"/>
-    </dgm:txFillClrLst>
-    <dgm:txEffectClrLst/>
-  </dgm:styleLbl>
-  <dgm:styleLbl name="fgImgPlace1">
-    <dgm:fillClrLst meth="repeat">
-      <a:schemeClr val="accent1">
-        <a:tint val="40000"/>
-      </a:schemeClr>
-    </dgm:fillClrLst>
-    <dgm:linClrLst meth="repeat">
-      <a:schemeClr val="accent1">
-        <a:shade val="80000"/>
-      </a:schemeClr>
-    </dgm:linClrLst>
-    <dgm:effectClrLst/>
-    <dgm:txLinClrLst/>
-    <dgm:txFillClrLst meth="repeat">
-      <a:schemeClr val="lt1"/>
-    </dgm:txFillClrLst>
-    <dgm:txEffectClrLst/>
-  </dgm:styleLbl>
-  <dgm:styleLbl name="alignImgPlace1">
-    <dgm:fillClrLst meth="repeat">
-      <a:schemeClr val="accent1">
-        <a:tint val="40000"/>
-      </a:schemeClr>
-    </dgm:fillClrLst>
-    <dgm:linClrLst meth="repeat">
-      <a:schemeClr val="accent1">
-        <a:shade val="80000"/>
-      </a:schemeClr>
-    </dgm:linClrLst>
-    <dgm:effectClrLst/>
-    <dgm:txLinClrLst/>
-    <dgm:txFillClrLst meth="repeat">
-      <a:schemeClr val="lt1"/>
-    </dgm:txFillClrLst>
-    <dgm:txEffectClrLst/>
-  </dgm:styleLbl>
-  <dgm:styleLbl name="bgImgPlace1">
-    <dgm:fillClrLst meth="repeat">
-      <a:schemeClr val="accent1">
-        <a:tint val="40000"/>
-      </a:schemeClr>
-    </dgm:fillClrLst>
-    <dgm:linClrLst meth="repeat">
-      <a:schemeClr val="accent1">
-        <a:shade val="80000"/>
-      </a:schemeClr>
-    </dgm:linClrLst>
-    <dgm:effectClrLst/>
-    <dgm:txLinClrLst/>
-    <dgm:txFillClrLst meth="repeat">
-      <a:schemeClr val="lt1"/>
-    </dgm:txFillClrLst>
-    <dgm:txEffectClrLst/>
-  </dgm:styleLbl>
-  <dgm:styleLbl name="sibTrans2D1">
-    <dgm:fillClrLst meth="repeat">
-      <a:schemeClr val="accent1">
-        <a:tint val="60000"/>
-      </a:schemeClr>
-    </dgm:fillClrLst>
-    <dgm:linClrLst meth="repeat">
-      <a:schemeClr val="accent1">
-        <a:tint val="60000"/>
-      </a:schemeClr>
-    </dgm:linClrLst>
-    <dgm:effectClrLst/>
-    <dgm:txLinClrLst/>
-    <dgm:txFillClrLst meth="repeat">
-      <a:schemeClr val="dk1"/>
-    </dgm:txFillClrLst>
-    <dgm:txEffectClrLst/>
-  </dgm:styleLbl>
-  <dgm:styleLbl name="fgSibTrans2D1">
-    <dgm:fillClrLst meth="repeat">
-      <a:schemeClr val="accent1">
-        <a:tint val="60000"/>
-      </a:schemeClr>
-    </dgm:fillClrLst>
-    <dgm:linClrLst meth="repeat">
-      <a:schemeClr val="accent1">
-        <a:tint val="60000"/>
-      </a:schemeClr>
-    </dgm:linClrLst>
-    <dgm:effectClrLst/>
-    <dgm:txLinClrLst/>
-    <dgm:txFillClrLst meth="repeat">
-      <a:schemeClr val="dk1"/>
-    </dgm:txFillClrLst>
-    <dgm:txEffectClrLst/>
-  </dgm:styleLbl>
-  <dgm:styleLbl name="bgSibTrans2D1">
-    <dgm:fillClrLst meth="repeat">
-      <a:schemeClr val="accent1">
-        <a:tint val="60000"/>
-      </a:schemeClr>
-    </dgm:fillClrLst>
-    <dgm:linClrLst meth="repeat">
-      <a:schemeClr val="accent1">
-        <a:tint val="60000"/>
-      </a:schemeClr>
-    </dgm:linClrLst>
-    <dgm:effectClrLst/>
-    <dgm:txLinClrLst/>
-    <dgm:txFillClrLst meth="repeat">
-      <a:schemeClr val="dk1"/>
-    </dgm:txFillClrLst>
-    <dgm:txEffectClrLst/>
-  </dgm:styleLbl>
-  <dgm:styleLbl name="sibTrans1D1">
-    <dgm:fillClrLst meth="repeat">
-      <a:schemeClr val="accent1"/>
-    </dgm:fillClrLst>
-    <dgm:linClrLst meth="repeat">
-      <a:schemeClr val="accent1"/>
-    </dgm:linClrLst>
-    <dgm:effectClrLst/>
-    <dgm:txLinClrLst/>
-    <dgm:txFillClrLst meth="repeat">
-      <a:schemeClr val="tx1"/>
-    </dgm:txFillClrLst>
-    <dgm:txEffectClrLst/>
-  </dgm:styleLbl>
-  <dgm:styleLbl name="callout">
-    <dgm:fillClrLst meth="repeat">
-      <a:schemeClr val="accent1"/>
-    </dgm:fillClrLst>
-    <dgm:linClrLst meth="repeat">
-      <a:schemeClr val="accent1"/>
-    </dgm:linClrLst>
-    <dgm:effectClrLst/>
-    <dgm:txLinClrLst/>
-    <dgm:txFillClrLst meth="repeat">
-      <a:schemeClr val="tx1"/>
-    </dgm:txFillClrLst>
-    <dgm:txEffectClrLst/>
-  </dgm:styleLbl>
-  <dgm:styleLbl name="asst0">
-    <dgm:fillClrLst meth="repeat">
-      <a:schemeClr val="lt1"/>
-    </dgm:fillClrLst>
-    <dgm:linClrLst meth="repeat">
-      <a:schemeClr val="accent1">
-        <a:shade val="80000"/>
-      </a:schemeClr>
-    </dgm:linClrLst>
-    <dgm:effectClrLst/>
-    <dgm:txLinClrLst/>
-    <dgm:txFillClrLst meth="repeat">
-      <a:schemeClr val="dk1"/>
-    </dgm:txFillClrLst>
-    <dgm:txEffectClrLst/>
-  </dgm:styleLbl>
-  <dgm:styleLbl name="asst1">
-    <dgm:fillClrLst meth="repeat">
-      <a:schemeClr val="lt1"/>
-    </dgm:fillClrLst>
-    <dgm:linClrLst meth="repeat">
-      <a:schemeClr val="accent1">
-        <a:shade val="80000"/>
-      </a:schemeClr>
-    </dgm:linClrLst>
-    <dgm:effectClrLst/>
-    <dgm:txLinClrLst/>
-    <dgm:txFillClrLst meth="repeat">
-      <a:schemeClr val="dk1"/>
-    </dgm:txFillClrLst>
-    <dgm:txEffectClrLst/>
-  </dgm:styleLbl>
-  <dgm:styleLbl name="asst2">
-    <dgm:fillClrLst meth="repeat">
-      <a:schemeClr val="lt1"/>
-    </dgm:fillClrLst>
-    <dgm:linClrLst meth="repeat">
-      <a:schemeClr val="accent1">
-        <a:shade val="80000"/>
-      </a:schemeClr>
-    </dgm:linClrLst>
-    <dgm:effectClrLst/>
-    <dgm:txLinClrLst/>
-    <dgm:txFillClrLst meth="repeat">
-      <a:schemeClr val="dk1"/>
-    </dgm:txFillClrLst>
-    <dgm:txEffectClrLst/>
-  </dgm:styleLbl>
-  <dgm:styleLbl name="asst3">
-    <dgm:fillClrLst meth="repeat">
-      <a:schemeClr val="lt1"/>
-    </dgm:fillClrLst>
-    <dgm:linClrLst meth="repeat">
-      <a:schemeClr val="accent1">
-        <a:shade val="80000"/>
-      </a:schemeClr>
-    </dgm:linClrLst>
-    <dgm:effectClrLst/>
-    <dgm:txLinClrLst/>
-    <dgm:txFillClrLst meth="repeat">
-      <a:schemeClr val="dk1"/>
-    </dgm:txFillClrLst>
-    <dgm:txEffectClrLst/>
-  </dgm:styleLbl>
-  <dgm:styleLbl name="asst4">
-    <dgm:fillClrLst meth="repeat">
-      <a:schemeClr val="lt1"/>
-    </dgm:fillClrLst>
-    <dgm:linClrLst meth="repeat">
-      <a:schemeClr val="accent1">
-        <a:shade val="80000"/>
-      </a:schemeClr>
-    </dgm:linClrLst>
-    <dgm:effectClrLst/>
-    <dgm:txLinClrLst/>
-    <dgm:txFillClrLst meth="repeat">
-      <a:schemeClr val="dk1"/>
-    </dgm:txFillClrLst>
-    <dgm:txEffectClrLst/>
-  </dgm:styleLbl>
-  <dgm:styleLbl name="parChTrans2D1">
-    <dgm:fillClrLst meth="repeat">
-      <a:schemeClr val="accent1">
-        <a:tint val="60000"/>
-      </a:schemeClr>
-    </dgm:fillClrLst>
-    <dgm:linClrLst meth="repeat">
-      <a:schemeClr val="accent1">
-        <a:tint val="60000"/>
-      </a:schemeClr>
-    </dgm:linClrLst>
-    <dgm:effectClrLst/>
-    <dgm:txLinClrLst/>
-    <dgm:txFillClrLst/>
-    <dgm:txEffectClrLst/>
-  </dgm:styleLbl>
-  <dgm:styleLbl name="parChTrans2D2">
-    <dgm:fillClrLst meth="repeat">
-      <a:schemeClr val="accent1"/>
-    </dgm:fillClrLst>
-    <dgm:linClrLst meth="repeat">
-      <a:schemeClr val="accent1"/>
-    </dgm:linClrLst>
-    <dgm:effectClrLst/>
-    <dgm:txLinClrLst/>
-    <dgm:txFillClrLst/>
-    <dgm:txEffectClrLst/>
-  </dgm:styleLbl>
-  <dgm:styleLbl name="parChTrans2D3">
-    <dgm:fillClrLst meth="repeat">
-      <a:schemeClr val="accent1"/>
-    </dgm:fillClrLst>
-    <dgm:linClrLst meth="repeat">
-      <a:schemeClr val="accent1"/>
-    </dgm:linClrLst>
-    <dgm:effectClrLst/>
-    <dgm:txLinClrLst/>
-    <dgm:txFillClrLst/>
-    <dgm:txEffectClrLst/>
-  </dgm:styleLbl>
-  <dgm:styleLbl name="parChTrans2D4">
-    <dgm:fillClrLst meth="repeat">
-      <a:schemeClr val="accent1"/>
-    </dgm:fillClrLst>
-    <dgm:linClrLst meth="repeat">
-      <a:schemeClr val="accent1"/>
-    </dgm:linClrLst>
-    <dgm:effectClrLst/>
-    <dgm:txLinClrLst/>
-    <dgm:txFillClrLst meth="repeat">
-      <a:schemeClr val="lt1"/>
-    </dgm:txFillClrLst>
-    <dgm:txEffectClrLst/>
-  </dgm:styleLbl>
-  <dgm:styleLbl name="parChTrans1D1">
-    <dgm:fillClrLst meth="repeat">
-      <a:schemeClr val="accent1"/>
-    </dgm:fillClrLst>
-    <dgm:linClrLst meth="repeat">
-      <a:schemeClr val="accent1">
-        <a:shade val="60000"/>
-      </a:schemeClr>
-    </dgm:linClrLst>
-    <dgm:effectClrLst/>
-    <dgm:txLinClrLst/>
-    <dgm:txFillClrLst meth="repeat">
-      <a:schemeClr val="tx1"/>
-    </dgm:txFillClrLst>
-    <dgm:txEffectClrLst/>
-  </dgm:styleLbl>
-  <dgm:styleLbl name="parChTrans1D2">
-    <dgm:fillClrLst meth="repeat">
-      <a:schemeClr val="accent1"/>
-    </dgm:fillClrLst>
-    <dgm:linClrLst meth="repeat">
-      <a:schemeClr val="accent1">
-        <a:shade val="60000"/>
-      </a:schemeClr>
-    </dgm:linClrLst>
-    <dgm:effectClrLst/>
-    <dgm:txLinClrLst/>
-    <dgm:txFillClrLst meth="repeat">
-      <a:schemeClr val="tx1"/>
-    </dgm:txFillClrLst>
-    <dgm:txEffectClrLst/>
-  </dgm:styleLbl>
-  <dgm:styleLbl name="parChTrans1D3">
-    <dgm:fillClrLst meth="repeat">
-      <a:schemeClr val="accent1"/>
-    </dgm:fillClrLst>
-    <dgm:linClrLst meth="repeat">
-      <a:schemeClr val="accent1">
-        <a:shade val="80000"/>
-      </a:schemeClr>
-    </dgm:linClrLst>
-    <dgm:effectClrLst/>
-    <dgm:txLinClrLst/>
-    <dgm:txFillClrLst meth="repeat">
-      <a:schemeClr val="tx1"/>
-    </dgm:txFillClrLst>
-    <dgm:txEffectClrLst/>
-  </dgm:styleLbl>
-  <dgm:styleLbl name="parChTrans1D4">
-    <dgm:fillClrLst meth="repeat">
-      <a:schemeClr val="accent1"/>
-    </dgm:fillClrLst>
-    <dgm:linClrLst meth="repeat">
-      <a:schemeClr val="accent1">
-        <a:shade val="80000"/>
-      </a:schemeClr>
-    </dgm:linClrLst>
-    <dgm:effectClrLst/>
-    <dgm:txLinClrLst/>
-    <dgm:txFillClrLst meth="repeat">
-      <a:schemeClr val="tx1"/>
-    </dgm:txFillClrLst>
-    <dgm:txEffectClrLst/>
-  </dgm:styleLbl>
-  <dgm:styleLbl name="fgAcc1">
-    <dgm:fillClrLst meth="repeat">
-      <a:schemeClr val="accent1">
-        <a:alpha val="90000"/>
-        <a:tint val="40000"/>
-      </a:schemeClr>
-    </dgm:fillClrLst>
-    <dgm:linClrLst meth="repeat">
-      <a:schemeClr val="accent1"/>
-    </dgm:linClrLst>
-    <dgm:effectClrLst/>
-    <dgm:txLinClrLst/>
-    <dgm:txFillClrLst meth="repeat">
-      <a:schemeClr val="dk1"/>
-    </dgm:txFillClrLst>
-    <dgm:txEffectClrLst/>
-  </dgm:styleLbl>
-  <dgm:styleLbl name="conFgAcc1">
-    <dgm:fillClrLst meth="repeat">
-      <a:schemeClr val="accent1">
-        <a:alpha val="90000"/>
-        <a:tint val="40000"/>
-      </a:schemeClr>
-    </dgm:fillClrLst>
-    <dgm:linClrLst meth="repeat">
-      <a:schemeClr val="accent1"/>
-    </dgm:linClrLst>
-    <dgm:effectClrLst/>
-    <dgm:txLinClrLst/>
-    <dgm:txFillClrLst meth="repeat">
-      <a:schemeClr val="dk1"/>
-    </dgm:txFillClrLst>
-    <dgm:txEffectClrLst/>
-  </dgm:styleLbl>
-  <dgm:styleLbl name="alignAcc1">
-    <dgm:fillClrLst meth="repeat">
-      <a:schemeClr val="accent1">
-        <a:alpha val="90000"/>
-        <a:tint val="40000"/>
-      </a:schemeClr>
-    </dgm:fillClrLst>
-    <dgm:linClrLst meth="repeat">
-      <a:schemeClr val="accent1"/>
-    </dgm:linClrLst>
-    <dgm:effectClrLst/>
-    <dgm:txLinClrLst/>
-    <dgm:txFillClrLst meth="repeat">
-      <a:schemeClr val="dk1"/>
-    </dgm:txFillClrLst>
-    <dgm:txEffectClrLst/>
-  </dgm:styleLbl>
-  <dgm:styleLbl name="trAlignAcc1">
-    <dgm:fillClrLst meth="repeat">
-      <a:schemeClr val="accent1">
-        <a:alpha val="40000"/>
-        <a:tint val="40000"/>
-      </a:schemeClr>
-    </dgm:fillClrLst>
-    <dgm:linClrLst meth="repeat">
-      <a:schemeClr val="accent1"/>
-    </dgm:linClrLst>
-    <dgm:effectClrLst/>
-    <dgm:txLinClrLst/>
-    <dgm:txFillClrLst meth="repeat">
-      <a:schemeClr val="dk1"/>
-    </dgm:txFillClrLst>
-    <dgm:txEffectClrLst/>
-  </dgm:styleLbl>
-  <dgm:styleLbl name="bgAcc1">
-    <dgm:fillClrLst meth="repeat">
-      <a:schemeClr val="accent1">
-        <a:alpha val="90000"/>
-        <a:tint val="40000"/>
-      </a:schemeClr>
-    </dgm:fillClrLst>
-    <dgm:linClrLst meth="repeat">
-      <a:schemeClr val="accent1"/>
-    </dgm:linClrLst>
-    <dgm:effectClrLst/>
-    <dgm:txLinClrLst/>
-    <dgm:txFillClrLst meth="repeat">
-      <a:schemeClr val="dk1"/>
-    </dgm:txFillClrLst>
-    <dgm:txEffectClrLst/>
-  </dgm:styleLbl>
-  <dgm:styleLbl name="solidFgAcc1">
-    <dgm:fillClrLst meth="repeat">
-      <a:schemeClr val="lt1"/>
-    </dgm:fillClrLst>
-    <dgm:linClrLst meth="repeat">
-      <a:schemeClr val="accent1"/>
-    </dgm:linClrLst>
-    <dgm:effectClrLst/>
-    <dgm:txLinClrLst/>
-    <dgm:txFillClrLst meth="repeat">
-      <a:schemeClr val="dk1"/>
-    </dgm:txFillClrLst>
-    <dgm:txEffectClrLst/>
-  </dgm:styleLbl>
-  <dgm:styleLbl name="solidAlignAcc1">
-    <dgm:fillClrLst meth="repeat">
-      <a:schemeClr val="lt1"/>
-    </dgm:fillClrLst>
-    <dgm:linClrLst meth="repeat">
-      <a:schemeClr val="accent1"/>
-    </dgm:linClrLst>
-    <dgm:effectClrLst/>
-    <dgm:txLinClrLst/>
-    <dgm:txFillClrLst meth="repeat">
-      <a:schemeClr val="dk1"/>
-    </dgm:txFillClrLst>
-    <dgm:txEffectClrLst/>
-  </dgm:styleLbl>
-  <dgm:styleLbl name="solidBgAcc1">
-    <dgm:fillClrLst meth="repeat">
-      <a:schemeClr val="lt1"/>
-    </dgm:fillClrLst>
-    <dgm:linClrLst meth="repeat">
-      <a:schemeClr val="accent1"/>
-    </dgm:linClrLst>
-    <dgm:effectClrLst/>
-    <dgm:txLinClrLst/>
-    <dgm:txFillClrLst meth="repeat">
-      <a:schemeClr val="dk1"/>
-    </dgm:txFillClrLst>
-    <dgm:txEffectClrLst/>
-  </dgm:styleLbl>
-  <dgm:styleLbl name="fgAccFollowNode1">
-    <dgm:fillClrLst meth="repeat">
-      <a:schemeClr val="lt1">
-        <a:alpha val="90000"/>
-        <a:tint val="40000"/>
-      </a:schemeClr>
-    </dgm:fillClrLst>
-    <dgm:linClrLst meth="repeat">
-      <a:schemeClr val="accent1">
-        <a:alpha val="90000"/>
-      </a:schemeClr>
-    </dgm:linClrLst>
-    <dgm:effectClrLst/>
-    <dgm:txLinClrLst/>
-    <dgm:txFillClrLst meth="repeat">
-      <a:schemeClr val="dk1"/>
-    </dgm:txFillClrLst>
-    <dgm:txEffectClrLst/>
-  </dgm:styleLbl>
-  <dgm:styleLbl name="alignAccFollowNode1">
-    <dgm:fillClrLst meth="repeat">
-      <a:schemeClr val="lt1">
-        <a:alpha val="90000"/>
-        <a:tint val="40000"/>
-      </a:schemeClr>
-    </dgm:fillClrLst>
-    <dgm:linClrLst meth="repeat">
-      <a:schemeClr val="accent1">
-        <a:alpha val="90000"/>
-      </a:schemeClr>
-    </dgm:linClrLst>
-    <dgm:effectClrLst/>
-    <dgm:txLinClrLst/>
-    <dgm:txFillClrLst meth="repeat">
-      <a:schemeClr val="dk1"/>
-    </dgm:txFillClrLst>
-    <dgm:txEffectClrLst/>
-  </dgm:styleLbl>
-  <dgm:styleLbl name="bgAccFollowNode1">
-    <dgm:fillClrLst meth="repeat">
-      <a:schemeClr val="lt1">
-        <a:alpha val="90000"/>
-        <a:tint val="40000"/>
-      </a:schemeClr>
-    </dgm:fillClrLst>
-    <dgm:linClrLst meth="repeat">
-      <a:schemeClr val="accent1">
-        <a:alpha val="90000"/>
-      </a:schemeClr>
-    </dgm:linClrLst>
-    <dgm:effectClrLst/>
-    <dgm:txLinClrLst/>
-    <dgm:txFillClrLst meth="repeat">
-      <a:schemeClr val="dk1"/>
-    </dgm:txFillClrLst>
-    <dgm:txEffectClrLst/>
-  </dgm:styleLbl>
-  <dgm:styleLbl name="fgAcc0">
-    <dgm:fillClrLst meth="repeat">
-      <a:schemeClr val="accent1">
-        <a:alpha val="90000"/>
-        <a:tint val="40000"/>
-      </a:schemeClr>
-    </dgm:fillClrLst>
-    <dgm:linClrLst meth="repeat">
-      <a:schemeClr val="accent1"/>
-    </dgm:linClrLst>
-    <dgm:effectClrLst/>
-    <dgm:txLinClrLst/>
-    <dgm:txFillClrLst meth="repeat">
-      <a:schemeClr val="dk1"/>
-    </dgm:txFillClrLst>
-    <dgm:txEffectClrLst/>
-  </dgm:styleLbl>
-  <dgm:styleLbl name="fgAcc2">
-    <dgm:fillClrLst meth="repeat">
-      <a:schemeClr val="accent1">
-        <a:alpha val="90000"/>
-        <a:tint val="40000"/>
-      </a:schemeClr>
-    </dgm:fillClrLst>
-    <dgm:linClrLst meth="repeat">
-      <a:schemeClr val="accent1"/>
-    </dgm:linClrLst>
-    <dgm:effectClrLst/>
-    <dgm:txLinClrLst/>
-    <dgm:txFillClrLst meth="repeat">
-      <a:schemeClr val="dk1"/>
-    </dgm:txFillClrLst>
-    <dgm:txEffectClrLst/>
-  </dgm:styleLbl>
-  <dgm:styleLbl name="fgAcc3">
-    <dgm:fillClrLst meth="repeat">
-      <a:schemeClr val="accent1">
-        <a:alpha val="90000"/>
-        <a:tint val="40000"/>
-      </a:schemeClr>
-    </dgm:fillClrLst>
-    <dgm:linClrLst meth="repeat">
-      <a:schemeClr val="accent1"/>
-    </dgm:linClrLst>
-    <dgm:effectClrLst/>
-    <dgm:txLinClrLst/>
-    <dgm:txFillClrLst meth="repeat">
-      <a:schemeClr val="dk1"/>
-    </dgm:txFillClrLst>
-    <dgm:txEffectClrLst/>
-  </dgm:styleLbl>
-  <dgm:styleLbl name="fgAcc4">
-    <dgm:fillClrLst meth="repeat">
-      <a:schemeClr val="accent1">
-        <a:alpha val="90000"/>
-        <a:tint val="40000"/>
-      </a:schemeClr>
-    </dgm:fillClrLst>
-    <dgm:linClrLst meth="repeat">
-      <a:schemeClr val="accent1"/>
-    </dgm:linClrLst>
-    <dgm:effectClrLst/>
-    <dgm:txLinClrLst/>
-    <dgm:txFillClrLst meth="repeat">
-      <a:schemeClr val="dk1"/>
-    </dgm:txFillClrLst>
-    <dgm:txEffectClrLst/>
-  </dgm:styleLbl>
-  <dgm:styleLbl name="bgShp">
-    <dgm:fillClrLst meth="repeat">
-      <a:schemeClr val="accent1">
-        <a:tint val="40000"/>
-      </a:schemeClr>
-    </dgm:fillClrLst>
-    <dgm:linClrLst meth="repeat">
-      <a:schemeClr val="accent1"/>
-    </dgm:linClrLst>
-    <dgm:effectClrLst/>
-    <dgm:txLinClrLst/>
-    <dgm:txFillClrLst meth="repeat">
-      <a:schemeClr val="dk1"/>
-    </dgm:txFillClrLst>
-    <dgm:txEffectClrLst/>
-  </dgm:styleLbl>
-  <dgm:styleLbl name="dkBgShp">
-    <dgm:fillClrLst meth="repeat">
-      <a:schemeClr val="accent1">
-        <a:shade val="80000"/>
-      </a:schemeClr>
-    </dgm:fillClrLst>
-    <dgm:linClrLst meth="repeat">
-      <a:schemeClr val="accent1"/>
-    </dgm:linClrLst>
-    <dgm:effectClrLst/>
-    <dgm:txLinClrLst/>
-    <dgm:txFillClrLst meth="repeat">
-      <a:schemeClr val="lt1"/>
-    </dgm:txFillClrLst>
-    <dgm:txEffectClrLst/>
-  </dgm:styleLbl>
-  <dgm:styleLbl name="trBgShp">
-    <dgm:fillClrLst meth="repeat">
-      <a:schemeClr val="accent1">
-        <a:tint val="50000"/>
-        <a:alpha val="40000"/>
-      </a:schemeClr>
-    </dgm:fillClrLst>
-    <dgm:linClrLst meth="repeat">
-      <a:schemeClr val="accent1"/>
-    </dgm:linClrLst>
-    <dgm:effectClrLst/>
-    <dgm:txLinClrLst/>
-    <dgm:txFillClrLst meth="repeat">
-      <a:schemeClr val="lt1"/>
-    </dgm:txFillClrLst>
-    <dgm:txEffectClrLst/>
-  </dgm:styleLbl>
-  <dgm:styleLbl name="fgShp">
-    <dgm:fillClrLst meth="repeat">
-      <a:schemeClr val="accent1">
-        <a:tint val="60000"/>
-      </a:schemeClr>
-    </dgm:fillClrLst>
-    <dgm:linClrLst meth="repeat">
-      <a:schemeClr val="lt1"/>
-    </dgm:linClrLst>
-    <dgm:effectClrLst/>
-    <dgm:txLinClrLst/>
-    <dgm:txFillClrLst meth="repeat">
-      <a:schemeClr val="dk1"/>
-    </dgm:txFillClrLst>
-    <dgm:txEffectClrLst/>
-  </dgm:styleLbl>
-  <dgm:styleLbl name="revTx">
-    <dgm:fillClrLst meth="repeat">
-      <a:schemeClr val="lt1">
-        <a:alpha val="0"/>
-      </a:schemeClr>
-    </dgm:fillClrLst>
-    <dgm:linClrLst meth="repeat">
-      <a:schemeClr val="dk1">
-        <a:alpha val="0"/>
-      </a:schemeClr>
-    </dgm:linClrLst>
-    <dgm:effectClrLst/>
-    <dgm:txLinClrLst/>
-    <dgm:txFillClrLst meth="repeat">
-      <a:schemeClr val="tx1"/>
-    </dgm:txFillClrLst>
-    <dgm:txEffectClrLst/>
-  </dgm:styleLbl>
-</dgm:colorsDef>
-</file>
-
-<file path=ppt/diagrams/data1.xml><?xml version="1.0" encoding="utf-8"?>
-<dgm:dataModel xmlns:dgm="http://schemas.openxmlformats.org/drawingml/2006/diagram" xmlns:a="http://schemas.openxmlformats.org/drawingml/2006/main">
-  <dgm:ptLst>
-    <dgm:pt modelId="{FBA29113-7A70-4E0E-B036-871C49B835F1}" type="doc">
-      <dgm:prSet loTypeId="urn:microsoft.com/office/officeart/2005/8/layout/hProcess6" loCatId="process" qsTypeId="urn:microsoft.com/office/officeart/2005/8/quickstyle/simple1" qsCatId="simple" csTypeId="urn:microsoft.com/office/officeart/2005/8/colors/accent1_1" csCatId="accent1" phldr="1"/>
-      <dgm:spPr/>
-      <dgm:t>
-        <a:bodyPr rtlCol="0"/>
-        <a:lstStyle/>
-        <a:p>
-          <a:pPr rtl="0"/>
-          <a:endParaRPr lang="en-US"/>
-        </a:p>
-      </dgm:t>
-    </dgm:pt>
-    <dgm:pt modelId="{A6406C01-7E83-4650-8EF5-394419DCB348}">
-      <dgm:prSet phldrT="[Text]"/>
-      <dgm:spPr/>
-      <dgm:t>
-        <a:bodyPr rtlCol="0"/>
-        <a:lstStyle/>
-        <a:p>
-          <a:pPr rtl="0"/>
-          <a:r>
-            <a:rPr lang="en-US" altLang="ko-KR" noProof="0" dirty="0" smtClean="0">
-              <a:latin typeface="맑은 고딕" panose="020B0503020000020004" pitchFamily="50" charset="-127"/>
-              <a:ea typeface="맑은 고딕" panose="020B0503020000020004" pitchFamily="50" charset="-127"/>
-            </a:rPr>
-            <a:t>1</a:t>
-          </a:r>
-          <a:r>
-            <a:rPr lang="ko-KR" altLang="en-US" noProof="0" dirty="0" smtClean="0">
-              <a:latin typeface="맑은 고딕" panose="020B0503020000020004" pitchFamily="50" charset="-127"/>
-              <a:ea typeface="맑은 고딕" panose="020B0503020000020004" pitchFamily="50" charset="-127"/>
-            </a:rPr>
-            <a:t>단계 제목</a:t>
-          </a:r>
-          <a:endParaRPr lang="ko-KR" altLang="en-US" noProof="0" dirty="0">
-            <a:latin typeface="맑은 고딕" panose="020B0503020000020004" pitchFamily="50" charset="-127"/>
-            <a:ea typeface="맑은 고딕" panose="020B0503020000020004" pitchFamily="50" charset="-127"/>
-          </a:endParaRPr>
-        </a:p>
-      </dgm:t>
-      <dgm:extLst>
-        <a:ext uri="{E40237B7-FDA0-4F09-8148-C483321AD2D9}">
-          <dgm14:cNvPr xmlns:dgm14="http://schemas.microsoft.com/office/drawing/2010/diagram" id="0" name="" title="Step 1 title"/>
-        </a:ext>
-      </dgm:extLst>
-    </dgm:pt>
-    <dgm:pt modelId="{2586B3BB-DA8B-42DF-AC9A-77CE21607FD0}" type="parTrans" cxnId="{4D956F8D-5727-488A-93AF-F33602655A44}">
-      <dgm:prSet/>
-      <dgm:spPr/>
-      <dgm:t>
-        <a:bodyPr rtlCol="0"/>
-        <a:lstStyle/>
-        <a:p>
-          <a:pPr rtl="0"/>
-          <a:endParaRPr lang="ko-KR" altLang="en-US" noProof="0" dirty="0"/>
-        </a:p>
-      </dgm:t>
-    </dgm:pt>
-    <dgm:pt modelId="{7C5B61F0-A4F6-4FCA-B552-36151F31051E}" type="sibTrans" cxnId="{4D956F8D-5727-488A-93AF-F33602655A44}">
-      <dgm:prSet/>
-      <dgm:spPr/>
-      <dgm:t>
-        <a:bodyPr rtlCol="0"/>
-        <a:lstStyle/>
-        <a:p>
-          <a:pPr rtl="0"/>
-          <a:endParaRPr lang="ko-KR" altLang="en-US" noProof="0" dirty="0"/>
-        </a:p>
-      </dgm:t>
-    </dgm:pt>
-    <dgm:pt modelId="{E4E9F0D0-FF23-4B59-9B97-973BCBE5DC65}">
-      <dgm:prSet phldrT="[Text]"/>
-      <dgm:spPr/>
-      <dgm:t>
-        <a:bodyPr rtlCol="0"/>
-        <a:lstStyle/>
-        <a:p>
-          <a:pPr rtl="0"/>
-          <a:r>
-            <a:rPr lang="ko-KR" altLang="en-US" noProof="0" dirty="0" smtClean="0">
-              <a:latin typeface="맑은 고딕" panose="020B0503020000020004" pitchFamily="50" charset="-127"/>
-              <a:ea typeface="맑은 고딕" panose="020B0503020000020004" pitchFamily="50" charset="-127"/>
-            </a:rPr>
-            <a:t>작업 설명</a:t>
-          </a:r>
-          <a:endParaRPr lang="ko-KR" altLang="en-US" noProof="0" dirty="0">
-            <a:latin typeface="맑은 고딕" panose="020B0503020000020004" pitchFamily="50" charset="-127"/>
-            <a:ea typeface="맑은 고딕" panose="020B0503020000020004" pitchFamily="50" charset="-127"/>
-          </a:endParaRPr>
-        </a:p>
-      </dgm:t>
-      <dgm:extLst>
-        <a:ext uri="{E40237B7-FDA0-4F09-8148-C483321AD2D9}">
-          <dgm14:cNvPr xmlns:dgm14="http://schemas.microsoft.com/office/drawing/2010/diagram" id="0" name="" title="Step 1 - task description"/>
-        </a:ext>
-      </dgm:extLst>
-    </dgm:pt>
-    <dgm:pt modelId="{E9237435-F938-45D4-8BF4-6D5D4DFF850F}" type="parTrans" cxnId="{37A3A996-9723-4BDB-8959-9D9B7799BD9A}">
-      <dgm:prSet/>
-      <dgm:spPr/>
-      <dgm:t>
-        <a:bodyPr rtlCol="0"/>
-        <a:lstStyle/>
-        <a:p>
-          <a:pPr rtl="0"/>
-          <a:endParaRPr lang="ko-KR" altLang="en-US" noProof="0" dirty="0"/>
-        </a:p>
-      </dgm:t>
-    </dgm:pt>
-    <dgm:pt modelId="{D32B195A-7CAD-474B-B79C-BE4BB171E742}" type="sibTrans" cxnId="{37A3A996-9723-4BDB-8959-9D9B7799BD9A}">
-      <dgm:prSet/>
-      <dgm:spPr/>
-      <dgm:t>
-        <a:bodyPr rtlCol="0"/>
-        <a:lstStyle/>
-        <a:p>
-          <a:pPr rtl="0"/>
-          <a:endParaRPr lang="ko-KR" altLang="en-US" noProof="0" dirty="0"/>
-        </a:p>
-      </dgm:t>
-    </dgm:pt>
-    <dgm:pt modelId="{5D952622-A79E-41E4-BBC2-6212DEFFA91C}">
-      <dgm:prSet phldrT="[Text]"/>
-      <dgm:spPr/>
-      <dgm:t>
-        <a:bodyPr rtlCol="0"/>
-        <a:lstStyle/>
-        <a:p>
-          <a:pPr rtl="0"/>
-          <a:r>
-            <a:rPr lang="en-US" altLang="ko-KR" noProof="0" dirty="0" smtClean="0">
-              <a:latin typeface="맑은 고딕" panose="020B0503020000020004" pitchFamily="50" charset="-127"/>
-              <a:ea typeface="맑은 고딕" panose="020B0503020000020004" pitchFamily="50" charset="-127"/>
-            </a:rPr>
-            <a:t>2</a:t>
-          </a:r>
-          <a:r>
-            <a:rPr lang="ko-KR" altLang="en-US" noProof="0" dirty="0" smtClean="0">
-              <a:latin typeface="맑은 고딕" panose="020B0503020000020004" pitchFamily="50" charset="-127"/>
-              <a:ea typeface="맑은 고딕" panose="020B0503020000020004" pitchFamily="50" charset="-127"/>
-            </a:rPr>
-            <a:t>단계 제목</a:t>
-          </a:r>
-          <a:endParaRPr lang="ko-KR" altLang="en-US" noProof="0" dirty="0">
-            <a:latin typeface="맑은 고딕" panose="020B0503020000020004" pitchFamily="50" charset="-127"/>
-            <a:ea typeface="맑은 고딕" panose="020B0503020000020004" pitchFamily="50" charset="-127"/>
-          </a:endParaRPr>
-        </a:p>
-      </dgm:t>
-      <dgm:extLst>
-        <a:ext uri="{E40237B7-FDA0-4F09-8148-C483321AD2D9}">
-          <dgm14:cNvPr xmlns:dgm14="http://schemas.microsoft.com/office/drawing/2010/diagram" id="0" name="" title="Step 2 title"/>
-        </a:ext>
-      </dgm:extLst>
-    </dgm:pt>
-    <dgm:pt modelId="{10627A68-BE4B-4A4A-9EC9-4CFEF1E4DF39}" type="parTrans" cxnId="{A22BDB9A-90BB-4DA2-8850-00D4F1D3B898}">
-      <dgm:prSet/>
-      <dgm:spPr/>
-      <dgm:t>
-        <a:bodyPr rtlCol="0"/>
-        <a:lstStyle/>
-        <a:p>
-          <a:pPr rtl="0"/>
-          <a:endParaRPr lang="ko-KR" altLang="en-US" noProof="0" dirty="0"/>
-        </a:p>
-      </dgm:t>
-    </dgm:pt>
-    <dgm:pt modelId="{092BAEF3-D9F2-476B-9A0B-6F14CC814529}" type="sibTrans" cxnId="{A22BDB9A-90BB-4DA2-8850-00D4F1D3B898}">
-      <dgm:prSet/>
-      <dgm:spPr/>
-      <dgm:t>
-        <a:bodyPr rtlCol="0"/>
-        <a:lstStyle/>
-        <a:p>
-          <a:pPr rtl="0"/>
-          <a:endParaRPr lang="ko-KR" altLang="en-US" noProof="0" dirty="0"/>
-        </a:p>
-      </dgm:t>
-    </dgm:pt>
-    <dgm:pt modelId="{5248D9DA-6444-46F6-8D28-C8BB2253AAD1}">
-      <dgm:prSet phldrT="[Text]"/>
-      <dgm:spPr/>
-      <dgm:t>
-        <a:bodyPr rtlCol="0"/>
-        <a:lstStyle/>
-        <a:p>
-          <a:pPr rtl="0"/>
-          <a:r>
-            <a:rPr lang="ko-KR" altLang="en-US" noProof="0" dirty="0" smtClean="0">
-              <a:latin typeface="맑은 고딕" panose="020B0503020000020004" pitchFamily="50" charset="-127"/>
-              <a:ea typeface="맑은 고딕" panose="020B0503020000020004" pitchFamily="50" charset="-127"/>
-            </a:rPr>
-            <a:t>작업 설명</a:t>
-          </a:r>
-          <a:endParaRPr lang="ko-KR" altLang="en-US" noProof="0" dirty="0">
-            <a:latin typeface="맑은 고딕" panose="020B0503020000020004" pitchFamily="50" charset="-127"/>
-            <a:ea typeface="맑은 고딕" panose="020B0503020000020004" pitchFamily="50" charset="-127"/>
-          </a:endParaRPr>
-        </a:p>
-      </dgm:t>
-      <dgm:extLst>
-        <a:ext uri="{E40237B7-FDA0-4F09-8148-C483321AD2D9}">
-          <dgm14:cNvPr xmlns:dgm14="http://schemas.microsoft.com/office/drawing/2010/diagram" id="0" name="" title="Step 2 - task description"/>
-        </a:ext>
-      </dgm:extLst>
-    </dgm:pt>
-    <dgm:pt modelId="{A8533F77-F094-4EDB-BCC7-35E0D6A46B71}" type="parTrans" cxnId="{35AF286C-A401-4C08-B8A3-F38B03322BD8}">
-      <dgm:prSet/>
-      <dgm:spPr/>
-      <dgm:t>
-        <a:bodyPr rtlCol="0"/>
-        <a:lstStyle/>
-        <a:p>
-          <a:pPr rtl="0"/>
-          <a:endParaRPr lang="ko-KR" altLang="en-US" noProof="0" dirty="0"/>
-        </a:p>
-      </dgm:t>
-    </dgm:pt>
-    <dgm:pt modelId="{011B552E-515A-4C41-B810-0D2552861422}" type="sibTrans" cxnId="{35AF286C-A401-4C08-B8A3-F38B03322BD8}">
-      <dgm:prSet/>
-      <dgm:spPr/>
-      <dgm:t>
-        <a:bodyPr rtlCol="0"/>
-        <a:lstStyle/>
-        <a:p>
-          <a:pPr rtl="0"/>
-          <a:endParaRPr lang="ko-KR" altLang="en-US" noProof="0" dirty="0"/>
-        </a:p>
-      </dgm:t>
-    </dgm:pt>
-    <dgm:pt modelId="{50706FFE-8A00-485D-9FF7-8D310692C602}">
-      <dgm:prSet phldrT="[Text]"/>
-      <dgm:spPr/>
-      <dgm:t>
-        <a:bodyPr rtlCol="0"/>
-        <a:lstStyle/>
-        <a:p>
-          <a:pPr rtl="0"/>
-          <a:r>
-            <a:rPr lang="en-US" altLang="ko-KR" noProof="0" dirty="0" smtClean="0">
-              <a:latin typeface="맑은 고딕" panose="020B0503020000020004" pitchFamily="50" charset="-127"/>
-              <a:ea typeface="맑은 고딕" panose="020B0503020000020004" pitchFamily="50" charset="-127"/>
-            </a:rPr>
-            <a:t>3</a:t>
-          </a:r>
-          <a:r>
-            <a:rPr lang="ko-KR" altLang="en-US" noProof="0" dirty="0" smtClean="0">
-              <a:latin typeface="맑은 고딕" panose="020B0503020000020004" pitchFamily="50" charset="-127"/>
-              <a:ea typeface="맑은 고딕" panose="020B0503020000020004" pitchFamily="50" charset="-127"/>
-            </a:rPr>
-            <a:t>단계 제목</a:t>
-          </a:r>
-          <a:endParaRPr lang="ko-KR" altLang="en-US" noProof="0" dirty="0">
-            <a:latin typeface="맑은 고딕" panose="020B0503020000020004" pitchFamily="50" charset="-127"/>
-            <a:ea typeface="맑은 고딕" panose="020B0503020000020004" pitchFamily="50" charset="-127"/>
-          </a:endParaRPr>
-        </a:p>
-      </dgm:t>
-      <dgm:extLst>
-        <a:ext uri="{E40237B7-FDA0-4F09-8148-C483321AD2D9}">
-          <dgm14:cNvPr xmlns:dgm14="http://schemas.microsoft.com/office/drawing/2010/diagram" id="0" name="" title="Step 3 title"/>
-        </a:ext>
-      </dgm:extLst>
-    </dgm:pt>
-    <dgm:pt modelId="{EF44BD91-19A4-424B-BA32-4A5492B6E40B}" type="parTrans" cxnId="{7599CECE-5293-4C57-A979-D096C99254C7}">
-      <dgm:prSet/>
-      <dgm:spPr/>
-      <dgm:t>
-        <a:bodyPr rtlCol="0"/>
-        <a:lstStyle/>
-        <a:p>
-          <a:pPr rtl="0"/>
-          <a:endParaRPr lang="ko-KR" altLang="en-US" noProof="0" dirty="0"/>
-        </a:p>
-      </dgm:t>
-    </dgm:pt>
-    <dgm:pt modelId="{CD03DFF4-D962-46D6-AFFA-2A87FD08403E}" type="sibTrans" cxnId="{7599CECE-5293-4C57-A979-D096C99254C7}">
-      <dgm:prSet/>
-      <dgm:spPr/>
-      <dgm:t>
-        <a:bodyPr rtlCol="0"/>
-        <a:lstStyle/>
-        <a:p>
-          <a:pPr rtl="0"/>
-          <a:endParaRPr lang="ko-KR" altLang="en-US" noProof="0" dirty="0"/>
-        </a:p>
-      </dgm:t>
-    </dgm:pt>
-    <dgm:pt modelId="{3A9B5D84-CB00-4BC9-ADB2-5CF832F36763}">
-      <dgm:prSet phldrT="[Text]"/>
-      <dgm:spPr/>
-      <dgm:t>
-        <a:bodyPr rtlCol="0"/>
-        <a:lstStyle/>
-        <a:p>
-          <a:pPr rtl="0"/>
-          <a:r>
-            <a:rPr lang="ko-KR" altLang="en-US" noProof="0" dirty="0" smtClean="0">
-              <a:latin typeface="맑은 고딕" panose="020B0503020000020004" pitchFamily="50" charset="-127"/>
-              <a:ea typeface="맑은 고딕" panose="020B0503020000020004" pitchFamily="50" charset="-127"/>
-            </a:rPr>
-            <a:t>작업 설명</a:t>
-          </a:r>
-          <a:endParaRPr lang="ko-KR" altLang="en-US" noProof="0" dirty="0">
-            <a:latin typeface="맑은 고딕" panose="020B0503020000020004" pitchFamily="50" charset="-127"/>
-            <a:ea typeface="맑은 고딕" panose="020B0503020000020004" pitchFamily="50" charset="-127"/>
-          </a:endParaRPr>
-        </a:p>
-      </dgm:t>
-      <dgm:extLst>
-        <a:ext uri="{E40237B7-FDA0-4F09-8148-C483321AD2D9}">
-          <dgm14:cNvPr xmlns:dgm14="http://schemas.microsoft.com/office/drawing/2010/diagram" id="0" name="" title="Step 3 - task description"/>
-        </a:ext>
-      </dgm:extLst>
-    </dgm:pt>
-    <dgm:pt modelId="{BD57EC4A-052D-4824-8820-064BAC997A9B}" type="parTrans" cxnId="{11A0AF47-4BCA-470E-92BF-7B388FFB0DE8}">
-      <dgm:prSet/>
-      <dgm:spPr/>
-      <dgm:t>
-        <a:bodyPr rtlCol="0"/>
-        <a:lstStyle/>
-        <a:p>
-          <a:pPr rtl="0"/>
-          <a:endParaRPr lang="ko-KR" altLang="en-US" noProof="0" dirty="0"/>
-        </a:p>
-      </dgm:t>
-    </dgm:pt>
-    <dgm:pt modelId="{98E878CF-4A49-4E76-BD23-AE7C5290BAFD}" type="sibTrans" cxnId="{11A0AF47-4BCA-470E-92BF-7B388FFB0DE8}">
-      <dgm:prSet/>
-      <dgm:spPr/>
-      <dgm:t>
-        <a:bodyPr rtlCol="0"/>
-        <a:lstStyle/>
-        <a:p>
-          <a:pPr rtl="0"/>
-          <a:endParaRPr lang="ko-KR" altLang="en-US" noProof="0" dirty="0"/>
-        </a:p>
-      </dgm:t>
-    </dgm:pt>
-    <dgm:pt modelId="{8734DFB3-ADD8-4FD2-87D8-1981AA0ADD0B}" type="pres">
-      <dgm:prSet presAssocID="{FBA29113-7A70-4E0E-B036-871C49B835F1}" presName="theList" presStyleCnt="0">
-        <dgm:presLayoutVars>
-          <dgm:dir/>
-          <dgm:animLvl val="lvl"/>
-          <dgm:resizeHandles val="exact"/>
-        </dgm:presLayoutVars>
-      </dgm:prSet>
-      <dgm:spPr/>
-      <dgm:t>
-        <a:bodyPr rtlCol="0"/>
-        <a:lstStyle/>
-        <a:p>
-          <a:pPr rtl="0"/>
-          <a:endParaRPr lang="en-US"/>
-        </a:p>
-      </dgm:t>
-    </dgm:pt>
-    <dgm:pt modelId="{5C04AEFB-7132-4B28-A7D3-862245070A8D}" type="pres">
-      <dgm:prSet presAssocID="{A6406C01-7E83-4650-8EF5-394419DCB348}" presName="compNode" presStyleCnt="0"/>
-      <dgm:spPr/>
-    </dgm:pt>
-    <dgm:pt modelId="{358F74AC-FC7D-465B-BD12-B6CCC00F3D29}" type="pres">
-      <dgm:prSet presAssocID="{A6406C01-7E83-4650-8EF5-394419DCB348}" presName="noGeometry" presStyleCnt="0"/>
-      <dgm:spPr/>
-    </dgm:pt>
-    <dgm:pt modelId="{610B5FFC-C0C9-444C-9F7A-14D1B54F604D}" type="pres">
-      <dgm:prSet presAssocID="{A6406C01-7E83-4650-8EF5-394419DCB348}" presName="childTextVisible" presStyleLbl="bgAccFollowNode1" presStyleIdx="0" presStyleCnt="3">
-        <dgm:presLayoutVars>
-          <dgm:bulletEnabled val="1"/>
-        </dgm:presLayoutVars>
-      </dgm:prSet>
-      <dgm:spPr/>
-      <dgm:t>
-        <a:bodyPr rtlCol="0"/>
-        <a:lstStyle/>
-        <a:p>
-          <a:pPr rtl="0"/>
-          <a:endParaRPr lang="en-US"/>
-        </a:p>
-      </dgm:t>
-    </dgm:pt>
-    <dgm:pt modelId="{FB705FC1-639E-4064-8E9A-A79870DE5273}" type="pres">
-      <dgm:prSet presAssocID="{A6406C01-7E83-4650-8EF5-394419DCB348}" presName="childTextHidden" presStyleLbl="bgAccFollowNode1" presStyleIdx="0" presStyleCnt="3"/>
-      <dgm:spPr/>
-      <dgm:t>
-        <a:bodyPr rtlCol="0"/>
-        <a:lstStyle/>
-        <a:p>
-          <a:pPr rtl="0"/>
-          <a:endParaRPr lang="en-US"/>
-        </a:p>
-      </dgm:t>
-    </dgm:pt>
-    <dgm:pt modelId="{47DA5750-48DC-4E4F-815D-0B05DBC30DAB}" type="pres">
-      <dgm:prSet presAssocID="{A6406C01-7E83-4650-8EF5-394419DCB348}" presName="parentText" presStyleLbl="node1" presStyleIdx="0" presStyleCnt="3">
-        <dgm:presLayoutVars>
-          <dgm:chMax val="1"/>
-          <dgm:bulletEnabled val="1"/>
-        </dgm:presLayoutVars>
-      </dgm:prSet>
-      <dgm:spPr/>
-      <dgm:t>
-        <a:bodyPr rtlCol="0"/>
-        <a:lstStyle/>
-        <a:p>
-          <a:pPr rtl="0"/>
-          <a:endParaRPr lang="en-US"/>
-        </a:p>
-      </dgm:t>
-    </dgm:pt>
-    <dgm:pt modelId="{6319C676-A7DE-4777-9BB4-3B6D30ED3F5C}" type="pres">
-      <dgm:prSet presAssocID="{A6406C01-7E83-4650-8EF5-394419DCB348}" presName="aSpace" presStyleCnt="0"/>
-      <dgm:spPr/>
-    </dgm:pt>
-    <dgm:pt modelId="{CA708D38-D093-4C16-A955-CF2CAC7F0A99}" type="pres">
-      <dgm:prSet presAssocID="{5D952622-A79E-41E4-BBC2-6212DEFFA91C}" presName="compNode" presStyleCnt="0"/>
-      <dgm:spPr/>
-    </dgm:pt>
-    <dgm:pt modelId="{6F3066E9-E96F-489D-8A4B-6D55FBE389F2}" type="pres">
-      <dgm:prSet presAssocID="{5D952622-A79E-41E4-BBC2-6212DEFFA91C}" presName="noGeometry" presStyleCnt="0"/>
-      <dgm:spPr/>
-    </dgm:pt>
-    <dgm:pt modelId="{00D2DC2C-7CA2-4A4B-B66D-3DDCAB7DC8E9}" type="pres">
-      <dgm:prSet presAssocID="{5D952622-A79E-41E4-BBC2-6212DEFFA91C}" presName="childTextVisible" presStyleLbl="bgAccFollowNode1" presStyleIdx="1" presStyleCnt="3">
-        <dgm:presLayoutVars>
-          <dgm:bulletEnabled val="1"/>
-        </dgm:presLayoutVars>
-      </dgm:prSet>
-      <dgm:spPr/>
-      <dgm:t>
-        <a:bodyPr rtlCol="0"/>
-        <a:lstStyle/>
-        <a:p>
-          <a:pPr rtl="0"/>
-          <a:endParaRPr lang="en-US"/>
-        </a:p>
-      </dgm:t>
-    </dgm:pt>
-    <dgm:pt modelId="{072FB640-0A28-40E8-9C0C-86BAF45C6EF0}" type="pres">
-      <dgm:prSet presAssocID="{5D952622-A79E-41E4-BBC2-6212DEFFA91C}" presName="childTextHidden" presStyleLbl="bgAccFollowNode1" presStyleIdx="1" presStyleCnt="3"/>
-      <dgm:spPr/>
-      <dgm:t>
-        <a:bodyPr rtlCol="0"/>
-        <a:lstStyle/>
-        <a:p>
-          <a:pPr rtl="0"/>
-          <a:endParaRPr lang="en-US"/>
-        </a:p>
-      </dgm:t>
-    </dgm:pt>
-    <dgm:pt modelId="{EE8733A1-7662-4D0A-B39E-2218596CC81C}" type="pres">
-      <dgm:prSet presAssocID="{5D952622-A79E-41E4-BBC2-6212DEFFA91C}" presName="parentText" presStyleLbl="node1" presStyleIdx="1" presStyleCnt="3">
-        <dgm:presLayoutVars>
-          <dgm:chMax val="1"/>
-          <dgm:bulletEnabled val="1"/>
-        </dgm:presLayoutVars>
-      </dgm:prSet>
-      <dgm:spPr/>
-      <dgm:t>
-        <a:bodyPr rtlCol="0"/>
-        <a:lstStyle/>
-        <a:p>
-          <a:pPr rtl="0"/>
-          <a:endParaRPr lang="en-US"/>
-        </a:p>
-      </dgm:t>
-    </dgm:pt>
-    <dgm:pt modelId="{E0D7C734-E391-436F-996C-E60442F50A17}" type="pres">
-      <dgm:prSet presAssocID="{5D952622-A79E-41E4-BBC2-6212DEFFA91C}" presName="aSpace" presStyleCnt="0"/>
-      <dgm:spPr/>
-    </dgm:pt>
-    <dgm:pt modelId="{E8F3A685-8F9F-4BAC-8C8B-A1DE5AA41F3A}" type="pres">
-      <dgm:prSet presAssocID="{50706FFE-8A00-485D-9FF7-8D310692C602}" presName="compNode" presStyleCnt="0"/>
-      <dgm:spPr/>
-    </dgm:pt>
-    <dgm:pt modelId="{84BFA617-6CAF-4DA9-A086-82BCA61093BE}" type="pres">
-      <dgm:prSet presAssocID="{50706FFE-8A00-485D-9FF7-8D310692C602}" presName="noGeometry" presStyleCnt="0"/>
-      <dgm:spPr/>
-    </dgm:pt>
-    <dgm:pt modelId="{4BF699B1-BE15-42D1-9784-AA33CF29870E}" type="pres">
-      <dgm:prSet presAssocID="{50706FFE-8A00-485D-9FF7-8D310692C602}" presName="childTextVisible" presStyleLbl="bgAccFollowNode1" presStyleIdx="2" presStyleCnt="3">
-        <dgm:presLayoutVars>
-          <dgm:bulletEnabled val="1"/>
-        </dgm:presLayoutVars>
-      </dgm:prSet>
-      <dgm:spPr/>
-      <dgm:t>
-        <a:bodyPr rtlCol="0"/>
-        <a:lstStyle/>
-        <a:p>
-          <a:pPr rtl="0"/>
-          <a:endParaRPr lang="en-US"/>
-        </a:p>
-      </dgm:t>
-    </dgm:pt>
-    <dgm:pt modelId="{F0925EF4-86E2-4748-BA70-94AAF55AB064}" type="pres">
-      <dgm:prSet presAssocID="{50706FFE-8A00-485D-9FF7-8D310692C602}" presName="childTextHidden" presStyleLbl="bgAccFollowNode1" presStyleIdx="2" presStyleCnt="3"/>
-      <dgm:spPr/>
-      <dgm:t>
-        <a:bodyPr rtlCol="0"/>
-        <a:lstStyle/>
-        <a:p>
-          <a:pPr rtl="0"/>
-          <a:endParaRPr lang="en-US"/>
-        </a:p>
-      </dgm:t>
-    </dgm:pt>
-    <dgm:pt modelId="{78E9A4E4-18A9-4B73-8007-A63A71C71937}" type="pres">
-      <dgm:prSet presAssocID="{50706FFE-8A00-485D-9FF7-8D310692C602}" presName="parentText" presStyleLbl="node1" presStyleIdx="2" presStyleCnt="3">
-        <dgm:presLayoutVars>
-          <dgm:chMax val="1"/>
-          <dgm:bulletEnabled val="1"/>
-        </dgm:presLayoutVars>
-      </dgm:prSet>
-      <dgm:spPr/>
-      <dgm:t>
-        <a:bodyPr rtlCol="0"/>
-        <a:lstStyle/>
-        <a:p>
-          <a:pPr rtl="0"/>
-          <a:endParaRPr lang="en-US"/>
-        </a:p>
-      </dgm:t>
-    </dgm:pt>
-  </dgm:ptLst>
-  <dgm:cxnLst>
-    <dgm:cxn modelId="{35AF286C-A401-4C08-B8A3-F38B03322BD8}" srcId="{5D952622-A79E-41E4-BBC2-6212DEFFA91C}" destId="{5248D9DA-6444-46F6-8D28-C8BB2253AAD1}" srcOrd="0" destOrd="0" parTransId="{A8533F77-F094-4EDB-BCC7-35E0D6A46B71}" sibTransId="{011B552E-515A-4C41-B810-0D2552861422}"/>
-    <dgm:cxn modelId="{11A0AF47-4BCA-470E-92BF-7B388FFB0DE8}" srcId="{50706FFE-8A00-485D-9FF7-8D310692C602}" destId="{3A9B5D84-CB00-4BC9-ADB2-5CF832F36763}" srcOrd="0" destOrd="0" parTransId="{BD57EC4A-052D-4824-8820-064BAC997A9B}" sibTransId="{98E878CF-4A49-4E76-BD23-AE7C5290BAFD}"/>
-    <dgm:cxn modelId="{A22BDB9A-90BB-4DA2-8850-00D4F1D3B898}" srcId="{FBA29113-7A70-4E0E-B036-871C49B835F1}" destId="{5D952622-A79E-41E4-BBC2-6212DEFFA91C}" srcOrd="1" destOrd="0" parTransId="{10627A68-BE4B-4A4A-9EC9-4CFEF1E4DF39}" sibTransId="{092BAEF3-D9F2-476B-9A0B-6F14CC814529}"/>
-    <dgm:cxn modelId="{BA539253-48E3-447C-8770-C31D10399C4A}" type="presOf" srcId="{50706FFE-8A00-485D-9FF7-8D310692C602}" destId="{78E9A4E4-18A9-4B73-8007-A63A71C71937}" srcOrd="0" destOrd="0" presId="urn:microsoft.com/office/officeart/2005/8/layout/hProcess6"/>
-    <dgm:cxn modelId="{31498E67-CEA0-4571-B7AB-26A2113144F6}" type="presOf" srcId="{FBA29113-7A70-4E0E-B036-871C49B835F1}" destId="{8734DFB3-ADD8-4FD2-87D8-1981AA0ADD0B}" srcOrd="0" destOrd="0" presId="urn:microsoft.com/office/officeart/2005/8/layout/hProcess6"/>
-    <dgm:cxn modelId="{37A3A996-9723-4BDB-8959-9D9B7799BD9A}" srcId="{A6406C01-7E83-4650-8EF5-394419DCB348}" destId="{E4E9F0D0-FF23-4B59-9B97-973BCBE5DC65}" srcOrd="0" destOrd="0" parTransId="{E9237435-F938-45D4-8BF4-6D5D4DFF850F}" sibTransId="{D32B195A-7CAD-474B-B79C-BE4BB171E742}"/>
-    <dgm:cxn modelId="{AE4FA1B2-1FFD-4999-BFB4-0E2A9E4BEBBB}" type="presOf" srcId="{5248D9DA-6444-46F6-8D28-C8BB2253AAD1}" destId="{00D2DC2C-7CA2-4A4B-B66D-3DDCAB7DC8E9}" srcOrd="0" destOrd="0" presId="urn:microsoft.com/office/officeart/2005/8/layout/hProcess6"/>
-    <dgm:cxn modelId="{99E34304-5770-4691-A3EE-6A7C8B9ACD53}" type="presOf" srcId="{E4E9F0D0-FF23-4B59-9B97-973BCBE5DC65}" destId="{610B5FFC-C0C9-444C-9F7A-14D1B54F604D}" srcOrd="0" destOrd="0" presId="urn:microsoft.com/office/officeart/2005/8/layout/hProcess6"/>
-    <dgm:cxn modelId="{81ACEA16-295B-4802-A889-1DC375F525AB}" type="presOf" srcId="{A6406C01-7E83-4650-8EF5-394419DCB348}" destId="{47DA5750-48DC-4E4F-815D-0B05DBC30DAB}" srcOrd="0" destOrd="0" presId="urn:microsoft.com/office/officeart/2005/8/layout/hProcess6"/>
-    <dgm:cxn modelId="{4D956F8D-5727-488A-93AF-F33602655A44}" srcId="{FBA29113-7A70-4E0E-B036-871C49B835F1}" destId="{A6406C01-7E83-4650-8EF5-394419DCB348}" srcOrd="0" destOrd="0" parTransId="{2586B3BB-DA8B-42DF-AC9A-77CE21607FD0}" sibTransId="{7C5B61F0-A4F6-4FCA-B552-36151F31051E}"/>
-    <dgm:cxn modelId="{7599CECE-5293-4C57-A979-D096C99254C7}" srcId="{FBA29113-7A70-4E0E-B036-871C49B835F1}" destId="{50706FFE-8A00-485D-9FF7-8D310692C602}" srcOrd="2" destOrd="0" parTransId="{EF44BD91-19A4-424B-BA32-4A5492B6E40B}" sibTransId="{CD03DFF4-D962-46D6-AFFA-2A87FD08403E}"/>
-    <dgm:cxn modelId="{019AA969-1A2B-48C0-B7C9-005E817BC2CB}" type="presOf" srcId="{E4E9F0D0-FF23-4B59-9B97-973BCBE5DC65}" destId="{FB705FC1-639E-4064-8E9A-A79870DE5273}" srcOrd="1" destOrd="0" presId="urn:microsoft.com/office/officeart/2005/8/layout/hProcess6"/>
-    <dgm:cxn modelId="{F36BB86E-E9BB-4DBF-9DFE-F8050046ED1F}" type="presOf" srcId="{3A9B5D84-CB00-4BC9-ADB2-5CF832F36763}" destId="{4BF699B1-BE15-42D1-9784-AA33CF29870E}" srcOrd="0" destOrd="0" presId="urn:microsoft.com/office/officeart/2005/8/layout/hProcess6"/>
-    <dgm:cxn modelId="{D2E26D7D-A939-4166-987B-3E9E5A080266}" type="presOf" srcId="{3A9B5D84-CB00-4BC9-ADB2-5CF832F36763}" destId="{F0925EF4-86E2-4748-BA70-94AAF55AB064}" srcOrd="1" destOrd="0" presId="urn:microsoft.com/office/officeart/2005/8/layout/hProcess6"/>
-    <dgm:cxn modelId="{130B0544-2388-4104-A721-8D29E7C77420}" type="presOf" srcId="{5D952622-A79E-41E4-BBC2-6212DEFFA91C}" destId="{EE8733A1-7662-4D0A-B39E-2218596CC81C}" srcOrd="0" destOrd="0" presId="urn:microsoft.com/office/officeart/2005/8/layout/hProcess6"/>
-    <dgm:cxn modelId="{E23D729A-C2FC-40CD-8A08-F5EBB66CF80B}" type="presOf" srcId="{5248D9DA-6444-46F6-8D28-C8BB2253AAD1}" destId="{072FB640-0A28-40E8-9C0C-86BAF45C6EF0}" srcOrd="1" destOrd="0" presId="urn:microsoft.com/office/officeart/2005/8/layout/hProcess6"/>
-    <dgm:cxn modelId="{FF0D50D3-9477-4407-8F44-B60B9728DED7}" type="presParOf" srcId="{8734DFB3-ADD8-4FD2-87D8-1981AA0ADD0B}" destId="{5C04AEFB-7132-4B28-A7D3-862245070A8D}" srcOrd="0" destOrd="0" presId="urn:microsoft.com/office/officeart/2005/8/layout/hProcess6"/>
-    <dgm:cxn modelId="{126CE751-65CF-4E60-902C-2D0B01478834}" type="presParOf" srcId="{5C04AEFB-7132-4B28-A7D3-862245070A8D}" destId="{358F74AC-FC7D-465B-BD12-B6CCC00F3D29}" srcOrd="0" destOrd="0" presId="urn:microsoft.com/office/officeart/2005/8/layout/hProcess6"/>
-    <dgm:cxn modelId="{C6915109-771C-43AE-A4C7-A411D8E5978F}" type="presParOf" srcId="{5C04AEFB-7132-4B28-A7D3-862245070A8D}" destId="{610B5FFC-C0C9-444C-9F7A-14D1B54F604D}" srcOrd="1" destOrd="0" presId="urn:microsoft.com/office/officeart/2005/8/layout/hProcess6"/>
-    <dgm:cxn modelId="{954FE73F-9595-47D0-9AB9-6EB7EDC39F8E}" type="presParOf" srcId="{5C04AEFB-7132-4B28-A7D3-862245070A8D}" destId="{FB705FC1-639E-4064-8E9A-A79870DE5273}" srcOrd="2" destOrd="0" presId="urn:microsoft.com/office/officeart/2005/8/layout/hProcess6"/>
-    <dgm:cxn modelId="{362B7B1C-776A-481A-B10E-B2136C044DB5}" type="presParOf" srcId="{5C04AEFB-7132-4B28-A7D3-862245070A8D}" destId="{47DA5750-48DC-4E4F-815D-0B05DBC30DAB}" srcOrd="3" destOrd="0" presId="urn:microsoft.com/office/officeart/2005/8/layout/hProcess6"/>
-    <dgm:cxn modelId="{AB361918-49A4-4458-A6B4-A38162139DB4}" type="presParOf" srcId="{8734DFB3-ADD8-4FD2-87D8-1981AA0ADD0B}" destId="{6319C676-A7DE-4777-9BB4-3B6D30ED3F5C}" srcOrd="1" destOrd="0" presId="urn:microsoft.com/office/officeart/2005/8/layout/hProcess6"/>
-    <dgm:cxn modelId="{3E32ED31-FAFA-41FB-A502-0C9269827B55}" type="presParOf" srcId="{8734DFB3-ADD8-4FD2-87D8-1981AA0ADD0B}" destId="{CA708D38-D093-4C16-A955-CF2CAC7F0A99}" srcOrd="2" destOrd="0" presId="urn:microsoft.com/office/officeart/2005/8/layout/hProcess6"/>
-    <dgm:cxn modelId="{38B5F8BF-C6A8-4D51-8681-B847070CD1C0}" type="presParOf" srcId="{CA708D38-D093-4C16-A955-CF2CAC7F0A99}" destId="{6F3066E9-E96F-489D-8A4B-6D55FBE389F2}" srcOrd="0" destOrd="0" presId="urn:microsoft.com/office/officeart/2005/8/layout/hProcess6"/>
-    <dgm:cxn modelId="{B873A9F4-217E-473A-8D65-14527890AC34}" type="presParOf" srcId="{CA708D38-D093-4C16-A955-CF2CAC7F0A99}" destId="{00D2DC2C-7CA2-4A4B-B66D-3DDCAB7DC8E9}" srcOrd="1" destOrd="0" presId="urn:microsoft.com/office/officeart/2005/8/layout/hProcess6"/>
-    <dgm:cxn modelId="{F573A08D-1388-4362-9D10-155655876363}" type="presParOf" srcId="{CA708D38-D093-4C16-A955-CF2CAC7F0A99}" destId="{072FB640-0A28-40E8-9C0C-86BAF45C6EF0}" srcOrd="2" destOrd="0" presId="urn:microsoft.com/office/officeart/2005/8/layout/hProcess6"/>
-    <dgm:cxn modelId="{7ADF5CCF-F26A-45B5-9692-98B07AFD46A1}" type="presParOf" srcId="{CA708D38-D093-4C16-A955-CF2CAC7F0A99}" destId="{EE8733A1-7662-4D0A-B39E-2218596CC81C}" srcOrd="3" destOrd="0" presId="urn:microsoft.com/office/officeart/2005/8/layout/hProcess6"/>
-    <dgm:cxn modelId="{985C18C8-95A3-4479-821C-610A2BAFFFF3}" type="presParOf" srcId="{8734DFB3-ADD8-4FD2-87D8-1981AA0ADD0B}" destId="{E0D7C734-E391-436F-996C-E60442F50A17}" srcOrd="3" destOrd="0" presId="urn:microsoft.com/office/officeart/2005/8/layout/hProcess6"/>
-    <dgm:cxn modelId="{951CD7FA-A9B4-463F-BD0D-452C521FF523}" type="presParOf" srcId="{8734DFB3-ADD8-4FD2-87D8-1981AA0ADD0B}" destId="{E8F3A685-8F9F-4BAC-8C8B-A1DE5AA41F3A}" srcOrd="4" destOrd="0" presId="urn:microsoft.com/office/officeart/2005/8/layout/hProcess6"/>
-    <dgm:cxn modelId="{E08D8862-B273-4AA6-9A90-754366CE4945}" type="presParOf" srcId="{E8F3A685-8F9F-4BAC-8C8B-A1DE5AA41F3A}" destId="{84BFA617-6CAF-4DA9-A086-82BCA61093BE}" srcOrd="0" destOrd="0" presId="urn:microsoft.com/office/officeart/2005/8/layout/hProcess6"/>
-    <dgm:cxn modelId="{69392B4C-2A7B-41A4-A48C-35E312A6434A}" type="presParOf" srcId="{E8F3A685-8F9F-4BAC-8C8B-A1DE5AA41F3A}" destId="{4BF699B1-BE15-42D1-9784-AA33CF29870E}" srcOrd="1" destOrd="0" presId="urn:microsoft.com/office/officeart/2005/8/layout/hProcess6"/>
-    <dgm:cxn modelId="{29F5DEAB-A9C8-47F8-A089-1585C323795A}" type="presParOf" srcId="{E8F3A685-8F9F-4BAC-8C8B-A1DE5AA41F3A}" destId="{F0925EF4-86E2-4748-BA70-94AAF55AB064}" srcOrd="2" destOrd="0" presId="urn:microsoft.com/office/officeart/2005/8/layout/hProcess6"/>
-    <dgm:cxn modelId="{E9A57A1B-DDAF-4905-B46C-246DB5E9FB2A}" type="presParOf" srcId="{E8F3A685-8F9F-4BAC-8C8B-A1DE5AA41F3A}" destId="{78E9A4E4-18A9-4B73-8007-A63A71C71937}" srcOrd="3" destOrd="0" presId="urn:microsoft.com/office/officeart/2005/8/layout/hProcess6"/>
-  </dgm:cxnLst>
-  <dgm:bg/>
-  <dgm:whole/>
-  <dgm:extLst>
-    <a:ext uri="http://schemas.microsoft.com/office/drawing/2008/diagram">
-      <dsp:dataModelExt xmlns:dsp="http://schemas.microsoft.com/office/drawing/2008/diagram" relId="rId7" minVer="http://schemas.openxmlformats.org/drawingml/2006/diagram"/>
-    </a:ext>
-  </dgm:extLst>
-</dgm:dataModel>
-</file>
-
-<file path=ppt/diagrams/drawing1.xml><?xml version="1.0" encoding="utf-8"?>
-<dsp:drawing xmlns:dgm="http://schemas.openxmlformats.org/drawingml/2006/diagram" xmlns:dsp="http://schemas.microsoft.com/office/drawing/2008/diagram" xmlns:a="http://schemas.openxmlformats.org/drawingml/2006/main">
-  <dsp:spTree>
-    <dsp:nvGrpSpPr>
-      <dsp:cNvPr id="0" name=""/>
-      <dsp:cNvGrpSpPr/>
-    </dsp:nvGrpSpPr>
-    <dsp:grpSpPr/>
-  </dsp:spTree>
-</dsp:drawing>
-</file>
-
-<file path=ppt/diagrams/layout1.xml><?xml version="1.0" encoding="utf-8"?>
-<dgm:layoutDef xmlns:dgm="http://schemas.openxmlformats.org/drawingml/2006/diagram" xmlns:a="http://schemas.openxmlformats.org/drawingml/2006/main" uniqueId="urn:microsoft.com/office/officeart/2005/8/layout/hProcess6">
-  <dgm:title val=""/>
-  <dgm:desc val=""/>
-  <dgm:catLst>
-    <dgm:cat type="process" pri="7000"/>
-  </dgm:catLst>
-  <dgm:sampData>
-    <dgm:dataModel>
-      <dgm:ptLst>
-        <dgm:pt modelId="0" type="doc"/>
-        <dgm:pt modelId="1">
-          <dgm:prSet phldr="1"/>
-        </dgm:pt>
-        <dgm:pt modelId="11">
-          <dgm:prSet phldr="1"/>
-        </dgm:pt>
-        <dgm:pt modelId="12">
-          <dgm:prSet phldr="1"/>
-        </dgm:pt>
-        <dgm:pt modelId="2">
-          <dgm:prSet phldr="1"/>
-        </dgm:pt>
-        <dgm:pt modelId="21">
-          <dgm:prSet phldr="1"/>
-        </dgm:pt>
-        <dgm:pt modelId="22">
-          <dgm:prSet phldr="1"/>
-        </dgm:pt>
-        <dgm:pt modelId="3">
-          <dgm:prSet phldr="1"/>
-        </dgm:pt>
-        <dgm:pt modelId="31">
-          <dgm:prSet phldr="1"/>
-        </dgm:pt>
-        <dgm:pt modelId="32">
-          <dgm:prSet phldr="1"/>
-        </dgm:pt>
-      </dgm:ptLst>
-      <dgm:cxnLst>
-        <dgm:cxn modelId="4" srcId="0" destId="1" srcOrd="0" destOrd="0"/>
-        <dgm:cxn modelId="5" srcId="0" destId="2" srcOrd="1" destOrd="0"/>
-        <dgm:cxn modelId="13" srcId="1" destId="11" srcOrd="0" destOrd="0"/>
-        <dgm:cxn modelId="14" srcId="1" destId="12" srcOrd="0" destOrd="0"/>
-        <dgm:cxn modelId="23" srcId="2" destId="21" srcOrd="0" destOrd="0"/>
-        <dgm:cxn modelId="24" srcId="2" destId="22" srcOrd="0" destOrd="0"/>
-        <dgm:cxn modelId="33" srcId="3" destId="31" srcOrd="0" destOrd="0"/>
-        <dgm:cxn modelId="34" srcId="3" destId="32" srcOrd="0" destOrd="0"/>
-      </dgm:cxnLst>
-      <dgm:bg/>
-      <dgm:whole/>
-    </dgm:dataModel>
-  </dgm:sampData>
-  <dgm:styleData>
-    <dgm:dataModel>
-      <dgm:ptLst>
-        <dgm:pt modelId="0" type="doc"/>
-        <dgm:pt modelId="1"/>
-        <dgm:pt modelId="11"/>
-        <dgm:pt modelId="2"/>
-        <dgm:pt modelId="21"/>
-      </dgm:ptLst>
-      <dgm:cxnLst>
-        <dgm:cxn modelId="4" srcId="0" destId="1" srcOrd="0" destOrd="0"/>
-        <dgm:cxn modelId="5" srcId="0" destId="2" srcOrd="1" destOrd="0"/>
-        <dgm:cxn modelId="13" srcId="1" destId="11" srcOrd="0" destOrd="0"/>
-        <dgm:cxn modelId="23" srcId="2" destId="21" srcOrd="0" destOrd="0"/>
-      </dgm:cxnLst>
-      <dgm:bg/>
-      <dgm:whole/>
-    </dgm:dataModel>
-  </dgm:styleData>
-  <dgm:clrData>
-    <dgm:dataModel>
-      <dgm:ptLst>
-        <dgm:pt modelId="0" type="doc"/>
-        <dgm:pt modelId="1"/>
-        <dgm:pt modelId="11"/>
-        <dgm:pt modelId="2"/>
-        <dgm:pt modelId="21"/>
-        <dgm:pt modelId="3"/>
-        <dgm:pt modelId="31"/>
-        <dgm:pt modelId="4"/>
-        <dgm:pt modelId="41"/>
-      </dgm:ptLst>
-      <dgm:cxnLst>
-        <dgm:cxn modelId="5" srcId="0" destId="1" srcOrd="0" destOrd="0"/>
-        <dgm:cxn modelId="6" srcId="0" destId="2" srcOrd="1" destOrd="0"/>
-        <dgm:cxn modelId="7" srcId="0" destId="3" srcOrd="2" destOrd="0"/>
-        <dgm:cxn modelId="8" srcId="0" destId="4" srcOrd="3" destOrd="0"/>
-        <dgm:cxn modelId="13" srcId="1" destId="11" srcOrd="0" destOrd="0"/>
-        <dgm:cxn modelId="23" srcId="2" destId="21" srcOrd="0" destOrd="0"/>
-        <dgm:cxn modelId="33" srcId="3" destId="31" srcOrd="0" destOrd="0"/>
-        <dgm:cxn modelId="43" srcId="4" destId="41" srcOrd="0" destOrd="0"/>
-      </dgm:cxnLst>
-      <dgm:bg/>
-      <dgm:whole/>
-    </dgm:dataModel>
-  </dgm:clrData>
-  <dgm:layoutNode name="theList">
-    <dgm:varLst>
-      <dgm:dir/>
-      <dgm:animLvl val="lvl"/>
-      <dgm:resizeHandles val="exact"/>
-    </dgm:varLst>
-    <dgm:choose name="Name0">
-      <dgm:if name="Name1" func="var" arg="dir" op="equ" val="norm">
-        <dgm:alg type="lin">
-          <dgm:param type="linDir" val="fromL"/>
-          <dgm:param type="nodeHorzAlign" val="l"/>
-        </dgm:alg>
-      </dgm:if>
-      <dgm:else name="Name2">
-        <dgm:alg type="lin">
-          <dgm:param type="linDir" val="fromR"/>
-          <dgm:param type="nodeHorzAlign" val="r"/>
-        </dgm:alg>
-      </dgm:else>
-    </dgm:choose>
-    <dgm:shape xmlns:r="http://schemas.openxmlformats.org/officeDocument/2006/relationships" r:blip="">
-      <dgm:adjLst/>
-    </dgm:shape>
-    <dgm:presOf/>
-    <dgm:constrLst>
-      <dgm:constr type="w" for="ch" forName="compNode" refType="w"/>
-      <dgm:constr type="h" for="ch" forName="compNode" refType="w" refFor="ch" refForName="compNode" fact="0.7"/>
-      <dgm:constr type="ctrY" for="ch" forName="compNode" refType="h" fact="0.5"/>
-      <dgm:constr type="w" for="ch" forName="aSpace" refType="w" fact="0.05"/>
-      <dgm:constr type="primFontSz" for="des" forName="childTextHidden" op="equ" val="65"/>
-      <dgm:constr type="primFontSz" for="des" forName="parentText" op="equ"/>
-    </dgm:constrLst>
-    <dgm:ruleLst/>
-    <dgm:forEach name="aNodeForEach" axis="ch" ptType="node">
-      <dgm:layoutNode name="compNode">
-        <dgm:alg type="composite">
-          <dgm:param type="ar" val="1.43"/>
-        </dgm:alg>
-        <dgm:shape xmlns:r="http://schemas.openxmlformats.org/officeDocument/2006/relationships" r:blip="">
-          <dgm:adjLst/>
-        </dgm:shape>
-        <dgm:presOf/>
-        <dgm:choose name="Name3">
-          <dgm:if name="Name4" func="var" arg="dir" op="equ" val="norm">
-            <dgm:constrLst>
-              <dgm:constr type="w" for="ch" forName="childTextVisible" refType="w" fact="0.8"/>
-              <dgm:constr type="h" for="ch" forName="childTextVisible" refType="h"/>
-              <dgm:constr type="r" for="ch" forName="childTextVisible" refType="w"/>
-              <dgm:constr type="w" for="ch" forName="childTextHidden" refType="w" fact="0.6"/>
-              <dgm:constr type="h" for="ch" forName="childTextHidden" refType="h"/>
-              <dgm:constr type="r" for="ch" forName="childTextHidden" refType="w"/>
-              <dgm:constr type="l" for="ch" forName="parentText"/>
-              <dgm:constr type="w" for="ch" forName="parentText" refType="w" fact="0.4"/>
-              <dgm:constr type="h" for="ch" forName="parentText" refType="w" refFor="ch" refForName="parentText" op="equ"/>
-              <dgm:constr type="ctrY" for="ch" forName="parentText" refType="h" fact="0.5"/>
-            </dgm:constrLst>
-          </dgm:if>
-          <dgm:else name="Name5">
-            <dgm:constrLst>
-              <dgm:constr type="w" for="ch" forName="childTextVisible" refType="w" fact="0.8"/>
-              <dgm:constr type="h" for="ch" forName="childTextVisible" refType="h"/>
-              <dgm:constr type="l" for="ch" forName="childTextVisible"/>
-              <dgm:constr type="w" for="ch" forName="childTextHidden" refType="w" fact="0.6"/>
-              <dgm:constr type="h" for="ch" forName="childTextHidden" refType="h"/>
-              <dgm:constr type="l" for="ch" forName="childTextHidden"/>
-              <dgm:constr type="r" for="ch" forName="parentText" refType="w"/>
-              <dgm:constr type="w" for="ch" forName="parentText" refType="w" fact="0.4"/>
-              <dgm:constr type="h" for="ch" forName="parentText" refType="w" refFor="ch" refForName="parentText" op="equ"/>
-              <dgm:constr type="ctrY" for="ch" forName="parentText" refType="h" fact="0.5"/>
-            </dgm:constrLst>
-          </dgm:else>
-        </dgm:choose>
-        <dgm:ruleLst/>
-        <dgm:layoutNode name="noGeometry">
-          <dgm:alg type="sp"/>
-          <dgm:shape xmlns:r="http://schemas.openxmlformats.org/officeDocument/2006/relationships" r:blip="">
-            <dgm:adjLst/>
-          </dgm:shape>
-          <dgm:presOf/>
-          <dgm:constrLst/>
-          <dgm:ruleLst/>
-        </dgm:layoutNode>
-        <dgm:layoutNode name="childTextVisible" styleLbl="bgAccFollowNode1">
-          <dgm:varLst>
-            <dgm:bulletEnabled val="1"/>
-          </dgm:varLst>
-          <dgm:alg type="sp"/>
-          <dgm:choose name="Name6">
-            <dgm:if name="Name7" func="var" arg="dir" op="equ" val="norm">
-              <dgm:shape xmlns:r="http://schemas.openxmlformats.org/officeDocument/2006/relationships" type="rightArrow" r:blip="">
-                <dgm:adjLst>
-                  <dgm:adj idx="1" val="0.7"/>
-                  <dgm:adj idx="2" val="0.5"/>
-                </dgm:adjLst>
-              </dgm:shape>
-            </dgm:if>
-            <dgm:else name="Name8">
-              <dgm:shape xmlns:r="http://schemas.openxmlformats.org/officeDocument/2006/relationships" type="leftArrow" r:blip="">
-                <dgm:adjLst>
-                  <dgm:adj idx="1" val="0.7"/>
-                  <dgm:adj idx="2" val="0.5"/>
-                </dgm:adjLst>
-              </dgm:shape>
-            </dgm:else>
-          </dgm:choose>
-          <dgm:presOf axis="des" ptType="node"/>
-          <dgm:constrLst/>
-          <dgm:ruleLst/>
-        </dgm:layoutNode>
-        <dgm:layoutNode name="childTextHidden" styleLbl="bgAccFollowNode1">
-          <dgm:choose name="Name9">
-            <dgm:if name="Name10" axis="des followSib" ptType="node node" st="1 1" cnt="1 0" func="cnt" op="gte" val="1">
-              <dgm:alg type="tx">
-                <dgm:param type="stBulletLvl" val="1"/>
-                <dgm:param type="txAnchorVertCh" val="mid"/>
-              </dgm:alg>
-            </dgm:if>
-            <dgm:else name="Name11">
-              <dgm:alg type="tx">
-                <dgm:param type="stBulletLvl" val="2"/>
-                <dgm:param type="txAnchorVertCh" val="mid"/>
-              </dgm:alg>
-            </dgm:else>
-          </dgm:choose>
-          <dgm:choose name="Name12">
-            <dgm:if name="Name13" func="var" arg="dir" op="equ" val="norm">
-              <dgm:shape xmlns:r="http://schemas.openxmlformats.org/officeDocument/2006/relationships" type="rightArrow" r:blip="" hideGeom="1">
-                <dgm:adjLst>
-                  <dgm:adj idx="1" val="0.7"/>
-                  <dgm:adj idx="2" val="0.5"/>
-                </dgm:adjLst>
-              </dgm:shape>
-            </dgm:if>
-            <dgm:else name="Name14">
-              <dgm:shape xmlns:r="http://schemas.openxmlformats.org/officeDocument/2006/relationships" type="leftArrow" r:blip="" hideGeom="1">
-                <dgm:adjLst>
-                  <dgm:adj idx="1" val="0.7"/>
-                  <dgm:adj idx="2" val="0.5"/>
-                </dgm:adjLst>
-              </dgm:shape>
-            </dgm:else>
-          </dgm:choose>
-          <dgm:presOf axis="des" ptType="node"/>
-          <dgm:constrLst>
-            <dgm:constr type="secFontSz" refType="primFontSz"/>
-            <dgm:constr type="tMarg" refType="primFontSz" fact="0.05"/>
-            <dgm:constr type="bMarg" refType="primFontSz" fact="0.05"/>
-            <dgm:constr type="rMarg" refType="primFontSz" fact="0.1"/>
-            <dgm:constr type="lMarg" refType="primFontSz" fact="0.2"/>
-          </dgm:constrLst>
-          <dgm:ruleLst>
-            <dgm:rule type="primFontSz" val="5" fact="NaN" max="NaN"/>
-          </dgm:ruleLst>
-        </dgm:layoutNode>
-        <dgm:layoutNode name="parentText" styleLbl="node1">
-          <dgm:varLst>
-            <dgm:chMax val="1"/>
-            <dgm:bulletEnabled val="1"/>
-          </dgm:varLst>
-          <dgm:alg type="tx"/>
-          <dgm:shape xmlns:r="http://schemas.openxmlformats.org/officeDocument/2006/relationships" type="ellipse" r:blip="">
-            <dgm:adjLst/>
-          </dgm:shape>
-          <dgm:presOf axis="self"/>
-          <dgm:constrLst>
-            <dgm:constr type="primFontSz" val="65"/>
-            <dgm:constr type="tMarg" refType="primFontSz" fact="0.05"/>
-            <dgm:constr type="bMarg" refType="primFontSz" fact="0.05"/>
-            <dgm:constr type="lMarg" refType="primFontSz" fact="0.05"/>
-            <dgm:constr type="rMarg" refType="primFontSz" fact="0.05"/>
-          </dgm:constrLst>
-          <dgm:ruleLst>
-            <dgm:rule type="primFontSz" val="5" fact="NaN" max="NaN"/>
-          </dgm:ruleLst>
-        </dgm:layoutNode>
-      </dgm:layoutNode>
-      <dgm:choose name="Name15">
-        <dgm:if name="Name16" axis="self" ptType="node" func="revPos" op="gte" val="2">
-          <dgm:layoutNode name="aSpace">
-            <dgm:alg type="sp"/>
-            <dgm:shape xmlns:r="http://schemas.openxmlformats.org/officeDocument/2006/relationships" r:blip="">
-              <dgm:adjLst/>
-            </dgm:shape>
-            <dgm:presOf/>
-            <dgm:constrLst/>
-            <dgm:ruleLst/>
-          </dgm:layoutNode>
-        </dgm:if>
-        <dgm:else name="Name17"/>
-      </dgm:choose>
-    </dgm:forEach>
-  </dgm:layoutNode>
-</dgm:layoutDef>
-</file>
-
-<file path=ppt/diagrams/quickStyle1.xml><?xml version="1.0" encoding="utf-8"?>
-<dgm:styleDef xmlns:dgm="http://schemas.openxmlformats.org/drawingml/2006/diagram" xmlns:a="http://schemas.openxmlformats.org/drawingml/2006/main" uniqueId="urn:microsoft.com/office/officeart/2005/8/quickstyle/simple1">
-  <dgm:title val=""/>
-  <dgm:desc val=""/>
-  <dgm:catLst>
-    <dgm:cat type="simple" pri="10100"/>
-  </dgm:catLst>
-  <dgm:scene3d>
-    <a:camera prst="orthographicFront"/>
-    <a:lightRig rig="threePt" dir="t"/>
-  </dgm:scene3d>
-  <dgm:styleLbl name="node0">
-    <dgm:scene3d>
-      <a:camera prst="orthographicFront"/>
-      <a:lightRig rig="threePt" dir="t"/>
-    </dgm:scene3d>
-    <dgm:sp3d/>
-    <dgm:txPr/>
-    <dgm:style>
-      <a:lnRef idx="2">
-        <a:scrgbClr r="0" g="0" b="0"/>
-      </a:lnRef>
-      <a:fillRef idx="1">
-        <a:scrgbClr r="0" g="0" b="0"/>
-      </a:fillRef>
-      <a:effectRef idx="0">
-        <a:scrgbClr r="0" g="0" b="0"/>
-      </a:effectRef>
-      <a:fontRef idx="minor">
-        <a:schemeClr val="lt1"/>
-      </a:fontRef>
-    </dgm:style>
-  </dgm:styleLbl>
-  <dgm:styleLbl name="lnNode1">
-    <dgm:scene3d>
-      <a:camera prst="orthographicFront"/>
-      <a:lightRig rig="threePt" dir="t"/>
-    </dgm:scene3d>
-    <dgm:sp3d/>
-    <dgm:txPr/>
-    <dgm:style>
-      <a:lnRef idx="2">
-        <a:scrgbClr r="0" g="0" b="0"/>
-      </a:lnRef>
-      <a:fillRef idx="1">
-        <a:scrgbClr r="0" g="0" b="0"/>
-      </a:fillRef>
-      <a:effectRef idx="0">
-        <a:scrgbClr r="0" g="0" b="0"/>
-      </a:effectRef>
-      <a:fontRef idx="minor">
-        <a:schemeClr val="lt1"/>
-      </a:fontRef>
-    </dgm:style>
-  </dgm:styleLbl>
-  <dgm:styleLbl name="vennNode1">
-    <dgm:scene3d>
-      <a:camera prst="orthographicFront"/>
-      <a:lightRig rig="threePt" dir="t"/>
-    </dgm:scene3d>
-    <dgm:sp3d/>
-    <dgm:txPr/>
-    <dgm:style>
-      <a:lnRef idx="2">
-        <a:scrgbClr r="0" g="0" b="0"/>
-      </a:lnRef>
-      <a:fillRef idx="1">
-        <a:scrgbClr r="0" g="0" b="0"/>
-      </a:fillRef>
-      <a:effectRef idx="0">
-        <a:scrgbClr r="0" g="0" b="0"/>
-      </a:effectRef>
-      <a:fontRef idx="minor">
-        <a:schemeClr val="tx1"/>
-      </a:fontRef>
-    </dgm:style>
-  </dgm:styleLbl>
-  <dgm:styleLbl name="alignNode1">
-    <dgm:scene3d>
-      <a:camera prst="orthographicFront"/>
-      <a:lightRig rig="threePt" dir="t"/>
-    </dgm:scene3d>
-    <dgm:sp3d/>
-    <dgm:txPr/>
-    <dgm:style>
-      <a:lnRef idx="2">
-        <a:scrgbClr r="0" g="0" b="0"/>
-      </a:lnRef>
-      <a:fillRef idx="1">
-        <a:scrgbClr r="0" g="0" b="0"/>
-      </a:fillRef>
-      <a:effectRef idx="0">
-        <a:scrgbClr r="0" g="0" b="0"/>
-      </a:effectRef>
-      <a:fontRef idx="minor">
-        <a:schemeClr val="lt1"/>
-      </a:fontRef>
-    </dgm:style>
-  </dgm:styleLbl>
-  <dgm:styleLbl name="node1">
-    <dgm:scene3d>
-      <a:camera prst="orthographicFront"/>
-      <a:lightRig rig="threePt" dir="t"/>
-    </dgm:scene3d>
-    <dgm:sp3d/>
-    <dgm:txPr/>
-    <dgm:style>
-      <a:lnRef idx="2">
-        <a:scrgbClr r="0" g="0" b="0"/>
-      </a:lnRef>
-      <a:fillRef idx="1">
-        <a:scrgbClr r="0" g="0" b="0"/>
-      </a:fillRef>
-      <a:effectRef idx="0">
-        <a:scrgbClr r="0" g="0" b="0"/>
-      </a:effectRef>
-      <a:fontRef idx="minor">
-        <a:schemeClr val="lt1"/>
-      </a:fontRef>
-    </dgm:style>
-  </dgm:styleLbl>
-  <dgm:styleLbl name="node2">
-    <dgm:scene3d>
-      <a:camera prst="orthographicFront"/>
-      <a:lightRig rig="threePt" dir="t"/>
-    </dgm:scene3d>
-    <dgm:sp3d/>
-    <dgm:txPr/>
-    <dgm:style>
-      <a:lnRef idx="2">
-        <a:scrgbClr r="0" g="0" b="0"/>
-      </a:lnRef>
-      <a:fillRef idx="1">
-        <a:scrgbClr r="0" g="0" b="0"/>
-      </a:fillRef>
-      <a:effectRef idx="0">
-        <a:scrgbClr r="0" g="0" b="0"/>
-      </a:effectRef>
-      <a:fontRef idx="minor">
-        <a:schemeClr val="lt1"/>
-      </a:fontRef>
-    </dgm:style>
-  </dgm:styleLbl>
-  <dgm:styleLbl name="node3">
-    <dgm:scene3d>
-      <a:camera prst="orthographicFront"/>
-      <a:lightRig rig="threePt" dir="t"/>
-    </dgm:scene3d>
-    <dgm:sp3d/>
-    <dgm:txPr/>
-    <dgm:style>
-      <a:lnRef idx="2">
-        <a:scrgbClr r="0" g="0" b="0"/>
-      </a:lnRef>
-      <a:fillRef idx="1">
-        <a:scrgbClr r="0" g="0" b="0"/>
-      </a:fillRef>
-      <a:effectRef idx="0">
-        <a:scrgbClr r="0" g="0" b="0"/>
-      </a:effectRef>
-      <a:fontRef idx="minor">
-        <a:schemeClr val="lt1"/>
-      </a:fontRef>
-    </dgm:style>
-  </dgm:styleLbl>
-  <dgm:styleLbl name="node4">
-    <dgm:scene3d>
-      <a:camera prst="orthographicFront"/>
-      <a:lightRig rig="threePt" dir="t"/>
-    </dgm:scene3d>
-    <dgm:sp3d/>
-    <dgm:txPr/>
-    <dgm:style>
-      <a:lnRef idx="2">
-        <a:scrgbClr r="0" g="0" b="0"/>
-      </a:lnRef>
-      <a:fillRef idx="1">
-        <a:scrgbClr r="0" g="0" b="0"/>
-      </a:fillRef>
-      <a:effectRef idx="0">
-        <a:scrgbClr r="0" g="0" b="0"/>
-      </a:effectRef>
-      <a:fontRef idx="minor">
-        <a:schemeClr val="lt1"/>
-      </a:fontRef>
-    </dgm:style>
-  </dgm:styleLbl>
-  <dgm:styleLbl name="fgImgPlace1">
-    <dgm:scene3d>
-      <a:camera prst="orthographicFront"/>
-      <a:lightRig rig="threePt" dir="t"/>
-    </dgm:scene3d>
-    <dgm:sp3d/>
-    <dgm:txPr/>
-    <dgm:style>
-      <a:lnRef idx="2">
-        <a:scrgbClr r="0" g="0" b="0"/>
-      </a:lnRef>
-      <a:fillRef idx="1">
-        <a:scrgbClr r="0" g="0" b="0"/>
-      </a:fillRef>
-      <a:effectRef idx="0">
-        <a:scrgbClr r="0" g="0" b="0"/>
-      </a:effectRef>
-      <a:fontRef idx="minor"/>
-    </dgm:style>
-  </dgm:styleLbl>
-  <dgm:styleLbl name="alignImgPlace1">
-    <dgm:scene3d>
-      <a:camera prst="orthographicFront"/>
-      <a:lightRig rig="threePt" dir="t"/>
-    </dgm:scene3d>
-    <dgm:sp3d/>
-    <dgm:txPr/>
-    <dgm:style>
-      <a:lnRef idx="2">
-        <a:scrgbClr r="0" g="0" b="0"/>
-      </a:lnRef>
-      <a:fillRef idx="1">
-        <a:scrgbClr r="0" g="0" b="0"/>
-      </a:fillRef>
-      <a:effectRef idx="0">
-        <a:scrgbClr r="0" g="0" b="0"/>
-      </a:effectRef>
-      <a:fontRef idx="minor"/>
-    </dgm:style>
-  </dgm:styleLbl>
-  <dgm:styleLbl name="bgImgPlace1">
-    <dgm:scene3d>
-      <a:camera prst="orthographicFront"/>
-      <a:lightRig rig="threePt" dir="t"/>
-    </dgm:scene3d>
-    <dgm:sp3d/>
-    <dgm:txPr/>
-    <dgm:style>
-      <a:lnRef idx="2">
-        <a:scrgbClr r="0" g="0" b="0"/>
-      </a:lnRef>
-      <a:fillRef idx="1">
-        <a:scrgbClr r="0" g="0" b="0"/>
-      </a:fillRef>
-      <a:effectRef idx="0">
-        <a:scrgbClr r="0" g="0" b="0"/>
-      </a:effectRef>
-      <a:fontRef idx="minor"/>
-    </dgm:style>
-  </dgm:styleLbl>
-  <dgm:styleLbl name="sibTrans2D1">
-    <dgm:scene3d>
-      <a:camera prst="orthographicFront"/>
-      <a:lightRig rig="threePt" dir="t"/>
-    </dgm:scene3d>
-    <dgm:sp3d/>
-    <dgm:txPr/>
-    <dgm:style>
-      <a:lnRef idx="0">
-        <a:scrgbClr r="0" g="0" b="0"/>
-      </a:lnRef>
-      <a:fillRef idx="1">
-        <a:scrgbClr r="0" g="0" b="0"/>
-      </a:fillRef>
-      <a:effectRef idx="0">
-        <a:scrgbClr r="0" g="0" b="0"/>
-      </a:effectRef>
-      <a:fontRef idx="minor">
-        <a:schemeClr val="lt1"/>
-      </a:fontRef>
-    </dgm:style>
-  </dgm:styleLbl>
-  <dgm:styleLbl name="fgSibTrans2D1">
-    <dgm:scene3d>
-      <a:camera prst="orthographicFront"/>
-      <a:lightRig rig="threePt" dir="t"/>
-    </dgm:scene3d>
-    <dgm:sp3d/>
-    <dgm:txPr/>
-    <dgm:style>
-      <a:lnRef idx="0">
-        <a:scrgbClr r="0" g="0" b="0"/>
-      </a:lnRef>
-      <a:fillRef idx="1">
-        <a:scrgbClr r="0" g="0" b="0"/>
-      </a:fillRef>
-      <a:effectRef idx="0">
-        <a:scrgbClr r="0" g="0" b="0"/>
-      </a:effectRef>
-      <a:fontRef idx="minor">
-        <a:schemeClr val="lt1"/>
-      </a:fontRef>
-    </dgm:style>
-  </dgm:styleLbl>
-  <dgm:styleLbl name="bgSibTrans2D1">
-    <dgm:scene3d>
-      <a:camera prst="orthographicFront"/>
-      <a:lightRig rig="threePt" dir="t"/>
-    </dgm:scene3d>
-    <dgm:sp3d/>
-    <dgm:txPr/>
-    <dgm:style>
-      <a:lnRef idx="0">
-        <a:scrgbClr r="0" g="0" b="0"/>
-      </a:lnRef>
-      <a:fillRef idx="1">
-        <a:scrgbClr r="0" g="0" b="0"/>
-      </a:fillRef>
-      <a:effectRef idx="0">
-        <a:scrgbClr r="0" g="0" b="0"/>
-      </a:effectRef>
-      <a:fontRef idx="minor">
-        <a:schemeClr val="lt1"/>
-      </a:fontRef>
-    </dgm:style>
-  </dgm:styleLbl>
-  <dgm:styleLbl name="sibTrans1D1">
-    <dgm:scene3d>
-      <a:camera prst="orthographicFront"/>
-      <a:lightRig rig="threePt" dir="t"/>
-    </dgm:scene3d>
-    <dgm:sp3d/>
-    <dgm:txPr/>
-    <dgm:style>
-      <a:lnRef idx="1">
-        <a:scrgbClr r="0" g="0" b="0"/>
-      </a:lnRef>
-      <a:fillRef idx="0">
-        <a:scrgbClr r="0" g="0" b="0"/>
-      </a:fillRef>
-      <a:effectRef idx="0">
-        <a:scrgbClr r="0" g="0" b="0"/>
-      </a:effectRef>
-      <a:fontRef idx="minor"/>
-    </dgm:style>
-  </dgm:styleLbl>
-  <dgm:styleLbl name="callout">
-    <dgm:scene3d>
-      <a:camera prst="orthographicFront"/>
-      <a:lightRig rig="threePt" dir="t"/>
-    </dgm:scene3d>
-    <dgm:sp3d/>
-    <dgm:txPr/>
-    <dgm:style>
-      <a:lnRef idx="2">
-        <a:scrgbClr r="0" g="0" b="0"/>
-      </a:lnRef>
-      <a:fillRef idx="1">
-        <a:scrgbClr r="0" g="0" b="0"/>
-      </a:fillRef>
-      <a:effectRef idx="0">
-        <a:scrgbClr r="0" g="0" b="0"/>
-      </a:effectRef>
-      <a:fontRef idx="minor"/>
-    </dgm:style>
-  </dgm:styleLbl>
-  <dgm:styleLbl name="asst0">
-    <dgm:scene3d>
-      <a:camera prst="orthographicFront"/>
-      <a:lightRig rig="threePt" dir="t"/>
-    </dgm:scene3d>
-    <dgm:sp3d/>
-    <dgm:txPr/>
-    <dgm:style>
-      <a:lnRef idx="2">
-        <a:scrgbClr r="0" g="0" b="0"/>
-      </a:lnRef>
-      <a:fillRef idx="1">
-        <a:scrgbClr r="0" g="0" b="0"/>
-      </a:fillRef>
-      <a:effectRef idx="0">
-        <a:scrgbClr r="0" g="0" b="0"/>
-      </a:effectRef>
-      <a:fontRef idx="minor">
-        <a:schemeClr val="lt1"/>
-      </a:fontRef>
-    </dgm:style>
-  </dgm:styleLbl>
-  <dgm:styleLbl name="asst1">
-    <dgm:scene3d>
-      <a:camera prst="orthographicFront"/>
-      <a:lightRig rig="threePt" dir="t"/>
-    </dgm:scene3d>
-    <dgm:sp3d/>
-    <dgm:txPr/>
-    <dgm:style>
-      <a:lnRef idx="2">
-        <a:scrgbClr r="0" g="0" b="0"/>
-      </a:lnRef>
-      <a:fillRef idx="1">
-        <a:scrgbClr r="0" g="0" b="0"/>
-      </a:fillRef>
-      <a:effectRef idx="0">
-        <a:scrgbClr r="0" g="0" b="0"/>
-      </a:effectRef>
-      <a:fontRef idx="minor">
-        <a:schemeClr val="lt1"/>
-      </a:fontRef>
-    </dgm:style>
-  </dgm:styleLbl>
-  <dgm:styleLbl name="asst2">
-    <dgm:scene3d>
-      <a:camera prst="orthographicFront"/>
-      <a:lightRig rig="threePt" dir="t"/>
-    </dgm:scene3d>
-    <dgm:sp3d/>
-    <dgm:txPr/>
-    <dgm:style>
-      <a:lnRef idx="2">
-        <a:scrgbClr r="0" g="0" b="0"/>
-      </a:lnRef>
-      <a:fillRef idx="1">
-        <a:scrgbClr r="0" g="0" b="0"/>
-      </a:fillRef>
-      <a:effectRef idx="0">
-        <a:scrgbClr r="0" g="0" b="0"/>
-      </a:effectRef>
-      <a:fontRef idx="minor">
-        <a:schemeClr val="lt1"/>
-      </a:fontRef>
-    </dgm:style>
-  </dgm:styleLbl>
-  <dgm:styleLbl name="asst3">
-    <dgm:scene3d>
-      <a:camera prst="orthographicFront"/>
-      <a:lightRig rig="threePt" dir="t"/>
-    </dgm:scene3d>
-    <dgm:sp3d/>
-    <dgm:txPr/>
-    <dgm:style>
-      <a:lnRef idx="2">
-        <a:scrgbClr r="0" g="0" b="0"/>
-      </a:lnRef>
-      <a:fillRef idx="1">
-        <a:scrgbClr r="0" g="0" b="0"/>
-      </a:fillRef>
-      <a:effectRef idx="0">
-        <a:scrgbClr r="0" g="0" b="0"/>
-      </a:effectRef>
-      <a:fontRef idx="minor">
-        <a:schemeClr val="lt1"/>
-      </a:fontRef>
-    </dgm:style>
-  </dgm:styleLbl>
-  <dgm:styleLbl name="asst4">
-    <dgm:scene3d>
-      <a:camera prst="orthographicFront"/>
-      <a:lightRig rig="threePt" dir="t"/>
-    </dgm:scene3d>
-    <dgm:sp3d/>
-    <dgm:txPr/>
-    <dgm:style>
-      <a:lnRef idx="2">
-        <a:scrgbClr r="0" g="0" b="0"/>
-      </a:lnRef>
-      <a:fillRef idx="1">
-        <a:scrgbClr r="0" g="0" b="0"/>
-      </a:fillRef>
-      <a:effectRef idx="0">
-        <a:scrgbClr r="0" g="0" b="0"/>
-      </a:effectRef>
-      <a:fontRef idx="minor">
-        <a:schemeClr val="lt1"/>
-      </a:fontRef>
-    </dgm:style>
-  </dgm:styleLbl>
-  <dgm:styleLbl name="parChTrans2D1">
-    <dgm:scene3d>
-      <a:camera prst="orthographicFront"/>
-      <a:lightRig rig="threePt" dir="t"/>
-    </dgm:scene3d>
-    <dgm:sp3d/>
-    <dgm:txPr/>
-    <dgm:style>
-      <a:lnRef idx="2">
-        <a:scrgbClr r="0" g="0" b="0"/>
-      </a:lnRef>
-      <a:fillRef idx="1">
-        <a:scrgbClr r="0" g="0" b="0"/>
-      </a:fillRef>
-      <a:effectRef idx="0">
-        <a:scrgbClr r="0" g="0" b="0"/>
-      </a:effectRef>
-      <a:fontRef idx="minor">
-        <a:schemeClr val="lt1"/>
-      </a:fontRef>
-    </dgm:style>
-  </dgm:styleLbl>
-  <dgm:styleLbl name="parChTrans2D2">
-    <dgm:scene3d>
-      <a:camera prst="orthographicFront"/>
-      <a:lightRig rig="threePt" dir="t"/>
-    </dgm:scene3d>
-    <dgm:sp3d/>
-    <dgm:txPr/>
-    <dgm:style>
-      <a:lnRef idx="2">
-        <a:scrgbClr r="0" g="0" b="0"/>
-      </a:lnRef>
-      <a:fillRef idx="1">
-        <a:scrgbClr r="0" g="0" b="0"/>
-      </a:fillRef>
-      <a:effectRef idx="0">
-        <a:scrgbClr r="0" g="0" b="0"/>
-      </a:effectRef>
-      <a:fontRef idx="minor">
-        <a:schemeClr val="lt1"/>
-      </a:fontRef>
-    </dgm:style>
-  </dgm:styleLbl>
-  <dgm:styleLbl name="parChTrans2D3">
-    <dgm:scene3d>
-      <a:camera prst="orthographicFront"/>
-      <a:lightRig rig="threePt" dir="t"/>
-    </dgm:scene3d>
-    <dgm:sp3d/>
-    <dgm:txPr/>
-    <dgm:style>
-      <a:lnRef idx="2">
-        <a:scrgbClr r="0" g="0" b="0"/>
-      </a:lnRef>
-      <a:fillRef idx="1">
-        <a:scrgbClr r="0" g="0" b="0"/>
-      </a:fillRef>
-      <a:effectRef idx="0">
-        <a:scrgbClr r="0" g="0" b="0"/>
-      </a:effectRef>
-      <a:fontRef idx="minor">
-        <a:schemeClr val="lt1"/>
-      </a:fontRef>
-    </dgm:style>
-  </dgm:styleLbl>
-  <dgm:styleLbl name="parChTrans2D4">
-    <dgm:scene3d>
-      <a:camera prst="orthographicFront"/>
-      <a:lightRig rig="threePt" dir="t"/>
-    </dgm:scene3d>
-    <dgm:sp3d/>
-    <dgm:txPr/>
-    <dgm:style>
-      <a:lnRef idx="2">
-        <a:scrgbClr r="0" g="0" b="0"/>
-      </a:lnRef>
-      <a:fillRef idx="1">
-        <a:scrgbClr r="0" g="0" b="0"/>
-      </a:fillRef>
-      <a:effectRef idx="0">
-        <a:scrgbClr r="0" g="0" b="0"/>
-      </a:effectRef>
-      <a:fontRef idx="minor">
-        <a:schemeClr val="lt1"/>
-      </a:fontRef>
-    </dgm:style>
-  </dgm:styleLbl>
-  <dgm:styleLbl name="parChTrans1D1">
-    <dgm:scene3d>
-      <a:camera prst="orthographicFront"/>
-      <a:lightRig rig="threePt" dir="t"/>
-    </dgm:scene3d>
-    <dgm:sp3d/>
-    <dgm:txPr/>
-    <dgm:style>
-      <a:lnRef idx="2">
-        <a:scrgbClr r="0" g="0" b="0"/>
-      </a:lnRef>
-      <a:fillRef idx="0">
-        <a:scrgbClr r="0" g="0" b="0"/>
-      </a:fillRef>
-      <a:effectRef idx="0">
-        <a:scrgbClr r="0" g="0" b="0"/>
-      </a:effectRef>
-      <a:fontRef idx="minor"/>
-    </dgm:style>
-  </dgm:styleLbl>
-  <dgm:styleLbl name="parChTrans1D2">
-    <dgm:scene3d>
-      <a:camera prst="orthographicFront"/>
-      <a:lightRig rig="threePt" dir="t"/>
-    </dgm:scene3d>
-    <dgm:sp3d/>
-    <dgm:txPr/>
-    <dgm:style>
-      <a:lnRef idx="2">
-        <a:scrgbClr r="0" g="0" b="0"/>
-      </a:lnRef>
-      <a:fillRef idx="0">
-        <a:scrgbClr r="0" g="0" b="0"/>
-      </a:fillRef>
-      <a:effectRef idx="0">
-        <a:scrgbClr r="0" g="0" b="0"/>
-      </a:effectRef>
-      <a:fontRef idx="minor"/>
-    </dgm:style>
-  </dgm:styleLbl>
-  <dgm:styleLbl name="parChTrans1D3">
-    <dgm:scene3d>
-      <a:camera prst="orthographicFront"/>
-      <a:lightRig rig="threePt" dir="t"/>
-    </dgm:scene3d>
-    <dgm:sp3d/>
-    <dgm:txPr/>
-    <dgm:style>
-      <a:lnRef idx="2">
-        <a:scrgbClr r="0" g="0" b="0"/>
-      </a:lnRef>
-      <a:fillRef idx="0">
-        <a:scrgbClr r="0" g="0" b="0"/>
-      </a:fillRef>
-      <a:effectRef idx="0">
-        <a:scrgbClr r="0" g="0" b="0"/>
-      </a:effectRef>
-      <a:fontRef idx="minor"/>
-    </dgm:style>
-  </dgm:styleLbl>
-  <dgm:styleLbl name="parChTrans1D4">
-    <dgm:scene3d>
-      <a:camera prst="orthographicFront"/>
-      <a:lightRig rig="threePt" dir="t"/>
-    </dgm:scene3d>
-    <dgm:sp3d/>
-    <dgm:txPr/>
-    <dgm:style>
-      <a:lnRef idx="2">
-        <a:scrgbClr r="0" g="0" b="0"/>
-      </a:lnRef>
-      <a:fillRef idx="0">
-        <a:scrgbClr r="0" g="0" b="0"/>
-      </a:fillRef>
-      <a:effectRef idx="0">
-        <a:scrgbClr r="0" g="0" b="0"/>
-      </a:effectRef>
-      <a:fontRef idx="minor"/>
-    </dgm:style>
-  </dgm:styleLbl>
-  <dgm:styleLbl name="fgAcc1">
-    <dgm:scene3d>
-      <a:camera prst="orthographicFront"/>
-      <a:lightRig rig="threePt" dir="t"/>
-    </dgm:scene3d>
-    <dgm:sp3d/>
-    <dgm:txPr/>
-    <dgm:style>
-      <a:lnRef idx="2">
-        <a:scrgbClr r="0" g="0" b="0"/>
-      </a:lnRef>
-      <a:fillRef idx="1">
-        <a:scrgbClr r="0" g="0" b="0"/>
-      </a:fillRef>
-      <a:effectRef idx="0">
-        <a:scrgbClr r="0" g="0" b="0"/>
-      </a:effectRef>
-      <a:fontRef idx="minor"/>
-    </dgm:style>
-  </dgm:styleLbl>
-  <dgm:styleLbl name="conFgAcc1">
-    <dgm:scene3d>
-      <a:camera prst="orthographicFront"/>
-      <a:lightRig rig="threePt" dir="t"/>
-    </dgm:scene3d>
-    <dgm:sp3d/>
-    <dgm:txPr/>
-    <dgm:style>
-      <a:lnRef idx="2">
-        <a:scrgbClr r="0" g="0" b="0"/>
-      </a:lnRef>
-      <a:fillRef idx="1">
-        <a:scrgbClr r="0" g="0" b="0"/>
-      </a:fillRef>
-      <a:effectRef idx="0">
-        <a:scrgbClr r="0" g="0" b="0"/>
-      </a:effectRef>
-      <a:fontRef idx="minor"/>
-    </dgm:style>
-  </dgm:styleLbl>
-  <dgm:styleLbl name="alignAcc1">
-    <dgm:scene3d>
-      <a:camera prst="orthographicFront"/>
-      <a:lightRig rig="threePt" dir="t"/>
-    </dgm:scene3d>
-    <dgm:sp3d/>
-    <dgm:txPr/>
-    <dgm:style>
-      <a:lnRef idx="2">
-        <a:scrgbClr r="0" g="0" b="0"/>
-      </a:lnRef>
-      <a:fillRef idx="1">
-        <a:scrgbClr r="0" g="0" b="0"/>
-      </a:fillRef>
-      <a:effectRef idx="0">
-        <a:scrgbClr r="0" g="0" b="0"/>
-      </a:effectRef>
-      <a:fontRef idx="minor"/>
-    </dgm:style>
-  </dgm:styleLbl>
-  <dgm:styleLbl name="trAlignAcc1">
-    <dgm:scene3d>
-      <a:camera prst="orthographicFront"/>
-      <a:lightRig rig="threePt" dir="t"/>
-    </dgm:scene3d>
-    <dgm:sp3d/>
-    <dgm:txPr/>
-    <dgm:style>
-      <a:lnRef idx="1">
-        <a:scrgbClr r="0" g="0" b="0"/>
-      </a:lnRef>
-      <a:fillRef idx="1">
-        <a:scrgbClr r="0" g="0" b="0"/>
-      </a:fillRef>
-      <a:effectRef idx="0">
-        <a:scrgbClr r="0" g="0" b="0"/>
-      </a:effectRef>
-      <a:fontRef idx="minor"/>
-    </dgm:style>
-  </dgm:styleLbl>
-  <dgm:styleLbl name="bgAcc1">
-    <dgm:scene3d>
-      <a:camera prst="orthographicFront"/>
-      <a:lightRig rig="threePt" dir="t"/>
-    </dgm:scene3d>
-    <dgm:sp3d/>
-    <dgm:txPr/>
-    <dgm:style>
-      <a:lnRef idx="2">
-        <a:scrgbClr r="0" g="0" b="0"/>
-      </a:lnRef>
-      <a:fillRef idx="1">
-        <a:scrgbClr r="0" g="0" b="0"/>
-      </a:fillRef>
-      <a:effectRef idx="0">
-        <a:scrgbClr r="0" g="0" b="0"/>
-      </a:effectRef>
-      <a:fontRef idx="minor"/>
-    </dgm:style>
-  </dgm:styleLbl>
-  <dgm:styleLbl name="solidFgAcc1">
-    <dgm:scene3d>
-      <a:camera prst="orthographicFront"/>
-      <a:lightRig rig="threePt" dir="t"/>
-    </dgm:scene3d>
-    <dgm:sp3d/>
-    <dgm:txPr/>
-    <dgm:style>
-      <a:lnRef idx="2">
-        <a:scrgbClr r="0" g="0" b="0"/>
-      </a:lnRef>
-      <a:fillRef idx="1">
-        <a:scrgbClr r="0" g="0" b="0"/>
-      </a:fillRef>
-      <a:effectRef idx="0">
-        <a:scrgbClr r="0" g="0" b="0"/>
-      </a:effectRef>
-      <a:fontRef idx="minor"/>
-    </dgm:style>
-  </dgm:styleLbl>
-  <dgm:styleLbl name="solidAlignAcc1">
-    <dgm:scene3d>
-      <a:camera prst="orthographicFront"/>
-      <a:lightRig rig="threePt" dir="t"/>
-    </dgm:scene3d>
-    <dgm:sp3d/>
-    <dgm:txPr/>
-    <dgm:style>
-      <a:lnRef idx="2">
-        <a:scrgbClr r="0" g="0" b="0"/>
-      </a:lnRef>
-      <a:fillRef idx="1">
-        <a:scrgbClr r="0" g="0" b="0"/>
-      </a:fillRef>
-      <a:effectRef idx="0">
-        <a:scrgbClr r="0" g="0" b="0"/>
-      </a:effectRef>
-      <a:fontRef idx="minor"/>
-    </dgm:style>
-  </dgm:styleLbl>
-  <dgm:styleLbl name="solidBgAcc1">
-    <dgm:scene3d>
-      <a:camera prst="orthographicFront"/>
-      <a:lightRig rig="threePt" dir="t"/>
-    </dgm:scene3d>
-    <dgm:sp3d/>
-    <dgm:txPr/>
-    <dgm:style>
-      <a:lnRef idx="2">
-        <a:scrgbClr r="0" g="0" b="0"/>
-      </a:lnRef>
-      <a:fillRef idx="1">
-        <a:scrgbClr r="0" g="0" b="0"/>
-      </a:fillRef>
-      <a:effectRef idx="0">
-        <a:scrgbClr r="0" g="0" b="0"/>
-      </a:effectRef>
-      <a:fontRef idx="minor"/>
-    </dgm:style>
-  </dgm:styleLbl>
-  <dgm:styleLbl name="fgAccFollowNode1">
-    <dgm:scene3d>
-      <a:camera prst="orthographicFront"/>
-      <a:lightRig rig="threePt" dir="t"/>
-    </dgm:scene3d>
-    <dgm:sp3d/>
-    <dgm:txPr/>
-    <dgm:style>
-      <a:lnRef idx="2">
-        <a:scrgbClr r="0" g="0" b="0"/>
-      </a:lnRef>
-      <a:fillRef idx="1">
-        <a:scrgbClr r="0" g="0" b="0"/>
-      </a:fillRef>
-      <a:effectRef idx="0">
-        <a:scrgbClr r="0" g="0" b="0"/>
-      </a:effectRef>
-      <a:fontRef idx="minor"/>
-    </dgm:style>
-  </dgm:styleLbl>
-  <dgm:styleLbl name="alignAccFollowNode1">
-    <dgm:scene3d>
-      <a:camera prst="orthographicFront"/>
-      <a:lightRig rig="threePt" dir="t"/>
-    </dgm:scene3d>
-    <dgm:sp3d/>
-    <dgm:txPr/>
-    <dgm:style>
-      <a:lnRef idx="2">
-        <a:scrgbClr r="0" g="0" b="0"/>
-      </a:lnRef>
-      <a:fillRef idx="1">
-        <a:scrgbClr r="0" g="0" b="0"/>
-      </a:fillRef>
-      <a:effectRef idx="0">
-        <a:scrgbClr r="0" g="0" b="0"/>
-      </a:effectRef>
-      <a:fontRef idx="minor"/>
-    </dgm:style>
-  </dgm:styleLbl>
-  <dgm:styleLbl name="bgAccFollowNode1">
-    <dgm:scene3d>
-      <a:camera prst="orthographicFront"/>
-      <a:lightRig rig="threePt" dir="t"/>
-    </dgm:scene3d>
-    <dgm:sp3d/>
-    <dgm:txPr/>
-    <dgm:style>
-      <a:lnRef idx="2">
-        <a:scrgbClr r="0" g="0" b="0"/>
-      </a:lnRef>
-      <a:fillRef idx="1">
-        <a:scrgbClr r="0" g="0" b="0"/>
-      </a:fillRef>
-      <a:effectRef idx="0">
-        <a:scrgbClr r="0" g="0" b="0"/>
-      </a:effectRef>
-      <a:fontRef idx="minor"/>
-    </dgm:style>
-  </dgm:styleLbl>
-  <dgm:styleLbl name="fgAcc0">
-    <dgm:scene3d>
-      <a:camera prst="orthographicFront"/>
-      <a:lightRig rig="threePt" dir="t"/>
-    </dgm:scene3d>
-    <dgm:sp3d/>
-    <dgm:txPr/>
-    <dgm:style>
-      <a:lnRef idx="2">
-        <a:scrgbClr r="0" g="0" b="0"/>
-      </a:lnRef>
-      <a:fillRef idx="1">
-        <a:scrgbClr r="0" g="0" b="0"/>
-      </a:fillRef>
-      <a:effectRef idx="0">
-        <a:scrgbClr r="0" g="0" b="0"/>
-      </a:effectRef>
-      <a:fontRef idx="minor"/>
-    </dgm:style>
-  </dgm:styleLbl>
-  <dgm:styleLbl name="fgAcc2">
-    <dgm:scene3d>
-      <a:camera prst="orthographicFront"/>
-      <a:lightRig rig="threePt" dir="t"/>
-    </dgm:scene3d>
-    <dgm:sp3d/>
-    <dgm:txPr/>
-    <dgm:style>
-      <a:lnRef idx="2">
-        <a:scrgbClr r="0" g="0" b="0"/>
-      </a:lnRef>
-      <a:fillRef idx="1">
-        <a:scrgbClr r="0" g="0" b="0"/>
-      </a:fillRef>
-      <a:effectRef idx="0">
-        <a:scrgbClr r="0" g="0" b="0"/>
-      </a:effectRef>
-      <a:fontRef idx="minor"/>
-    </dgm:style>
-  </dgm:styleLbl>
-  <dgm:styleLbl name="fgAcc3">
-    <dgm:scene3d>
-      <a:camera prst="orthographicFront"/>
-      <a:lightRig rig="threePt" dir="t"/>
-    </dgm:scene3d>
-    <dgm:sp3d/>
-    <dgm:txPr/>
-    <dgm:style>
-      <a:lnRef idx="2">
-        <a:scrgbClr r="0" g="0" b="0"/>
-      </a:lnRef>
-      <a:fillRef idx="1">
-        <a:scrgbClr r="0" g="0" b="0"/>
-      </a:fillRef>
-      <a:effectRef idx="0">
-        <a:scrgbClr r="0" g="0" b="0"/>
-      </a:effectRef>
-      <a:fontRef idx="minor"/>
-    </dgm:style>
-  </dgm:styleLbl>
-  <dgm:styleLbl name="fgAcc4">
-    <dgm:scene3d>
-      <a:camera prst="orthographicFront"/>
-      <a:lightRig rig="threePt" dir="t"/>
-    </dgm:scene3d>
-    <dgm:sp3d/>
-    <dgm:txPr/>
-    <dgm:style>
-      <a:lnRef idx="2">
-        <a:scrgbClr r="0" g="0" b="0"/>
-      </a:lnRef>
-      <a:fillRef idx="1">
-        <a:scrgbClr r="0" g="0" b="0"/>
-      </a:fillRef>
-      <a:effectRef idx="0">
-        <a:scrgbClr r="0" g="0" b="0"/>
-      </a:effectRef>
-      <a:fontRef idx="minor"/>
-    </dgm:style>
-  </dgm:styleLbl>
-  <dgm:styleLbl name="bgShp">
-    <dgm:scene3d>
-      <a:camera prst="orthographicFront"/>
-      <a:lightRig rig="threePt" dir="t"/>
-    </dgm:scene3d>
-    <dgm:sp3d/>
-    <dgm:txPr/>
-    <dgm:style>
-      <a:lnRef idx="0">
-        <a:scrgbClr r="0" g="0" b="0"/>
-      </a:lnRef>
-      <a:fillRef idx="1">
-        <a:scrgbClr r="0" g="0" b="0"/>
-      </a:fillRef>
-      <a:effectRef idx="0">
-        <a:scrgbClr r="0" g="0" b="0"/>
-      </a:effectRef>
-      <a:fontRef idx="minor"/>
-    </dgm:style>
-  </dgm:styleLbl>
-  <dgm:styleLbl name="dkBgShp">
-    <dgm:scene3d>
-      <a:camera prst="orthographicFront"/>
-      <a:lightRig rig="threePt" dir="t"/>
-    </dgm:scene3d>
-    <dgm:sp3d/>
-    <dgm:txPr/>
-    <dgm:style>
-      <a:lnRef idx="0">
-        <a:scrgbClr r="0" g="0" b="0"/>
-      </a:lnRef>
-      <a:fillRef idx="1">
-        <a:scrgbClr r="0" g="0" b="0"/>
-      </a:fillRef>
-      <a:effectRef idx="0">
-        <a:scrgbClr r="0" g="0" b="0"/>
-      </a:effectRef>
-      <a:fontRef idx="minor"/>
-    </dgm:style>
-  </dgm:styleLbl>
-  <dgm:styleLbl name="trBgShp">
-    <dgm:scene3d>
-      <a:camera prst="orthographicFront"/>
-      <a:lightRig rig="threePt" dir="t"/>
-    </dgm:scene3d>
-    <dgm:sp3d/>
-    <dgm:txPr/>
-    <dgm:style>
-      <a:lnRef idx="0">
-        <a:scrgbClr r="0" g="0" b="0"/>
-      </a:lnRef>
-      <a:fillRef idx="1">
-        <a:scrgbClr r="0" g="0" b="0"/>
-      </a:fillRef>
-      <a:effectRef idx="0">
-        <a:scrgbClr r="0" g="0" b="0"/>
-      </a:effectRef>
-      <a:fontRef idx="minor"/>
-    </dgm:style>
-  </dgm:styleLbl>
-  <dgm:styleLbl name="fgShp">
-    <dgm:scene3d>
-      <a:camera prst="orthographicFront"/>
-      <a:lightRig rig="threePt" dir="t"/>
-    </dgm:scene3d>
-    <dgm:sp3d/>
-    <dgm:txPr/>
-    <dgm:style>
-      <a:lnRef idx="2">
-        <a:scrgbClr r="0" g="0" b="0"/>
-      </a:lnRef>
-      <a:fillRef idx="1">
-        <a:scrgbClr r="0" g="0" b="0"/>
-      </a:fillRef>
-      <a:effectRef idx="0">
-        <a:scrgbClr r="0" g="0" b="0"/>
-      </a:effectRef>
-      <a:fontRef idx="minor"/>
-    </dgm:style>
-  </dgm:styleLbl>
-  <dgm:styleLbl name="revTx">
-    <dgm:scene3d>
-      <a:camera prst="orthographicFront"/>
-      <a:lightRig rig="threePt" dir="t"/>
-    </dgm:scene3d>
-    <dgm:sp3d/>
-    <dgm:txPr/>
-    <dgm:style>
-      <a:lnRef idx="0">
-        <a:scrgbClr r="0" g="0" b="0"/>
-      </a:lnRef>
-      <a:fillRef idx="0">
-        <a:scrgbClr r="0" g="0" b="0"/>
-      </a:fillRef>
-      <a:effectRef idx="0">
-        <a:scrgbClr r="0" g="0" b="0"/>
-      </a:effectRef>
-      <a:fontRef idx="minor"/>
-    </dgm:style>
-  </dgm:styleLbl>
-</dgm:styleDef>
-</file>
-
 <file path=ppt/handoutMasters/handoutMaster1.xml><?xml version="1.0" encoding="utf-8"?>
 <p:handoutMaster xmlns:a="http://schemas.openxmlformats.org/drawingml/2006/main" xmlns:r="http://schemas.openxmlformats.org/officeDocument/2006/relationships" xmlns:p="http://schemas.openxmlformats.org/presentationml/2006/main">
   <p:cSld>
@@ -3923,7 +233,7 @@
                 <a:latin typeface="맑은 고딕" panose="020B0503020000020004" pitchFamily="50" charset="-127"/>
                 <a:ea typeface="맑은 고딕" panose="020B0503020000020004" pitchFamily="50" charset="-127"/>
               </a:rPr>
-              <a:t>2019년 5월 28일</a:t>
+              <a:t>2019년 5월 29일</a:t>
             </a:fld>
             <a:endParaRPr lang="ko-KR" altLang="en-US" dirty="0">
               <a:latin typeface="맑은 고딕" panose="020B0503020000020004" pitchFamily="50" charset="-127"/>
@@ -4109,7 +419,7 @@
             <a:fld id="{BE16EC8A-0758-4FA9-BF4D-3119057076D1}" type="datetime4">
               <a:rPr lang="ko-KR" altLang="en-US" smtClean="0"/>
               <a:pPr/>
-              <a:t>2019년 5월 28일</a:t>
+              <a:t>2019년 5월 29일</a:t>
             </a:fld>
             <a:endParaRPr lang="ko-KR" altLang="en-US" dirty="0"/>
           </a:p>
@@ -4527,7 +837,24 @@
           <a:bodyPr/>
           <a:lstStyle/>
           <a:p>
-            <a:endParaRPr lang="ko-KR" altLang="en-US" dirty="0">
+            <a:pPr marL="0" marR="0" lvl="0" indent="0" algn="l" defTabSz="914400" rtl="0" eaLnBrk="1" fontAlgn="auto" latinLnBrk="0" hangingPunct="1">
+              <a:lnSpc>
+                <a:spcPct val="100000"/>
+              </a:lnSpc>
+              <a:spcBef>
+                <a:spcPts val="0"/>
+              </a:spcBef>
+              <a:spcAft>
+                <a:spcPts val="0"/>
+              </a:spcAft>
+              <a:buClrTx/>
+              <a:buSzTx/>
+              <a:buFontTx/>
+              <a:buNone/>
+              <a:tabLst/>
+              <a:defRPr/>
+            </a:pPr>
+            <a:endParaRPr lang="en-US" altLang="ko-KR" sz="1200" smtClean="0">
               <a:latin typeface="맑은 고딕" panose="020B0503020000020004" pitchFamily="50" charset="-127"/>
               <a:ea typeface="맑은 고딕" panose="020B0503020000020004" pitchFamily="50" charset="-127"/>
             </a:endParaRPr>
@@ -4567,7 +894,7 @@
     </p:spTree>
     <p:extLst>
       <p:ext uri="{BB962C8B-B14F-4D97-AF65-F5344CB8AC3E}">
-        <p14:creationId xmlns:p14="http://schemas.microsoft.com/office/powerpoint/2010/main" val="13273776"/>
+        <p14:creationId xmlns:p14="http://schemas.microsoft.com/office/powerpoint/2010/main" val="4197580102"/>
       </p:ext>
     </p:extLst>
   </p:cSld>
@@ -4621,7 +948,283 @@
           <a:bodyPr/>
           <a:lstStyle/>
           <a:p>
-            <a:endParaRPr lang="ko-KR" altLang="en-US" dirty="0">
+            <a:pPr marL="0" marR="0" lvl="0" indent="0" algn="l" defTabSz="914400" rtl="0" eaLnBrk="1" fontAlgn="auto" latinLnBrk="0" hangingPunct="1">
+              <a:lnSpc>
+                <a:spcPct val="100000"/>
+              </a:lnSpc>
+              <a:spcBef>
+                <a:spcPts val="0"/>
+              </a:spcBef>
+              <a:spcAft>
+                <a:spcPts val="0"/>
+              </a:spcAft>
+              <a:buClrTx/>
+              <a:buSzTx/>
+              <a:buFontTx/>
+              <a:buNone/>
+              <a:tabLst/>
+              <a:defRPr/>
+            </a:pPr>
+            <a:r>
+              <a:rPr lang="ko-KR" altLang="en-US" sz="1200" dirty="0" smtClean="0">
+                <a:latin typeface="맑은 고딕" panose="020B0503020000020004" pitchFamily="50" charset="-127"/>
+                <a:ea typeface="맑은 고딕" panose="020B0503020000020004" pitchFamily="50" charset="-127"/>
+              </a:rPr>
+              <a:t>위치 </a:t>
+            </a:r>
+            <a:r>
+              <a:rPr lang="en-US" altLang="ko-KR" sz="1200" dirty="0" smtClean="0">
+                <a:latin typeface="맑은 고딕" panose="020B0503020000020004" pitchFamily="50" charset="-127"/>
+                <a:ea typeface="맑은 고딕" panose="020B0503020000020004" pitchFamily="50" charset="-127"/>
+              </a:rPr>
+              <a:t>L</a:t>
+            </a:r>
+            <a:r>
+              <a:rPr lang="ko-KR" altLang="en-US" sz="1200" dirty="0" smtClean="0">
+                <a:latin typeface="맑은 고딕" panose="020B0503020000020004" pitchFamily="50" charset="-127"/>
+                <a:ea typeface="맑은 고딕" panose="020B0503020000020004" pitchFamily="50" charset="-127"/>
+              </a:rPr>
+              <a:t>에 있는 </a:t>
+            </a:r>
+            <a:r>
+              <a:rPr lang="ko-KR" altLang="en-US" sz="1200" dirty="0" err="1" smtClean="0">
+                <a:latin typeface="맑은 고딕" panose="020B0503020000020004" pitchFamily="50" charset="-127"/>
+                <a:ea typeface="맑은 고딕" panose="020B0503020000020004" pitchFamily="50" charset="-127"/>
+              </a:rPr>
+              <a:t>점광원이</a:t>
+            </a:r>
+            <a:r>
+              <a:rPr lang="ko-KR" altLang="en-US" sz="1200" dirty="0" smtClean="0">
+                <a:latin typeface="맑은 고딕" panose="020B0503020000020004" pitchFamily="50" charset="-127"/>
+                <a:ea typeface="맑은 고딕" panose="020B0503020000020004" pitchFamily="50" charset="-127"/>
+              </a:rPr>
+              <a:t> 내뿜는 빛을 물체가 가려서 생기는 그림자를 보여준다</a:t>
+            </a:r>
+            <a:r>
+              <a:rPr lang="en-US" altLang="ko-KR" sz="1200" dirty="0" smtClean="0">
+                <a:latin typeface="맑은 고딕" panose="020B0503020000020004" pitchFamily="50" charset="-127"/>
+                <a:ea typeface="맑은 고딕" panose="020B0503020000020004" pitchFamily="50" charset="-127"/>
+              </a:rPr>
+              <a:t>.</a:t>
+            </a:r>
+          </a:p>
+          <a:p>
+            <a:pPr marL="0" marR="0" lvl="0" indent="0" algn="l" defTabSz="914400" rtl="0" eaLnBrk="1" fontAlgn="auto" latinLnBrk="0" hangingPunct="1">
+              <a:lnSpc>
+                <a:spcPct val="100000"/>
+              </a:lnSpc>
+              <a:spcBef>
+                <a:spcPts val="0"/>
+              </a:spcBef>
+              <a:spcAft>
+                <a:spcPts val="0"/>
+              </a:spcAft>
+              <a:buClrTx/>
+              <a:buSzTx/>
+              <a:buFontTx/>
+              <a:buNone/>
+              <a:tabLst/>
+              <a:defRPr/>
+            </a:pPr>
+            <a:endParaRPr lang="en-US" altLang="ko-KR" sz="1200" dirty="0" smtClean="0">
+              <a:latin typeface="맑은 고딕" panose="020B0503020000020004" pitchFamily="50" charset="-127"/>
+              <a:ea typeface="맑은 고딕" panose="020B0503020000020004" pitchFamily="50" charset="-127"/>
+            </a:endParaRPr>
+          </a:p>
+          <a:p>
+            <a:pPr marL="0" marR="0" lvl="0" indent="0" algn="l" defTabSz="914400" rtl="0" eaLnBrk="1" fontAlgn="auto" latinLnBrk="0" hangingPunct="1">
+              <a:lnSpc>
+                <a:spcPct val="100000"/>
+              </a:lnSpc>
+              <a:spcBef>
+                <a:spcPts val="0"/>
+              </a:spcBef>
+              <a:spcAft>
+                <a:spcPts val="0"/>
+              </a:spcAft>
+              <a:buClrTx/>
+              <a:buSzTx/>
+              <a:buFontTx/>
+              <a:buNone/>
+              <a:tabLst/>
+              <a:defRPr/>
+            </a:pPr>
+            <a:r>
+              <a:rPr lang="ko-KR" altLang="en-US" sz="1200" dirty="0" smtClean="0">
+                <a:latin typeface="맑은 고딕" panose="020B0503020000020004" pitchFamily="50" charset="-127"/>
+                <a:ea typeface="맑은 고딕" panose="020B0503020000020004" pitchFamily="50" charset="-127"/>
+              </a:rPr>
+              <a:t>참고 </a:t>
+            </a:r>
+            <a:r>
+              <a:rPr lang="en-US" altLang="ko-KR" sz="1200" dirty="0" smtClean="0">
+                <a:latin typeface="맑은 고딕" panose="020B0503020000020004" pitchFamily="50" charset="-127"/>
+                <a:ea typeface="맑은 고딕" panose="020B0503020000020004" pitchFamily="50" charset="-127"/>
+              </a:rPr>
+              <a:t>: </a:t>
+            </a:r>
+            <a:r>
+              <a:rPr lang="ko-KR" altLang="en-US" sz="1200" dirty="0" err="1" smtClean="0">
+                <a:latin typeface="맑은 고딕" panose="020B0503020000020004" pitchFamily="50" charset="-127"/>
+                <a:ea typeface="맑은 고딕" panose="020B0503020000020004" pitchFamily="50" charset="-127"/>
+              </a:rPr>
+              <a:t>평행광</a:t>
+            </a:r>
+            <a:r>
+              <a:rPr lang="ko-KR" altLang="en-US" sz="1200" dirty="0" smtClean="0">
+                <a:latin typeface="맑은 고딕" panose="020B0503020000020004" pitchFamily="50" charset="-127"/>
+                <a:ea typeface="맑은 고딕" panose="020B0503020000020004" pitchFamily="50" charset="-127"/>
+              </a:rPr>
+              <a:t> 그림자와 </a:t>
+            </a:r>
+            <a:r>
+              <a:rPr lang="ko-KR" altLang="en-US" sz="1200" dirty="0" err="1" smtClean="0">
+                <a:latin typeface="맑은 고딕" panose="020B0503020000020004" pitchFamily="50" charset="-127"/>
+                <a:ea typeface="맑은 고딕" panose="020B0503020000020004" pitchFamily="50" charset="-127"/>
+              </a:rPr>
+              <a:t>점광</a:t>
+            </a:r>
+            <a:r>
+              <a:rPr lang="ko-KR" altLang="en-US" sz="1200" dirty="0" smtClean="0">
+                <a:latin typeface="맑은 고딕" panose="020B0503020000020004" pitchFamily="50" charset="-127"/>
+                <a:ea typeface="맑은 고딕" panose="020B0503020000020004" pitchFamily="50" charset="-127"/>
+              </a:rPr>
+              <a:t> 그림자에서 </a:t>
+            </a:r>
+            <a:r>
+              <a:rPr lang="en-US" altLang="ko-KR" sz="1200" dirty="0" smtClean="0">
+                <a:latin typeface="맑은 고딕" panose="020B0503020000020004" pitchFamily="50" charset="-127"/>
+                <a:ea typeface="맑은 고딕" panose="020B0503020000020004" pitchFamily="50" charset="-127"/>
+              </a:rPr>
+              <a:t>L</a:t>
+            </a:r>
+            <a:r>
+              <a:rPr lang="ko-KR" altLang="en-US" sz="1200" dirty="0" smtClean="0">
+                <a:latin typeface="맑은 고딕" panose="020B0503020000020004" pitchFamily="50" charset="-127"/>
+                <a:ea typeface="맑은 고딕" panose="020B0503020000020004" pitchFamily="50" charset="-127"/>
+              </a:rPr>
+              <a:t>은 글자만 같고 의미는 다르다</a:t>
+            </a:r>
+            <a:r>
+              <a:rPr lang="en-US" altLang="ko-KR" sz="1200" dirty="0" smtClean="0">
+                <a:latin typeface="맑은 고딕" panose="020B0503020000020004" pitchFamily="50" charset="-127"/>
+                <a:ea typeface="맑은 고딕" panose="020B0503020000020004" pitchFamily="50" charset="-127"/>
+              </a:rPr>
+              <a:t>. </a:t>
+            </a:r>
+            <a:r>
+              <a:rPr lang="ko-KR" altLang="en-US" sz="1200" dirty="0" err="1" smtClean="0">
+                <a:latin typeface="맑은 고딕" panose="020B0503020000020004" pitchFamily="50" charset="-127"/>
+                <a:ea typeface="맑은 고딕" panose="020B0503020000020004" pitchFamily="50" charset="-127"/>
+              </a:rPr>
+              <a:t>점광</a:t>
+            </a:r>
+            <a:r>
+              <a:rPr lang="ko-KR" altLang="en-US" sz="1200" dirty="0" smtClean="0">
+                <a:latin typeface="맑은 고딕" panose="020B0503020000020004" pitchFamily="50" charset="-127"/>
+                <a:ea typeface="맑은 고딕" panose="020B0503020000020004" pitchFamily="50" charset="-127"/>
+              </a:rPr>
+              <a:t> 그림자에서 </a:t>
+            </a:r>
+            <a:r>
+              <a:rPr lang="en-US" altLang="ko-KR" sz="1200" dirty="0" smtClean="0">
+                <a:latin typeface="맑은 고딕" panose="020B0503020000020004" pitchFamily="50" charset="-127"/>
+                <a:ea typeface="맑은 고딕" panose="020B0503020000020004" pitchFamily="50" charset="-127"/>
+              </a:rPr>
+              <a:t>L</a:t>
+            </a:r>
+            <a:r>
+              <a:rPr lang="ko-KR" altLang="en-US" sz="1200" dirty="0" smtClean="0">
+                <a:latin typeface="맑은 고딕" panose="020B0503020000020004" pitchFamily="50" charset="-127"/>
+                <a:ea typeface="맑은 고딕" panose="020B0503020000020004" pitchFamily="50" charset="-127"/>
+              </a:rPr>
+              <a:t>은 </a:t>
+            </a:r>
+            <a:r>
+              <a:rPr lang="ko-KR" altLang="en-US" sz="1200" dirty="0" err="1" smtClean="0">
+                <a:latin typeface="맑은 고딕" panose="020B0503020000020004" pitchFamily="50" charset="-127"/>
+                <a:ea typeface="맑은 고딕" panose="020B0503020000020004" pitchFamily="50" charset="-127"/>
+              </a:rPr>
+              <a:t>점광원의</a:t>
+            </a:r>
+            <a:r>
+              <a:rPr lang="ko-KR" altLang="en-US" sz="1200" dirty="0" smtClean="0">
+                <a:latin typeface="맑은 고딕" panose="020B0503020000020004" pitchFamily="50" charset="-127"/>
+                <a:ea typeface="맑은 고딕" panose="020B0503020000020004" pitchFamily="50" charset="-127"/>
+              </a:rPr>
+              <a:t> 위치를 뜻하지만</a:t>
+            </a:r>
+            <a:r>
+              <a:rPr lang="en-US" altLang="ko-KR" sz="1200" dirty="0" smtClean="0">
+                <a:latin typeface="맑은 고딕" panose="020B0503020000020004" pitchFamily="50" charset="-127"/>
+                <a:ea typeface="맑은 고딕" panose="020B0503020000020004" pitchFamily="50" charset="-127"/>
+              </a:rPr>
+              <a:t>, </a:t>
+            </a:r>
+            <a:r>
+              <a:rPr lang="ko-KR" altLang="en-US" sz="1200" dirty="0" err="1" smtClean="0">
+                <a:latin typeface="맑은 고딕" panose="020B0503020000020004" pitchFamily="50" charset="-127"/>
+                <a:ea typeface="맑은 고딕" panose="020B0503020000020004" pitchFamily="50" charset="-127"/>
+              </a:rPr>
+              <a:t>평행광</a:t>
+            </a:r>
+            <a:r>
+              <a:rPr lang="ko-KR" altLang="en-US" sz="1200" dirty="0" smtClean="0">
+                <a:latin typeface="맑은 고딕" panose="020B0503020000020004" pitchFamily="50" charset="-127"/>
+                <a:ea typeface="맑은 고딕" panose="020B0503020000020004" pitchFamily="50" charset="-127"/>
+              </a:rPr>
+              <a:t> 그림자에서 </a:t>
+            </a:r>
+            <a:r>
+              <a:rPr lang="en-US" altLang="ko-KR" sz="1200" dirty="0" smtClean="0">
+                <a:latin typeface="맑은 고딕" panose="020B0503020000020004" pitchFamily="50" charset="-127"/>
+                <a:ea typeface="맑은 고딕" panose="020B0503020000020004" pitchFamily="50" charset="-127"/>
+              </a:rPr>
+              <a:t>L</a:t>
+            </a:r>
+            <a:r>
+              <a:rPr lang="ko-KR" altLang="en-US" sz="1200" dirty="0" smtClean="0">
+                <a:latin typeface="맑은 고딕" panose="020B0503020000020004" pitchFamily="50" charset="-127"/>
+                <a:ea typeface="맑은 고딕" panose="020B0503020000020004" pitchFamily="50" charset="-127"/>
+              </a:rPr>
+              <a:t>은 무한히 멀리 있는 광원을 향한 방향</a:t>
+            </a:r>
+            <a:r>
+              <a:rPr lang="en-US" altLang="ko-KR" sz="1200" dirty="0" smtClean="0">
+                <a:latin typeface="맑은 고딕" panose="020B0503020000020004" pitchFamily="50" charset="-127"/>
+                <a:ea typeface="맑은 고딕" panose="020B0503020000020004" pitchFamily="50" charset="-127"/>
+              </a:rPr>
+              <a:t>(</a:t>
+            </a:r>
+            <a:r>
+              <a:rPr lang="ko-KR" altLang="en-US" sz="1200" dirty="0" smtClean="0">
+                <a:latin typeface="맑은 고딕" panose="020B0503020000020004" pitchFamily="50" charset="-127"/>
+                <a:ea typeface="맑은 고딕" panose="020B0503020000020004" pitchFamily="50" charset="-127"/>
+              </a:rPr>
+              <a:t>평행광선이 나아가는 방향의 반대 방향</a:t>
+            </a:r>
+            <a:r>
+              <a:rPr lang="en-US" altLang="ko-KR" sz="1200" dirty="0" smtClean="0">
+                <a:latin typeface="맑은 고딕" panose="020B0503020000020004" pitchFamily="50" charset="-127"/>
+                <a:ea typeface="맑은 고딕" panose="020B0503020000020004" pitchFamily="50" charset="-127"/>
+              </a:rPr>
+              <a:t>)</a:t>
+            </a:r>
+            <a:r>
+              <a:rPr lang="ko-KR" altLang="en-US" sz="1200" dirty="0" smtClean="0">
+                <a:latin typeface="맑은 고딕" panose="020B0503020000020004" pitchFamily="50" charset="-127"/>
+                <a:ea typeface="맑은 고딕" panose="020B0503020000020004" pitchFamily="50" charset="-127"/>
+              </a:rPr>
+              <a:t>을 뜻한다</a:t>
+            </a:r>
+            <a:r>
+              <a:rPr lang="en-US" altLang="ko-KR" sz="1200" dirty="0" smtClean="0">
+                <a:latin typeface="맑은 고딕" panose="020B0503020000020004" pitchFamily="50" charset="-127"/>
+                <a:ea typeface="맑은 고딕" panose="020B0503020000020004" pitchFamily="50" charset="-127"/>
+              </a:rPr>
+              <a:t>.</a:t>
+            </a:r>
+            <a:endParaRPr lang="en-US" altLang="ko-KR" sz="1200" dirty="0" smtClean="0">
               <a:latin typeface="맑은 고딕" panose="020B0503020000020004" pitchFamily="50" charset="-127"/>
               <a:ea typeface="맑은 고딕" panose="020B0503020000020004" pitchFamily="50" charset="-127"/>
             </a:endParaRPr>
@@ -4661,7 +1264,7 @@
     </p:spTree>
     <p:extLst>
       <p:ext uri="{BB962C8B-B14F-4D97-AF65-F5344CB8AC3E}">
-        <p14:creationId xmlns:p14="http://schemas.microsoft.com/office/powerpoint/2010/main" val="395476298"/>
+        <p14:creationId xmlns:p14="http://schemas.microsoft.com/office/powerpoint/2010/main" val="3174612383"/>
       </p:ext>
     </p:extLst>
   </p:cSld>
@@ -4715,7 +1318,321 @@
           <a:bodyPr/>
           <a:lstStyle/>
           <a:p>
-            <a:endParaRPr lang="ko-KR" altLang="en-US" dirty="0">
+            <a:pPr marL="0" marR="0" lvl="0" indent="0" algn="l" defTabSz="914400" rtl="0" eaLnBrk="1" fontAlgn="auto" latinLnBrk="0" hangingPunct="1">
+              <a:lnSpc>
+                <a:spcPct val="100000"/>
+              </a:lnSpc>
+              <a:spcBef>
+                <a:spcPts val="0"/>
+              </a:spcBef>
+              <a:spcAft>
+                <a:spcPts val="0"/>
+              </a:spcAft>
+              <a:buClrTx/>
+              <a:buSzTx/>
+              <a:buFontTx/>
+              <a:buNone/>
+              <a:tabLst/>
+              <a:defRPr/>
+            </a:pPr>
+            <a:r>
+              <a:rPr lang="ko-KR" altLang="en-US" sz="1200" dirty="0" smtClean="0">
+                <a:latin typeface="맑은 고딕" panose="020B0503020000020004" pitchFamily="50" charset="-127"/>
+                <a:ea typeface="맑은 고딕" panose="020B0503020000020004" pitchFamily="50" charset="-127"/>
+              </a:rPr>
+              <a:t>이중 혼합 방지</a:t>
+            </a:r>
+            <a:endParaRPr lang="en-US" altLang="ko-KR" sz="1200" dirty="0" smtClean="0">
+              <a:latin typeface="맑은 고딕" panose="020B0503020000020004" pitchFamily="50" charset="-127"/>
+              <a:ea typeface="맑은 고딕" panose="020B0503020000020004" pitchFamily="50" charset="-127"/>
+            </a:endParaRPr>
+          </a:p>
+          <a:p>
+            <a:pPr marL="0" marR="0" lvl="0" indent="0" algn="l" defTabSz="914400" rtl="0" eaLnBrk="1" fontAlgn="auto" latinLnBrk="0" hangingPunct="1">
+              <a:lnSpc>
+                <a:spcPct val="100000"/>
+              </a:lnSpc>
+              <a:spcBef>
+                <a:spcPts val="0"/>
+              </a:spcBef>
+              <a:spcAft>
+                <a:spcPts val="0"/>
+              </a:spcAft>
+              <a:buClrTx/>
+              <a:buSzTx/>
+              <a:buFontTx/>
+              <a:buNone/>
+              <a:tabLst/>
+              <a:defRPr/>
+            </a:pPr>
+            <a:endParaRPr lang="en-US" altLang="ko-KR" sz="1200" dirty="0" smtClean="0">
+              <a:latin typeface="맑은 고딕" panose="020B0503020000020004" pitchFamily="50" charset="-127"/>
+              <a:ea typeface="맑은 고딕" panose="020B0503020000020004" pitchFamily="50" charset="-127"/>
+            </a:endParaRPr>
+          </a:p>
+          <a:p>
+            <a:pPr marL="228600" marR="0" lvl="0" indent="-228600" algn="l" defTabSz="914400" rtl="0" eaLnBrk="1" fontAlgn="auto" latinLnBrk="0" hangingPunct="1">
+              <a:lnSpc>
+                <a:spcPct val="100000"/>
+              </a:lnSpc>
+              <a:spcBef>
+                <a:spcPts val="0"/>
+              </a:spcBef>
+              <a:spcAft>
+                <a:spcPts val="0"/>
+              </a:spcAft>
+              <a:buClrTx/>
+              <a:buSzTx/>
+              <a:buFontTx/>
+              <a:buAutoNum type="arabicPeriod"/>
+              <a:tabLst/>
+              <a:defRPr/>
+            </a:pPr>
+            <a:r>
+              <a:rPr lang="ko-KR" altLang="en-US" sz="1200" dirty="0" smtClean="0">
+                <a:latin typeface="맑은 고딕" panose="020B0503020000020004" pitchFamily="50" charset="-127"/>
+                <a:ea typeface="맑은 고딕" panose="020B0503020000020004" pitchFamily="50" charset="-127"/>
+              </a:rPr>
+              <a:t>그림자를 렌더링할 스텐실 버퍼의 픽셀들이 </a:t>
+            </a:r>
+            <a:r>
+              <a:rPr lang="en-US" altLang="ko-KR" sz="1200" dirty="0" smtClean="0">
+                <a:latin typeface="맑은 고딕" panose="020B0503020000020004" pitchFamily="50" charset="-127"/>
+                <a:ea typeface="맑은 고딕" panose="020B0503020000020004" pitchFamily="50" charset="-127"/>
+              </a:rPr>
+              <a:t>0</a:t>
+            </a:r>
+            <a:r>
+              <a:rPr lang="ko-KR" altLang="en-US" sz="1200" dirty="0" smtClean="0">
+                <a:latin typeface="맑은 고딕" panose="020B0503020000020004" pitchFamily="50" charset="-127"/>
+                <a:ea typeface="맑은 고딕" panose="020B0503020000020004" pitchFamily="50" charset="-127"/>
+              </a:rPr>
+              <a:t>으로 지워져 있다고 가정</a:t>
+            </a:r>
+            <a:endParaRPr lang="en-US" altLang="ko-KR" sz="1200" dirty="0" smtClean="0">
+              <a:latin typeface="맑은 고딕" panose="020B0503020000020004" pitchFamily="50" charset="-127"/>
+              <a:ea typeface="맑은 고딕" panose="020B0503020000020004" pitchFamily="50" charset="-127"/>
+            </a:endParaRPr>
+          </a:p>
+          <a:p>
+            <a:pPr marL="228600" marR="0" lvl="0" indent="-228600" algn="l" defTabSz="914400" rtl="0" eaLnBrk="1" fontAlgn="auto" latinLnBrk="0" hangingPunct="1">
+              <a:lnSpc>
+                <a:spcPct val="100000"/>
+              </a:lnSpc>
+              <a:spcBef>
+                <a:spcPts val="0"/>
+              </a:spcBef>
+              <a:spcAft>
+                <a:spcPts val="0"/>
+              </a:spcAft>
+              <a:buClrTx/>
+              <a:buSzTx/>
+              <a:buFontTx/>
+              <a:buAutoNum type="arabicPeriod"/>
+              <a:tabLst/>
+              <a:defRPr/>
+            </a:pPr>
+            <a:r>
+              <a:rPr lang="ko-KR" altLang="en-US" sz="1200" dirty="0" smtClean="0">
+                <a:latin typeface="맑은 고딕" panose="020B0503020000020004" pitchFamily="50" charset="-127"/>
+                <a:ea typeface="맑은 고딕" panose="020B0503020000020004" pitchFamily="50" charset="-127"/>
+              </a:rPr>
+              <a:t>스텐실 버퍼 항목이 </a:t>
+            </a:r>
+            <a:r>
+              <a:rPr lang="en-US" altLang="ko-KR" sz="1200" dirty="0" smtClean="0">
+                <a:latin typeface="맑은 고딕" panose="020B0503020000020004" pitchFamily="50" charset="-127"/>
+                <a:ea typeface="맑은 고딕" panose="020B0503020000020004" pitchFamily="50" charset="-127"/>
+              </a:rPr>
+              <a:t>0</a:t>
+            </a:r>
+            <a:r>
+              <a:rPr lang="ko-KR" altLang="en-US" sz="1200" dirty="0" smtClean="0">
+                <a:latin typeface="맑은 고딕" panose="020B0503020000020004" pitchFamily="50" charset="-127"/>
+                <a:ea typeface="맑은 고딕" panose="020B0503020000020004" pitchFamily="50" charset="-127"/>
+              </a:rPr>
+              <a:t>인 픽셀만 판정에 성공하도록 스텐실 판정을 설정</a:t>
+            </a:r>
+            <a:r>
+              <a:rPr lang="en-US" altLang="ko-KR" sz="1200" dirty="0" smtClean="0">
+                <a:latin typeface="맑은 고딕" panose="020B0503020000020004" pitchFamily="50" charset="-127"/>
+                <a:ea typeface="맑은 고딕" panose="020B0503020000020004" pitchFamily="50" charset="-127"/>
+              </a:rPr>
+              <a:t>.</a:t>
+            </a:r>
+            <a:r>
+              <a:rPr lang="en-US" altLang="ko-KR" sz="1200" baseline="0" dirty="0" smtClean="0">
+                <a:latin typeface="맑은 고딕" panose="020B0503020000020004" pitchFamily="50" charset="-127"/>
+                <a:ea typeface="맑은 고딕" panose="020B0503020000020004" pitchFamily="50" charset="-127"/>
+              </a:rPr>
+              <a:t> </a:t>
+            </a:r>
+            <a:r>
+              <a:rPr lang="ko-KR" altLang="en-US" sz="1200" baseline="0" dirty="0" smtClean="0">
+                <a:latin typeface="맑은 고딕" panose="020B0503020000020004" pitchFamily="50" charset="-127"/>
+                <a:ea typeface="맑은 고딕" panose="020B0503020000020004" pitchFamily="50" charset="-127"/>
+              </a:rPr>
+              <a:t>그리고 판정 성공 시 값이 </a:t>
+            </a:r>
+            <a:r>
+              <a:rPr lang="en-US" altLang="ko-KR" sz="1200" baseline="0" dirty="0" smtClean="0">
+                <a:latin typeface="맑은 고딕" panose="020B0503020000020004" pitchFamily="50" charset="-127"/>
+                <a:ea typeface="맑은 고딕" panose="020B0503020000020004" pitchFamily="50" charset="-127"/>
+              </a:rPr>
+              <a:t>1</a:t>
+            </a:r>
+            <a:r>
+              <a:rPr lang="ko-KR" altLang="en-US" sz="1200" baseline="0" dirty="0" smtClean="0">
+                <a:latin typeface="맑은 고딕" panose="020B0503020000020004" pitchFamily="50" charset="-127"/>
+                <a:ea typeface="맑은 고딕" panose="020B0503020000020004" pitchFamily="50" charset="-127"/>
+              </a:rPr>
+              <a:t>이 되도록 스텐실 연산을 설정한다</a:t>
+            </a:r>
+            <a:r>
+              <a:rPr lang="en-US" altLang="ko-KR" sz="1200" baseline="0" dirty="0" smtClean="0">
+                <a:latin typeface="맑은 고딕" panose="020B0503020000020004" pitchFamily="50" charset="-127"/>
+                <a:ea typeface="맑은 고딕" panose="020B0503020000020004" pitchFamily="50" charset="-127"/>
+              </a:rPr>
+              <a:t>.</a:t>
+            </a:r>
+            <a:endParaRPr lang="en-US" altLang="ko-KR" sz="1200" dirty="0" smtClean="0">
+              <a:latin typeface="맑은 고딕" panose="020B0503020000020004" pitchFamily="50" charset="-127"/>
+              <a:ea typeface="맑은 고딕" panose="020B0503020000020004" pitchFamily="50" charset="-127"/>
+            </a:endParaRPr>
+          </a:p>
+          <a:p>
+            <a:pPr marL="228600" marR="0" lvl="0" indent="-228600" algn="l" defTabSz="914400" rtl="0" eaLnBrk="1" fontAlgn="auto" latinLnBrk="0" hangingPunct="1">
+              <a:lnSpc>
+                <a:spcPct val="100000"/>
+              </a:lnSpc>
+              <a:spcBef>
+                <a:spcPts val="0"/>
+              </a:spcBef>
+              <a:spcAft>
+                <a:spcPts val="0"/>
+              </a:spcAft>
+              <a:buClrTx/>
+              <a:buSzTx/>
+              <a:buFontTx/>
+              <a:buAutoNum type="arabicPeriod"/>
+              <a:tabLst/>
+              <a:defRPr/>
+            </a:pPr>
+            <a:r>
+              <a:rPr lang="ko-KR" altLang="en-US" sz="1200" dirty="0" smtClean="0">
+                <a:latin typeface="맑은 고딕" panose="020B0503020000020004" pitchFamily="50" charset="-127"/>
+                <a:ea typeface="맑은 고딕" panose="020B0503020000020004" pitchFamily="50" charset="-127"/>
+              </a:rPr>
+              <a:t>이후 같은 위치에 그림자 픽셀이 또다시 </a:t>
+            </a:r>
+            <a:r>
+              <a:rPr lang="ko-KR" altLang="en-US" sz="1200" dirty="0" err="1" smtClean="0">
+                <a:latin typeface="맑은 고딕" panose="020B0503020000020004" pitchFamily="50" charset="-127"/>
+                <a:ea typeface="맑은 고딕" panose="020B0503020000020004" pitchFamily="50" charset="-127"/>
+              </a:rPr>
+              <a:t>렌더링되면</a:t>
+            </a:r>
+            <a:r>
+              <a:rPr lang="en-US" altLang="ko-KR" sz="1200" dirty="0" smtClean="0">
+                <a:latin typeface="맑은 고딕" panose="020B0503020000020004" pitchFamily="50" charset="-127"/>
+                <a:ea typeface="맑은 고딕" panose="020B0503020000020004" pitchFamily="50" charset="-127"/>
+              </a:rPr>
+              <a:t>, </a:t>
+            </a:r>
+            <a:r>
+              <a:rPr lang="ko-KR" altLang="en-US" sz="1200" dirty="0" smtClean="0">
+                <a:latin typeface="맑은 고딕" panose="020B0503020000020004" pitchFamily="50" charset="-127"/>
+                <a:ea typeface="맑은 고딕" panose="020B0503020000020004" pitchFamily="50" charset="-127"/>
+              </a:rPr>
+              <a:t>해당 항목이 </a:t>
+            </a:r>
+            <a:r>
+              <a:rPr lang="en-US" altLang="ko-KR" sz="1200" dirty="0" smtClean="0">
+                <a:latin typeface="맑은 고딕" panose="020B0503020000020004" pitchFamily="50" charset="-127"/>
+                <a:ea typeface="맑은 고딕" panose="020B0503020000020004" pitchFamily="50" charset="-127"/>
+              </a:rPr>
+              <a:t>1</a:t>
+            </a:r>
+            <a:r>
+              <a:rPr lang="ko-KR" altLang="en-US" sz="1200" dirty="0" smtClean="0">
+                <a:latin typeface="맑은 고딕" panose="020B0503020000020004" pitchFamily="50" charset="-127"/>
+                <a:ea typeface="맑은 고딕" panose="020B0503020000020004" pitchFamily="50" charset="-127"/>
+              </a:rPr>
+              <a:t>이므로 </a:t>
+            </a:r>
+            <a:r>
+              <a:rPr lang="ko-KR" altLang="en-US" sz="1200" dirty="0" err="1" smtClean="0">
+                <a:latin typeface="맑은 고딕" panose="020B0503020000020004" pitchFamily="50" charset="-127"/>
+                <a:ea typeface="맑은 고딕" panose="020B0503020000020004" pitchFamily="50" charset="-127"/>
+              </a:rPr>
+              <a:t>판정실패</a:t>
+            </a:r>
+            <a:endParaRPr lang="en-US" altLang="ko-KR" sz="1200" dirty="0" smtClean="0">
+              <a:latin typeface="맑은 고딕" panose="020B0503020000020004" pitchFamily="50" charset="-127"/>
+              <a:ea typeface="맑은 고딕" panose="020B0503020000020004" pitchFamily="50" charset="-127"/>
+            </a:endParaRPr>
+          </a:p>
+          <a:p>
+            <a:pPr marL="228600" marR="0" lvl="0" indent="-228600" algn="l" defTabSz="914400" rtl="0" eaLnBrk="1" fontAlgn="auto" latinLnBrk="0" hangingPunct="1">
+              <a:lnSpc>
+                <a:spcPct val="100000"/>
+              </a:lnSpc>
+              <a:spcBef>
+                <a:spcPts val="0"/>
+              </a:spcBef>
+              <a:spcAft>
+                <a:spcPts val="0"/>
+              </a:spcAft>
+              <a:buClrTx/>
+              <a:buSzTx/>
+              <a:buFontTx/>
+              <a:buAutoNum type="arabicPeriod"/>
+              <a:tabLst/>
+              <a:defRPr/>
+            </a:pPr>
+            <a:r>
+              <a:rPr lang="ko-KR" altLang="en-US" sz="1200" dirty="0" smtClean="0">
+                <a:latin typeface="맑은 고딕" panose="020B0503020000020004" pitchFamily="50" charset="-127"/>
+                <a:ea typeface="맑은 고딕" panose="020B0503020000020004" pitchFamily="50" charset="-127"/>
+              </a:rPr>
+              <a:t>이미 </a:t>
+            </a:r>
+            <a:r>
+              <a:rPr lang="ko-KR" altLang="en-US" sz="1200" dirty="0" err="1" smtClean="0">
+                <a:latin typeface="맑은 고딕" panose="020B0503020000020004" pitchFamily="50" charset="-127"/>
+                <a:ea typeface="맑은 고딕" panose="020B0503020000020004" pitchFamily="50" charset="-127"/>
+              </a:rPr>
+              <a:t>렌더링된</a:t>
+            </a:r>
+            <a:r>
+              <a:rPr lang="ko-KR" altLang="en-US" sz="1200" dirty="0" smtClean="0">
+                <a:latin typeface="맑은 고딕" panose="020B0503020000020004" pitchFamily="50" charset="-127"/>
+                <a:ea typeface="맑은 고딕" panose="020B0503020000020004" pitchFamily="50" charset="-127"/>
+              </a:rPr>
+              <a:t> 영역에는 픽셀들이 겹쳐 그려지지 않으며</a:t>
+            </a:r>
+            <a:r>
+              <a:rPr lang="en-US" altLang="ko-KR" sz="1200" dirty="0" smtClean="0">
+                <a:latin typeface="맑은 고딕" panose="020B0503020000020004" pitchFamily="50" charset="-127"/>
+                <a:ea typeface="맑은 고딕" panose="020B0503020000020004" pitchFamily="50" charset="-127"/>
+              </a:rPr>
+              <a:t>, </a:t>
+            </a:r>
+            <a:r>
+              <a:rPr lang="ko-KR" altLang="en-US" sz="1200" dirty="0" smtClean="0">
+                <a:latin typeface="맑은 고딕" panose="020B0503020000020004" pitchFamily="50" charset="-127"/>
+                <a:ea typeface="맑은 고딕" panose="020B0503020000020004" pitchFamily="50" charset="-127"/>
+              </a:rPr>
+              <a:t>따라서 이중 혼합이 방지된다</a:t>
+            </a:r>
+            <a:r>
+              <a:rPr lang="en-US" altLang="ko-KR" sz="1200" dirty="0" smtClean="0">
+                <a:latin typeface="맑은 고딕" panose="020B0503020000020004" pitchFamily="50" charset="-127"/>
+                <a:ea typeface="맑은 고딕" panose="020B0503020000020004" pitchFamily="50" charset="-127"/>
+              </a:rPr>
+              <a:t>.</a:t>
+            </a:r>
+            <a:endParaRPr lang="en-US" altLang="ko-KR" sz="1200" dirty="0" smtClean="0">
               <a:latin typeface="맑은 고딕" panose="020B0503020000020004" pitchFamily="50" charset="-127"/>
               <a:ea typeface="맑은 고딕" panose="020B0503020000020004" pitchFamily="50" charset="-127"/>
             </a:endParaRPr>
@@ -4755,477 +1672,7 @@
     </p:spTree>
     <p:extLst>
       <p:ext uri="{BB962C8B-B14F-4D97-AF65-F5344CB8AC3E}">
-        <p14:creationId xmlns:p14="http://schemas.microsoft.com/office/powerpoint/2010/main" val="2156841782"/>
-      </p:ext>
-    </p:extLst>
-  </p:cSld>
-  <p:clrMapOvr>
-    <a:masterClrMapping/>
-  </p:clrMapOvr>
-</p:notes>
-</file>
-
-<file path=ppt/notesSlides/notesSlide13.xml><?xml version="1.0" encoding="utf-8"?>
-<p:notes xmlns:a="http://schemas.openxmlformats.org/drawingml/2006/main" xmlns:r="http://schemas.openxmlformats.org/officeDocument/2006/relationships" xmlns:p="http://schemas.openxmlformats.org/presentationml/2006/main">
-  <p:cSld>
-    <p:spTree>
-      <p:nvGrpSpPr>
-        <p:cNvPr id="1" name=""/>
-        <p:cNvGrpSpPr/>
-        <p:nvPr/>
-      </p:nvGrpSpPr>
-      <p:grpSpPr>
-        <a:xfrm>
-          <a:off x="0" y="0"/>
-          <a:ext cx="0" cy="0"/>
-          <a:chOff x="0" y="0"/>
-          <a:chExt cx="0" cy="0"/>
-        </a:xfrm>
-      </p:grpSpPr>
-      <p:sp>
-        <p:nvSpPr>
-          <p:cNvPr id="2" name="슬라이드 이미지 개체 틀 1"/>
-          <p:cNvSpPr>
-            <a:spLocks noGrp="1" noRot="1" noChangeAspect="1"/>
-          </p:cNvSpPr>
-          <p:nvPr>
-            <p:ph type="sldImg"/>
-          </p:nvPr>
-        </p:nvSpPr>
-        <p:spPr/>
-      </p:sp>
-      <p:sp>
-        <p:nvSpPr>
-          <p:cNvPr id="3" name="슬라이드 노트 개체 틀 2"/>
-          <p:cNvSpPr>
-            <a:spLocks noGrp="1"/>
-          </p:cNvSpPr>
-          <p:nvPr>
-            <p:ph type="body" idx="1"/>
-          </p:nvPr>
-        </p:nvSpPr>
-        <p:spPr/>
-        <p:txBody>
-          <a:bodyPr/>
-          <a:lstStyle/>
-          <a:p>
-            <a:endParaRPr lang="ko-KR" altLang="en-US" dirty="0">
-              <a:latin typeface="맑은 고딕" panose="020B0503020000020004" pitchFamily="50" charset="-127"/>
-              <a:ea typeface="맑은 고딕" panose="020B0503020000020004" pitchFamily="50" charset="-127"/>
-            </a:endParaRPr>
-          </a:p>
-        </p:txBody>
-      </p:sp>
-      <p:sp>
-        <p:nvSpPr>
-          <p:cNvPr id="4" name="슬라이드 번호 개체 틀 3"/>
-          <p:cNvSpPr>
-            <a:spLocks noGrp="1"/>
-          </p:cNvSpPr>
-          <p:nvPr>
-            <p:ph type="sldNum" sz="quarter" idx="10"/>
-          </p:nvPr>
-        </p:nvSpPr>
-        <p:spPr/>
-        <p:txBody>
-          <a:bodyPr/>
-          <a:lstStyle/>
-          <a:p>
-            <a:pPr rtl="0"/>
-            <a:fld id="{82869989-EB00-4EE7-BCB5-25BDC5BB29F8}" type="slidenum">
-              <a:rPr lang="en-US" altLang="ko-KR" smtClean="0">
-                <a:latin typeface="맑은 고딕" panose="020B0503020000020004" pitchFamily="50" charset="-127"/>
-                <a:ea typeface="맑은 고딕" panose="020B0503020000020004" pitchFamily="50" charset="-127"/>
-              </a:rPr>
-              <a:t>13</a:t>
-            </a:fld>
-            <a:endParaRPr lang="ko-KR" altLang="en-US" dirty="0">
-              <a:latin typeface="맑은 고딕" panose="020B0503020000020004" pitchFamily="50" charset="-127"/>
-              <a:ea typeface="맑은 고딕" panose="020B0503020000020004" pitchFamily="50" charset="-127"/>
-            </a:endParaRPr>
-          </a:p>
-        </p:txBody>
-      </p:sp>
-    </p:spTree>
-    <p:extLst>
-      <p:ext uri="{BB962C8B-B14F-4D97-AF65-F5344CB8AC3E}">
-        <p14:creationId xmlns:p14="http://schemas.microsoft.com/office/powerpoint/2010/main" val="4126541837"/>
-      </p:ext>
-    </p:extLst>
-  </p:cSld>
-  <p:clrMapOvr>
-    <a:masterClrMapping/>
-  </p:clrMapOvr>
-</p:notes>
-</file>
-
-<file path=ppt/notesSlides/notesSlide14.xml><?xml version="1.0" encoding="utf-8"?>
-<p:notes xmlns:a="http://schemas.openxmlformats.org/drawingml/2006/main" xmlns:r="http://schemas.openxmlformats.org/officeDocument/2006/relationships" xmlns:p="http://schemas.openxmlformats.org/presentationml/2006/main">
-  <p:cSld>
-    <p:spTree>
-      <p:nvGrpSpPr>
-        <p:cNvPr id="1" name=""/>
-        <p:cNvGrpSpPr/>
-        <p:nvPr/>
-      </p:nvGrpSpPr>
-      <p:grpSpPr>
-        <a:xfrm>
-          <a:off x="0" y="0"/>
-          <a:ext cx="0" cy="0"/>
-          <a:chOff x="0" y="0"/>
-          <a:chExt cx="0" cy="0"/>
-        </a:xfrm>
-      </p:grpSpPr>
-      <p:sp>
-        <p:nvSpPr>
-          <p:cNvPr id="2" name="슬라이드 이미지 개체 틀 1"/>
-          <p:cNvSpPr>
-            <a:spLocks noGrp="1" noRot="1" noChangeAspect="1"/>
-          </p:cNvSpPr>
-          <p:nvPr>
-            <p:ph type="sldImg"/>
-          </p:nvPr>
-        </p:nvSpPr>
-        <p:spPr/>
-      </p:sp>
-      <p:sp>
-        <p:nvSpPr>
-          <p:cNvPr id="3" name="슬라이드 노트 개체 틀 2"/>
-          <p:cNvSpPr>
-            <a:spLocks noGrp="1"/>
-          </p:cNvSpPr>
-          <p:nvPr>
-            <p:ph type="body" idx="1"/>
-          </p:nvPr>
-        </p:nvSpPr>
-        <p:spPr/>
-        <p:txBody>
-          <a:bodyPr/>
-          <a:lstStyle/>
-          <a:p>
-            <a:endParaRPr lang="ko-KR" altLang="en-US" dirty="0">
-              <a:latin typeface="맑은 고딕" panose="020B0503020000020004" pitchFamily="50" charset="-127"/>
-              <a:ea typeface="맑은 고딕" panose="020B0503020000020004" pitchFamily="50" charset="-127"/>
-            </a:endParaRPr>
-          </a:p>
-        </p:txBody>
-      </p:sp>
-      <p:sp>
-        <p:nvSpPr>
-          <p:cNvPr id="4" name="슬라이드 번호 개체 틀 3"/>
-          <p:cNvSpPr>
-            <a:spLocks noGrp="1"/>
-          </p:cNvSpPr>
-          <p:nvPr>
-            <p:ph type="sldNum" sz="quarter" idx="10"/>
-          </p:nvPr>
-        </p:nvSpPr>
-        <p:spPr/>
-        <p:txBody>
-          <a:bodyPr/>
-          <a:lstStyle/>
-          <a:p>
-            <a:pPr rtl="0"/>
-            <a:fld id="{82869989-EB00-4EE7-BCB5-25BDC5BB29F8}" type="slidenum">
-              <a:rPr lang="en-US" altLang="ko-KR" smtClean="0">
-                <a:latin typeface="맑은 고딕" panose="020B0503020000020004" pitchFamily="50" charset="-127"/>
-                <a:ea typeface="맑은 고딕" panose="020B0503020000020004" pitchFamily="50" charset="-127"/>
-              </a:rPr>
-              <a:t>14</a:t>
-            </a:fld>
-            <a:endParaRPr lang="ko-KR" altLang="en-US" dirty="0">
-              <a:latin typeface="맑은 고딕" panose="020B0503020000020004" pitchFamily="50" charset="-127"/>
-              <a:ea typeface="맑은 고딕" panose="020B0503020000020004" pitchFamily="50" charset="-127"/>
-            </a:endParaRPr>
-          </a:p>
-        </p:txBody>
-      </p:sp>
-    </p:spTree>
-    <p:extLst>
-      <p:ext uri="{BB962C8B-B14F-4D97-AF65-F5344CB8AC3E}">
-        <p14:creationId xmlns:p14="http://schemas.microsoft.com/office/powerpoint/2010/main" val="3453376837"/>
-      </p:ext>
-    </p:extLst>
-  </p:cSld>
-  <p:clrMapOvr>
-    <a:masterClrMapping/>
-  </p:clrMapOvr>
-</p:notes>
-</file>
-
-<file path=ppt/notesSlides/notesSlide15.xml><?xml version="1.0" encoding="utf-8"?>
-<p:notes xmlns:a="http://schemas.openxmlformats.org/drawingml/2006/main" xmlns:r="http://schemas.openxmlformats.org/officeDocument/2006/relationships" xmlns:p="http://schemas.openxmlformats.org/presentationml/2006/main">
-  <p:cSld>
-    <p:spTree>
-      <p:nvGrpSpPr>
-        <p:cNvPr id="1" name=""/>
-        <p:cNvGrpSpPr/>
-        <p:nvPr/>
-      </p:nvGrpSpPr>
-      <p:grpSpPr>
-        <a:xfrm>
-          <a:off x="0" y="0"/>
-          <a:ext cx="0" cy="0"/>
-          <a:chOff x="0" y="0"/>
-          <a:chExt cx="0" cy="0"/>
-        </a:xfrm>
-      </p:grpSpPr>
-      <p:sp>
-        <p:nvSpPr>
-          <p:cNvPr id="2" name="슬라이드 이미지 개체 틀 1"/>
-          <p:cNvSpPr>
-            <a:spLocks noGrp="1" noRot="1" noChangeAspect="1"/>
-          </p:cNvSpPr>
-          <p:nvPr>
-            <p:ph type="sldImg"/>
-          </p:nvPr>
-        </p:nvSpPr>
-        <p:spPr/>
-      </p:sp>
-      <p:sp>
-        <p:nvSpPr>
-          <p:cNvPr id="3" name="슬라이드 노트 개체 틀 2"/>
-          <p:cNvSpPr>
-            <a:spLocks noGrp="1"/>
-          </p:cNvSpPr>
-          <p:nvPr>
-            <p:ph type="body" idx="1"/>
-          </p:nvPr>
-        </p:nvSpPr>
-        <p:spPr/>
-        <p:txBody>
-          <a:bodyPr/>
-          <a:lstStyle/>
-          <a:p>
-            <a:endParaRPr lang="ko-KR" altLang="en-US" dirty="0">
-              <a:latin typeface="맑은 고딕" panose="020B0503020000020004" pitchFamily="50" charset="-127"/>
-              <a:ea typeface="맑은 고딕" panose="020B0503020000020004" pitchFamily="50" charset="-127"/>
-            </a:endParaRPr>
-          </a:p>
-        </p:txBody>
-      </p:sp>
-      <p:sp>
-        <p:nvSpPr>
-          <p:cNvPr id="4" name="슬라이드 번호 개체 틀 3"/>
-          <p:cNvSpPr>
-            <a:spLocks noGrp="1"/>
-          </p:cNvSpPr>
-          <p:nvPr>
-            <p:ph type="sldNum" sz="quarter" idx="10"/>
-          </p:nvPr>
-        </p:nvSpPr>
-        <p:spPr/>
-        <p:txBody>
-          <a:bodyPr/>
-          <a:lstStyle/>
-          <a:p>
-            <a:pPr rtl="0"/>
-            <a:fld id="{82869989-EB00-4EE7-BCB5-25BDC5BB29F8}" type="slidenum">
-              <a:rPr lang="en-US" altLang="ko-KR" smtClean="0">
-                <a:latin typeface="맑은 고딕" panose="020B0503020000020004" pitchFamily="50" charset="-127"/>
-                <a:ea typeface="맑은 고딕" panose="020B0503020000020004" pitchFamily="50" charset="-127"/>
-              </a:rPr>
-              <a:t>15</a:t>
-            </a:fld>
-            <a:endParaRPr lang="ko-KR" altLang="en-US" dirty="0">
-              <a:latin typeface="맑은 고딕" panose="020B0503020000020004" pitchFamily="50" charset="-127"/>
-              <a:ea typeface="맑은 고딕" panose="020B0503020000020004" pitchFamily="50" charset="-127"/>
-            </a:endParaRPr>
-          </a:p>
-        </p:txBody>
-      </p:sp>
-    </p:spTree>
-    <p:extLst>
-      <p:ext uri="{BB962C8B-B14F-4D97-AF65-F5344CB8AC3E}">
-        <p14:creationId xmlns:p14="http://schemas.microsoft.com/office/powerpoint/2010/main" val="1355721338"/>
-      </p:ext>
-    </p:extLst>
-  </p:cSld>
-  <p:clrMapOvr>
-    <a:masterClrMapping/>
-  </p:clrMapOvr>
-</p:notes>
-</file>
-
-<file path=ppt/notesSlides/notesSlide16.xml><?xml version="1.0" encoding="utf-8"?>
-<p:notes xmlns:a="http://schemas.openxmlformats.org/drawingml/2006/main" xmlns:r="http://schemas.openxmlformats.org/officeDocument/2006/relationships" xmlns:p="http://schemas.openxmlformats.org/presentationml/2006/main">
-  <p:cSld>
-    <p:spTree>
-      <p:nvGrpSpPr>
-        <p:cNvPr id="1" name=""/>
-        <p:cNvGrpSpPr/>
-        <p:nvPr/>
-      </p:nvGrpSpPr>
-      <p:grpSpPr>
-        <a:xfrm>
-          <a:off x="0" y="0"/>
-          <a:ext cx="0" cy="0"/>
-          <a:chOff x="0" y="0"/>
-          <a:chExt cx="0" cy="0"/>
-        </a:xfrm>
-      </p:grpSpPr>
-      <p:sp>
-        <p:nvSpPr>
-          <p:cNvPr id="2" name="슬라이드 이미지 개체 틀 1"/>
-          <p:cNvSpPr>
-            <a:spLocks noGrp="1" noRot="1" noChangeAspect="1"/>
-          </p:cNvSpPr>
-          <p:nvPr>
-            <p:ph type="sldImg"/>
-          </p:nvPr>
-        </p:nvSpPr>
-        <p:spPr/>
-      </p:sp>
-      <p:sp>
-        <p:nvSpPr>
-          <p:cNvPr id="3" name="슬라이드 노트 개체 틀 2"/>
-          <p:cNvSpPr>
-            <a:spLocks noGrp="1"/>
-          </p:cNvSpPr>
-          <p:nvPr>
-            <p:ph type="body" idx="1"/>
-          </p:nvPr>
-        </p:nvSpPr>
-        <p:spPr/>
-        <p:txBody>
-          <a:bodyPr/>
-          <a:lstStyle/>
-          <a:p>
-            <a:endParaRPr lang="ko-KR" altLang="en-US" dirty="0">
-              <a:latin typeface="맑은 고딕" panose="020B0503020000020004" pitchFamily="50" charset="-127"/>
-              <a:ea typeface="맑은 고딕" panose="020B0503020000020004" pitchFamily="50" charset="-127"/>
-            </a:endParaRPr>
-          </a:p>
-        </p:txBody>
-      </p:sp>
-      <p:sp>
-        <p:nvSpPr>
-          <p:cNvPr id="4" name="슬라이드 번호 개체 틀 3"/>
-          <p:cNvSpPr>
-            <a:spLocks noGrp="1"/>
-          </p:cNvSpPr>
-          <p:nvPr>
-            <p:ph type="sldNum" sz="quarter" idx="10"/>
-          </p:nvPr>
-        </p:nvSpPr>
-        <p:spPr/>
-        <p:txBody>
-          <a:bodyPr/>
-          <a:lstStyle/>
-          <a:p>
-            <a:pPr rtl="0"/>
-            <a:fld id="{82869989-EB00-4EE7-BCB5-25BDC5BB29F8}" type="slidenum">
-              <a:rPr lang="en-US" altLang="ko-KR" smtClean="0">
-                <a:latin typeface="맑은 고딕" panose="020B0503020000020004" pitchFamily="50" charset="-127"/>
-                <a:ea typeface="맑은 고딕" panose="020B0503020000020004" pitchFamily="50" charset="-127"/>
-              </a:rPr>
-              <a:t>16</a:t>
-            </a:fld>
-            <a:endParaRPr lang="ko-KR" altLang="en-US" dirty="0">
-              <a:latin typeface="맑은 고딕" panose="020B0503020000020004" pitchFamily="50" charset="-127"/>
-              <a:ea typeface="맑은 고딕" panose="020B0503020000020004" pitchFamily="50" charset="-127"/>
-            </a:endParaRPr>
-          </a:p>
-        </p:txBody>
-      </p:sp>
-    </p:spTree>
-    <p:extLst>
-      <p:ext uri="{BB962C8B-B14F-4D97-AF65-F5344CB8AC3E}">
-        <p14:creationId xmlns:p14="http://schemas.microsoft.com/office/powerpoint/2010/main" val="3219704989"/>
-      </p:ext>
-    </p:extLst>
-  </p:cSld>
-  <p:clrMapOvr>
-    <a:masterClrMapping/>
-  </p:clrMapOvr>
-</p:notes>
-</file>
-
-<file path=ppt/notesSlides/notesSlide17.xml><?xml version="1.0" encoding="utf-8"?>
-<p:notes xmlns:a="http://schemas.openxmlformats.org/drawingml/2006/main" xmlns:r="http://schemas.openxmlformats.org/officeDocument/2006/relationships" xmlns:p="http://schemas.openxmlformats.org/presentationml/2006/main">
-  <p:cSld>
-    <p:spTree>
-      <p:nvGrpSpPr>
-        <p:cNvPr id="1" name=""/>
-        <p:cNvGrpSpPr/>
-        <p:nvPr/>
-      </p:nvGrpSpPr>
-      <p:grpSpPr>
-        <a:xfrm>
-          <a:off x="0" y="0"/>
-          <a:ext cx="0" cy="0"/>
-          <a:chOff x="0" y="0"/>
-          <a:chExt cx="0" cy="0"/>
-        </a:xfrm>
-      </p:grpSpPr>
-      <p:sp>
-        <p:nvSpPr>
-          <p:cNvPr id="2" name="슬라이드 이미지 개체 틀 1"/>
-          <p:cNvSpPr>
-            <a:spLocks noGrp="1" noRot="1" noChangeAspect="1"/>
-          </p:cNvSpPr>
-          <p:nvPr>
-            <p:ph type="sldImg"/>
-          </p:nvPr>
-        </p:nvSpPr>
-        <p:spPr/>
-      </p:sp>
-      <p:sp>
-        <p:nvSpPr>
-          <p:cNvPr id="3" name="슬라이드 노트 개체 틀 2"/>
-          <p:cNvSpPr>
-            <a:spLocks noGrp="1"/>
-          </p:cNvSpPr>
-          <p:nvPr>
-            <p:ph type="body" idx="1"/>
-          </p:nvPr>
-        </p:nvSpPr>
-        <p:spPr/>
-        <p:txBody>
-          <a:bodyPr/>
-          <a:lstStyle/>
-          <a:p>
-            <a:endParaRPr lang="ko-KR" altLang="en-US" dirty="0">
-              <a:latin typeface="맑은 고딕" panose="020B0503020000020004" pitchFamily="50" charset="-127"/>
-              <a:ea typeface="맑은 고딕" panose="020B0503020000020004" pitchFamily="50" charset="-127"/>
-            </a:endParaRPr>
-          </a:p>
-        </p:txBody>
-      </p:sp>
-      <p:sp>
-        <p:nvSpPr>
-          <p:cNvPr id="4" name="슬라이드 번호 개체 틀 3"/>
-          <p:cNvSpPr>
-            <a:spLocks noGrp="1"/>
-          </p:cNvSpPr>
-          <p:nvPr>
-            <p:ph type="sldNum" sz="quarter" idx="10"/>
-          </p:nvPr>
-        </p:nvSpPr>
-        <p:spPr/>
-        <p:txBody>
-          <a:bodyPr/>
-          <a:lstStyle/>
-          <a:p>
-            <a:pPr rtl="0"/>
-            <a:fld id="{82869989-EB00-4EE7-BCB5-25BDC5BB29F8}" type="slidenum">
-              <a:rPr lang="en-US" altLang="ko-KR" smtClean="0">
-                <a:latin typeface="맑은 고딕" panose="020B0503020000020004" pitchFamily="50" charset="-127"/>
-                <a:ea typeface="맑은 고딕" panose="020B0503020000020004" pitchFamily="50" charset="-127"/>
-              </a:rPr>
-              <a:t>17</a:t>
-            </a:fld>
-            <a:endParaRPr lang="ko-KR" altLang="en-US" dirty="0">
-              <a:latin typeface="맑은 고딕" panose="020B0503020000020004" pitchFamily="50" charset="-127"/>
-              <a:ea typeface="맑은 고딕" panose="020B0503020000020004" pitchFamily="50" charset="-127"/>
-            </a:endParaRPr>
-          </a:p>
-        </p:txBody>
-      </p:sp>
-    </p:spTree>
-    <p:extLst>
-      <p:ext uri="{BB962C8B-B14F-4D97-AF65-F5344CB8AC3E}">
-        <p14:creationId xmlns:p14="http://schemas.microsoft.com/office/powerpoint/2010/main" val="2938084464"/>
+        <p14:creationId xmlns:p14="http://schemas.microsoft.com/office/powerpoint/2010/main" val="2873721397"/>
       </p:ext>
     </p:extLst>
   </p:cSld>
@@ -6739,7 +3186,7 @@
               <a:tabLst/>
               <a:defRPr/>
             </a:pPr>
-            <a:endParaRPr lang="en-US" altLang="ko-KR" sz="1200" smtClean="0">
+            <a:endParaRPr lang="en-US" altLang="ko-KR" sz="1200" dirty="0" smtClean="0">
               <a:latin typeface="맑은 고딕" panose="020B0503020000020004" pitchFamily="50" charset="-127"/>
               <a:ea typeface="맑은 고딕" panose="020B0503020000020004" pitchFamily="50" charset="-127"/>
             </a:endParaRPr>
@@ -6833,7 +3280,24 @@
           <a:bodyPr/>
           <a:lstStyle/>
           <a:p>
-            <a:endParaRPr lang="ko-KR" altLang="en-US" dirty="0">
+            <a:pPr marL="0" marR="0" lvl="0" indent="0" algn="l" defTabSz="914400" rtl="0" eaLnBrk="1" fontAlgn="auto" latinLnBrk="0" hangingPunct="1">
+              <a:lnSpc>
+                <a:spcPct val="100000"/>
+              </a:lnSpc>
+              <a:spcBef>
+                <a:spcPts val="0"/>
+              </a:spcBef>
+              <a:spcAft>
+                <a:spcPts val="0"/>
+              </a:spcAft>
+              <a:buClrTx/>
+              <a:buSzTx/>
+              <a:buFontTx/>
+              <a:buNone/>
+              <a:tabLst/>
+              <a:defRPr/>
+            </a:pPr>
+            <a:endParaRPr lang="en-US" altLang="ko-KR" sz="1200" dirty="0" smtClean="0">
               <a:latin typeface="맑은 고딕" panose="020B0503020000020004" pitchFamily="50" charset="-127"/>
               <a:ea typeface="맑은 고딕" panose="020B0503020000020004" pitchFamily="50" charset="-127"/>
             </a:endParaRPr>
@@ -6873,7 +3337,7 @@
     </p:spTree>
     <p:extLst>
       <p:ext uri="{BB962C8B-B14F-4D97-AF65-F5344CB8AC3E}">
-        <p14:creationId xmlns:p14="http://schemas.microsoft.com/office/powerpoint/2010/main" val="4200904051"/>
+        <p14:creationId xmlns:p14="http://schemas.microsoft.com/office/powerpoint/2010/main" val="4233078237"/>
       </p:ext>
     </p:extLst>
   </p:cSld>
@@ -9087,7 +5551,7 @@
           <a:p>
             <a:fld id="{2A5B65E4-62A8-4988-B07B-5D6D443B14ED}" type="datetime4">
               <a:rPr lang="ko-KR" altLang="en-US" smtClean="0"/>
-              <a:t>2019년 5월 28일</a:t>
+              <a:t>2019년 5월 29일</a:t>
             </a:fld>
             <a:endParaRPr lang="ko-KR" altLang="en-US" dirty="0"/>
           </a:p>
@@ -9344,7 +5808,7 @@
           <a:p>
             <a:fld id="{58EB6286-0DE7-4336-9826-977AD102FCF2}" type="datetime4">
               <a:rPr lang="ko-KR" altLang="en-US" noProof="0" smtClean="0"/>
-              <a:t>2019년 5월 28일</a:t>
+              <a:t>2019년 5월 29일</a:t>
             </a:fld>
             <a:endParaRPr lang="ko-KR" altLang="en-US" noProof="0" dirty="0"/>
           </a:p>
@@ -9541,7 +6005,7 @@
             <a:pPr rtl="0"/>
             <a:fld id="{6A5419DA-7218-42E5-A443-F000500111E1}" type="datetime4">
               <a:rPr lang="ko-KR" altLang="en-US" noProof="0" smtClean="0"/>
-              <a:t>2019년 5월 28일</a:t>
+              <a:t>2019년 5월 29일</a:t>
             </a:fld>
             <a:endParaRPr lang="ko-KR" altLang="en-US" noProof="0" dirty="0"/>
           </a:p>
@@ -11943,7 +8407,7 @@
           <a:p>
             <a:fld id="{E498C52F-1DF1-4226-BAB6-C1E2EE4C9D62}" type="datetime4">
               <a:rPr lang="ko-KR" altLang="en-US" noProof="0" smtClean="0"/>
-              <a:t>2019년 5월 28일</a:t>
+              <a:t>2019년 5월 29일</a:t>
             </a:fld>
             <a:endParaRPr lang="ko-KR" altLang="en-US" noProof="0" dirty="0"/>
           </a:p>
@@ -12463,7 +8927,7 @@
           <a:p>
             <a:fld id="{7B1E1FFC-F755-4558-8D3C-A157D1A01A8A}" type="datetime4">
               <a:rPr lang="ko-KR" altLang="en-US" noProof="0" smtClean="0"/>
-              <a:t>2019년 5월 28일</a:t>
+              <a:t>2019년 5월 29일</a:t>
             </a:fld>
             <a:endParaRPr lang="ko-KR" altLang="en-US" noProof="0" dirty="0"/>
           </a:p>
@@ -12608,7 +9072,7 @@
             <a:pPr rtl="0"/>
             <a:fld id="{DA2A33C0-A4A8-4C90-B6DA-35B8CF58C816}" type="datetime4">
               <a:rPr lang="ko-KR" altLang="en-US" noProof="0" smtClean="0"/>
-              <a:t>2019년 5월 28일</a:t>
+              <a:t>2019년 5월 29일</a:t>
             </a:fld>
             <a:endParaRPr lang="ko-KR" altLang="en-US" noProof="0" dirty="0"/>
           </a:p>
@@ -14557,7 +11021,7 @@
           <a:p>
             <a:fld id="{53CB1B8F-A14A-4BE4-A9B9-3B263F04145C}" type="datetime4">
               <a:rPr lang="ko-KR" altLang="en-US" noProof="0" smtClean="0"/>
-              <a:t>2019년 5월 28일</a:t>
+              <a:t>2019년 5월 29일</a:t>
             </a:fld>
             <a:endParaRPr lang="ko-KR" altLang="en-US" noProof="0" dirty="0"/>
           </a:p>
@@ -16855,7 +13319,7 @@
           <a:p>
             <a:fld id="{5B9196A3-957C-4113-A568-B6ED9AEA3D01}" type="datetime4">
               <a:rPr lang="ko-KR" altLang="en-US" noProof="0" smtClean="0"/>
-              <a:t>2019년 5월 28일</a:t>
+              <a:t>2019년 5월 29일</a:t>
             </a:fld>
             <a:endParaRPr lang="ko-KR" altLang="en-US" noProof="0" dirty="0"/>
           </a:p>
@@ -21175,7 +17639,7 @@
           <a:p>
             <a:fld id="{28BEB146-D335-4DA5-9826-58595BCDBE2E}" type="datetime4">
               <a:rPr lang="ko-KR" altLang="en-US" noProof="0" smtClean="0"/>
-              <a:t>2019년 5월 28일</a:t>
+              <a:t>2019년 5월 29일</a:t>
             </a:fld>
             <a:endParaRPr lang="ko-KR" altLang="en-US" noProof="0" dirty="0"/>
           </a:p>
@@ -21745,40 +18209,10 @@
             <p:ph type="title"/>
           </p:nvPr>
         </p:nvSpPr>
-        <p:spPr/>
-        <p:txBody>
-          <a:bodyPr rtlCol="0"/>
-          <a:lstStyle/>
-          <a:p>
-            <a:pPr rtl="0"/>
-            <a:r>
-              <a:rPr lang="ko-KR" altLang="en-US" dirty="0" smtClean="0">
-                <a:latin typeface="맑은 고딕" panose="020B0503020000020004" pitchFamily="50" charset="-127"/>
-                <a:ea typeface="맑은 고딕" panose="020B0503020000020004" pitchFamily="50" charset="-127"/>
-              </a:rPr>
-              <a:t>표를 사용한 두 개의 내용 레이아웃</a:t>
-            </a:r>
-            <a:endParaRPr lang="ko-KR" altLang="en-US" dirty="0">
-              <a:latin typeface="맑은 고딕" panose="020B0503020000020004" pitchFamily="50" charset="-127"/>
-              <a:ea typeface="맑은 고딕" panose="020B0503020000020004" pitchFamily="50" charset="-127"/>
-            </a:endParaRPr>
-          </a:p>
-        </p:txBody>
-      </p:sp>
-      <p:sp>
-        <p:nvSpPr>
-          <p:cNvPr id="3" name="내용 개체 틀 2"/>
-          <p:cNvSpPr>
-            <a:spLocks noGrp="1"/>
-          </p:cNvSpPr>
-          <p:nvPr>
-            <p:ph sz="half" idx="1"/>
-          </p:nvPr>
-        </p:nvSpPr>
         <p:spPr>
           <a:xfrm>
-            <a:off x="1295400" y="1918446"/>
-            <a:ext cx="4572000" cy="3810001"/>
+            <a:off x="1295400" y="189471"/>
+            <a:ext cx="9601200" cy="608270"/>
           </a:xfrm>
         </p:spPr>
         <p:txBody>
@@ -21787,410 +18221,237 @@
           <a:p>
             <a:pPr rtl="0"/>
             <a:r>
-              <a:rPr lang="ko-KR" altLang="en-US" dirty="0" smtClean="0">
-                <a:latin typeface="맑은 고딕" panose="020B0503020000020004" pitchFamily="50" charset="-127"/>
-                <a:ea typeface="맑은 고딕" panose="020B0503020000020004" pitchFamily="50" charset="-127"/>
-              </a:rPr>
-              <a:t>여기에 첫 번째 글머리 기호</a:t>
-            </a:r>
-          </a:p>
-          <a:p>
-            <a:pPr rtl="0"/>
-            <a:r>
-              <a:rPr lang="ko-KR" altLang="en-US" dirty="0" smtClean="0">
-                <a:latin typeface="맑은 고딕" panose="020B0503020000020004" pitchFamily="50" charset="-127"/>
-                <a:ea typeface="맑은 고딕" panose="020B0503020000020004" pitchFamily="50" charset="-127"/>
-              </a:rPr>
-              <a:t>여기에 두 번째 글머리 기호</a:t>
-            </a:r>
-          </a:p>
-          <a:p>
-            <a:pPr rtl="0"/>
-            <a:r>
-              <a:rPr lang="ko-KR" altLang="en-US" dirty="0" smtClean="0">
-                <a:latin typeface="맑은 고딕" panose="020B0503020000020004" pitchFamily="50" charset="-127"/>
-                <a:ea typeface="맑은 고딕" panose="020B0503020000020004" pitchFamily="50" charset="-127"/>
-              </a:rPr>
-              <a:t>여기에 세 번째 글머리 기호</a:t>
-            </a:r>
-            <a:endParaRPr lang="ko-KR" altLang="en-US" dirty="0">
+              <a:rPr lang="en-US" altLang="ko-KR" dirty="0" smtClean="0"/>
+              <a:t>3</a:t>
+            </a:r>
+            <a:r>
+              <a:rPr lang="en-US" altLang="ko-KR" dirty="0" smtClean="0"/>
+              <a:t>.1 </a:t>
+            </a:r>
+            <a:r>
+              <a:rPr lang="ko-KR" altLang="en-US" dirty="0" err="1" smtClean="0"/>
+              <a:t>평행광</a:t>
+            </a:r>
+            <a:r>
+              <a:rPr lang="ko-KR" altLang="en-US" dirty="0" smtClean="0"/>
+              <a:t> 그림자</a:t>
+            </a:r>
+            <a:endParaRPr lang="en-US" altLang="ko-KR" dirty="0">
               <a:latin typeface="맑은 고딕" panose="020B0503020000020004" pitchFamily="50" charset="-127"/>
               <a:ea typeface="맑은 고딕" panose="020B0503020000020004" pitchFamily="50" charset="-127"/>
             </a:endParaRPr>
           </a:p>
         </p:txBody>
       </p:sp>
-      <p:graphicFrame>
-        <p:nvGraphicFramePr>
-          <p:cNvPr id="5" name="내용 개체 틀 4"/>
-          <p:cNvGraphicFramePr>
-            <a:graphicFrameLocks noGrp="1"/>
-          </p:cNvGraphicFramePr>
-          <p:nvPr>
-            <p:ph sz="half" idx="2"/>
-            <p:extLst>
-              <p:ext uri="{D42A27DB-BD31-4B8C-83A1-F6EECF244321}">
-                <p14:modId xmlns:p14="http://schemas.microsoft.com/office/powerpoint/2010/main" val="4176322543"/>
-              </p:ext>
-            </p:extLst>
-          </p:nvPr>
-        </p:nvGraphicFramePr>
-        <p:xfrm>
-          <a:off x="6324600" y="1981200"/>
-          <a:ext cx="4572000" cy="2141912"/>
-        </p:xfrm>
-        <a:graphic>
-          <a:graphicData uri="http://schemas.openxmlformats.org/drawingml/2006/table">
-            <a:tbl>
-              <a:tblPr firstRow="1" bandRow="1">
-                <a:tableStyleId>{BC89EF96-8CEA-46FF-86C4-4CE0E7609802}</a:tableStyleId>
-              </a:tblPr>
-              <a:tblGrid>
-                <a:gridCol w="1524000">
-                  <a:extLst>
-                    <a:ext uri="{9D8B030D-6E8A-4147-A177-3AD203B41FA5}">
-                      <a16:colId xmlns:a16="http://schemas.microsoft.com/office/drawing/2014/main" xmlns="" val="20000"/>
-                    </a:ext>
-                  </a:extLst>
-                </a:gridCol>
-                <a:gridCol w="1524000">
-                  <a:extLst>
-                    <a:ext uri="{9D8B030D-6E8A-4147-A177-3AD203B41FA5}">
-                      <a16:colId xmlns:a16="http://schemas.microsoft.com/office/drawing/2014/main" xmlns="" val="20001"/>
-                    </a:ext>
-                  </a:extLst>
-                </a:gridCol>
-                <a:gridCol w="1524000">
-                  <a:extLst>
-                    <a:ext uri="{9D8B030D-6E8A-4147-A177-3AD203B41FA5}">
-                      <a16:colId xmlns:a16="http://schemas.microsoft.com/office/drawing/2014/main" xmlns="" val="20002"/>
-                    </a:ext>
-                  </a:extLst>
-                </a:gridCol>
-              </a:tblGrid>
-              <a:tr h="535478">
-                <a:tc>
-                  <a:txBody>
-                    <a:bodyPr/>
-                    <a:lstStyle/>
-                    <a:p>
-                      <a:pPr rtl="0"/>
-                      <a:r>
-                        <a:rPr lang="ko-KR" altLang="en-US" noProof="0" smtClean="0">
-                          <a:latin typeface="맑은 고딕" panose="020B0503020000020004" pitchFamily="50" charset="-127"/>
-                          <a:ea typeface="맑은 고딕" panose="020B0503020000020004" pitchFamily="50" charset="-127"/>
-                        </a:rPr>
-                        <a:t>클래스</a:t>
-                      </a:r>
-                      <a:endParaRPr lang="ko-KR" altLang="en-US" noProof="0" dirty="0">
-                        <a:latin typeface="맑은 고딕" panose="020B0503020000020004" pitchFamily="50" charset="-127"/>
-                        <a:ea typeface="맑은 고딕" panose="020B0503020000020004" pitchFamily="50" charset="-127"/>
-                      </a:endParaRPr>
-                    </a:p>
-                  </a:txBody>
-                  <a:tcPr anchor="ctr"/>
-                </a:tc>
-                <a:tc>
-                  <a:txBody>
-                    <a:bodyPr/>
-                    <a:lstStyle/>
-                    <a:p>
-                      <a:pPr algn="ctr" rtl="0"/>
-                      <a:r>
-                        <a:rPr lang="ko-KR" altLang="en-US" noProof="0" dirty="0" smtClean="0">
-                          <a:latin typeface="맑은 고딕" panose="020B0503020000020004" pitchFamily="50" charset="-127"/>
-                          <a:ea typeface="맑은 고딕" panose="020B0503020000020004" pitchFamily="50" charset="-127"/>
-                        </a:rPr>
-                        <a:t>그룹 </a:t>
-                      </a:r>
-                      <a:r>
-                        <a:rPr lang="en-US" altLang="ko-KR" noProof="0" dirty="0" smtClean="0">
-                          <a:latin typeface="맑은 고딕" panose="020B0503020000020004" pitchFamily="50" charset="-127"/>
-                          <a:ea typeface="맑은 고딕" panose="020B0503020000020004" pitchFamily="50" charset="-127"/>
-                        </a:rPr>
-                        <a:t>1</a:t>
-                      </a:r>
-                      <a:endParaRPr lang="ko-KR" altLang="en-US" noProof="0" dirty="0">
-                        <a:latin typeface="맑은 고딕" panose="020B0503020000020004" pitchFamily="50" charset="-127"/>
-                        <a:ea typeface="맑은 고딕" panose="020B0503020000020004" pitchFamily="50" charset="-127"/>
-                      </a:endParaRPr>
-                    </a:p>
-                  </a:txBody>
-                  <a:tcPr anchor="ctr"/>
-                </a:tc>
-                <a:tc>
-                  <a:txBody>
-                    <a:bodyPr/>
-                    <a:lstStyle/>
-                    <a:p>
-                      <a:pPr algn="ctr" rtl="0"/>
-                      <a:r>
-                        <a:rPr lang="ko-KR" altLang="en-US" noProof="0" dirty="0" smtClean="0">
-                          <a:latin typeface="맑은 고딕" panose="020B0503020000020004" pitchFamily="50" charset="-127"/>
-                          <a:ea typeface="맑은 고딕" panose="020B0503020000020004" pitchFamily="50" charset="-127"/>
-                        </a:rPr>
-                        <a:t>그룹 </a:t>
-                      </a:r>
-                      <a:r>
-                        <a:rPr lang="en-US" altLang="ko-KR" noProof="0" dirty="0" smtClean="0">
-                          <a:latin typeface="맑은 고딕" panose="020B0503020000020004" pitchFamily="50" charset="-127"/>
-                          <a:ea typeface="맑은 고딕" panose="020B0503020000020004" pitchFamily="50" charset="-127"/>
-                        </a:rPr>
-                        <a:t>2</a:t>
-                      </a:r>
-                      <a:endParaRPr lang="ko-KR" altLang="en-US" noProof="0" dirty="0">
-                        <a:latin typeface="맑은 고딕" panose="020B0503020000020004" pitchFamily="50" charset="-127"/>
-                        <a:ea typeface="맑은 고딕" panose="020B0503020000020004" pitchFamily="50" charset="-127"/>
-                      </a:endParaRPr>
-                    </a:p>
-                  </a:txBody>
-                  <a:tcPr anchor="ctr"/>
-                </a:tc>
-                <a:extLst>
-                  <a:ext uri="{0D108BD9-81ED-4DB2-BD59-A6C34878D82A}">
-                    <a16:rowId xmlns:a16="http://schemas.microsoft.com/office/drawing/2014/main" xmlns="" val="10000"/>
-                  </a:ext>
-                </a:extLst>
-              </a:tr>
-              <a:tr h="535478">
-                <a:tc>
-                  <a:txBody>
-                    <a:bodyPr/>
-                    <a:lstStyle/>
-                    <a:p>
-                      <a:pPr rtl="0"/>
-                      <a:r>
-                        <a:rPr lang="ko-KR" altLang="en-US" noProof="0" dirty="0" smtClean="0">
-                          <a:latin typeface="맑은 고딕" panose="020B0503020000020004" pitchFamily="50" charset="-127"/>
-                          <a:ea typeface="맑은 고딕" panose="020B0503020000020004" pitchFamily="50" charset="-127"/>
-                        </a:rPr>
-                        <a:t>클래스 </a:t>
-                      </a:r>
-                      <a:r>
-                        <a:rPr lang="en-US" altLang="ko-KR" noProof="0" dirty="0" smtClean="0">
-                          <a:latin typeface="맑은 고딕" panose="020B0503020000020004" pitchFamily="50" charset="-127"/>
-                          <a:ea typeface="맑은 고딕" panose="020B0503020000020004" pitchFamily="50" charset="-127"/>
-                        </a:rPr>
-                        <a:t>1</a:t>
-                      </a:r>
-                      <a:endParaRPr lang="ko-KR" altLang="en-US" noProof="0" dirty="0">
-                        <a:latin typeface="맑은 고딕" panose="020B0503020000020004" pitchFamily="50" charset="-127"/>
-                        <a:ea typeface="맑은 고딕" panose="020B0503020000020004" pitchFamily="50" charset="-127"/>
-                      </a:endParaRPr>
-                    </a:p>
-                  </a:txBody>
-                  <a:tcPr anchor="ctr"/>
-                </a:tc>
-                <a:tc>
-                  <a:txBody>
-                    <a:bodyPr/>
-                    <a:lstStyle/>
-                    <a:p>
-                      <a:pPr algn="ctr" rtl="0"/>
-                      <a:r>
-                        <a:rPr lang="en-US" altLang="ko-KR" noProof="0" dirty="0" smtClean="0">
-                          <a:latin typeface="맑은 고딕" panose="020B0503020000020004" pitchFamily="50" charset="-127"/>
-                          <a:ea typeface="맑은 고딕" panose="020B0503020000020004" pitchFamily="50" charset="-127"/>
-                        </a:rPr>
-                        <a:t>82</a:t>
-                      </a:r>
-                      <a:endParaRPr lang="ko-KR" altLang="en-US" noProof="0" dirty="0">
-                        <a:latin typeface="맑은 고딕" panose="020B0503020000020004" pitchFamily="50" charset="-127"/>
-                        <a:ea typeface="맑은 고딕" panose="020B0503020000020004" pitchFamily="50" charset="-127"/>
-                      </a:endParaRPr>
-                    </a:p>
-                  </a:txBody>
-                  <a:tcPr anchor="ctr"/>
-                </a:tc>
-                <a:tc>
-                  <a:txBody>
-                    <a:bodyPr/>
-                    <a:lstStyle/>
-                    <a:p>
-                      <a:pPr algn="ctr" rtl="0"/>
-                      <a:r>
-                        <a:rPr lang="en-US" altLang="ko-KR" noProof="0" dirty="0" smtClean="0">
-                          <a:latin typeface="맑은 고딕" panose="020B0503020000020004" pitchFamily="50" charset="-127"/>
-                          <a:ea typeface="맑은 고딕" panose="020B0503020000020004" pitchFamily="50" charset="-127"/>
-                        </a:rPr>
-                        <a:t>95</a:t>
-                      </a:r>
-                      <a:endParaRPr lang="ko-KR" altLang="en-US" noProof="0" dirty="0">
-                        <a:latin typeface="맑은 고딕" panose="020B0503020000020004" pitchFamily="50" charset="-127"/>
-                        <a:ea typeface="맑은 고딕" panose="020B0503020000020004" pitchFamily="50" charset="-127"/>
-                      </a:endParaRPr>
-                    </a:p>
-                  </a:txBody>
-                  <a:tcPr anchor="ctr"/>
-                </a:tc>
-                <a:extLst>
-                  <a:ext uri="{0D108BD9-81ED-4DB2-BD59-A6C34878D82A}">
-                    <a16:rowId xmlns:a16="http://schemas.microsoft.com/office/drawing/2014/main" xmlns="" val="10001"/>
-                  </a:ext>
-                </a:extLst>
-              </a:tr>
-              <a:tr h="535478">
-                <a:tc>
-                  <a:txBody>
-                    <a:bodyPr/>
-                    <a:lstStyle/>
-                    <a:p>
-                      <a:pPr rtl="0"/>
-                      <a:r>
-                        <a:rPr lang="ko-KR" altLang="en-US" noProof="0" dirty="0" smtClean="0">
-                          <a:latin typeface="맑은 고딕" panose="020B0503020000020004" pitchFamily="50" charset="-127"/>
-                          <a:ea typeface="맑은 고딕" panose="020B0503020000020004" pitchFamily="50" charset="-127"/>
-                        </a:rPr>
-                        <a:t>클래스 </a:t>
-                      </a:r>
-                      <a:r>
-                        <a:rPr lang="en-US" altLang="ko-KR" noProof="0" dirty="0" smtClean="0">
-                          <a:latin typeface="맑은 고딕" panose="020B0503020000020004" pitchFamily="50" charset="-127"/>
-                          <a:ea typeface="맑은 고딕" panose="020B0503020000020004" pitchFamily="50" charset="-127"/>
-                        </a:rPr>
-                        <a:t>2</a:t>
-                      </a:r>
-                      <a:endParaRPr lang="ko-KR" altLang="en-US" noProof="0" dirty="0">
-                        <a:latin typeface="맑은 고딕" panose="020B0503020000020004" pitchFamily="50" charset="-127"/>
-                        <a:ea typeface="맑은 고딕" panose="020B0503020000020004" pitchFamily="50" charset="-127"/>
-                      </a:endParaRPr>
-                    </a:p>
-                  </a:txBody>
-                  <a:tcPr anchor="ctr"/>
-                </a:tc>
-                <a:tc>
-                  <a:txBody>
-                    <a:bodyPr/>
-                    <a:lstStyle/>
-                    <a:p>
-                      <a:pPr algn="ctr" rtl="0"/>
-                      <a:r>
-                        <a:rPr lang="en-US" altLang="ko-KR" noProof="0" dirty="0" smtClean="0">
-                          <a:latin typeface="맑은 고딕" panose="020B0503020000020004" pitchFamily="50" charset="-127"/>
-                          <a:ea typeface="맑은 고딕" panose="020B0503020000020004" pitchFamily="50" charset="-127"/>
-                        </a:rPr>
-                        <a:t>76</a:t>
-                      </a:r>
-                      <a:endParaRPr lang="ko-KR" altLang="en-US" noProof="0" dirty="0">
-                        <a:latin typeface="맑은 고딕" panose="020B0503020000020004" pitchFamily="50" charset="-127"/>
-                        <a:ea typeface="맑은 고딕" panose="020B0503020000020004" pitchFamily="50" charset="-127"/>
-                      </a:endParaRPr>
-                    </a:p>
-                  </a:txBody>
-                  <a:tcPr anchor="ctr"/>
-                </a:tc>
-                <a:tc>
-                  <a:txBody>
-                    <a:bodyPr/>
-                    <a:lstStyle/>
-                    <a:p>
-                      <a:pPr algn="ctr" rtl="0"/>
-                      <a:r>
-                        <a:rPr lang="en-US" altLang="ko-KR" noProof="0" dirty="0" smtClean="0">
-                          <a:latin typeface="맑은 고딕" panose="020B0503020000020004" pitchFamily="50" charset="-127"/>
-                          <a:ea typeface="맑은 고딕" panose="020B0503020000020004" pitchFamily="50" charset="-127"/>
-                        </a:rPr>
-                        <a:t>88</a:t>
-                      </a:r>
-                      <a:endParaRPr lang="ko-KR" altLang="en-US" noProof="0" dirty="0">
-                        <a:latin typeface="맑은 고딕" panose="020B0503020000020004" pitchFamily="50" charset="-127"/>
-                        <a:ea typeface="맑은 고딕" panose="020B0503020000020004" pitchFamily="50" charset="-127"/>
-                      </a:endParaRPr>
-                    </a:p>
-                  </a:txBody>
-                  <a:tcPr anchor="ctr"/>
-                </a:tc>
-                <a:extLst>
-                  <a:ext uri="{0D108BD9-81ED-4DB2-BD59-A6C34878D82A}">
-                    <a16:rowId xmlns:a16="http://schemas.microsoft.com/office/drawing/2014/main" xmlns="" val="10002"/>
-                  </a:ext>
-                </a:extLst>
-              </a:tr>
-              <a:tr h="535478">
-                <a:tc>
-                  <a:txBody>
-                    <a:bodyPr/>
-                    <a:lstStyle/>
-                    <a:p>
-                      <a:pPr rtl="0"/>
-                      <a:r>
-                        <a:rPr lang="ko-KR" altLang="en-US" noProof="0" dirty="0" smtClean="0">
-                          <a:latin typeface="맑은 고딕" panose="020B0503020000020004" pitchFamily="50" charset="-127"/>
-                          <a:ea typeface="맑은 고딕" panose="020B0503020000020004" pitchFamily="50" charset="-127"/>
-                        </a:rPr>
-                        <a:t>클래스 </a:t>
-                      </a:r>
-                      <a:r>
-                        <a:rPr lang="en-US" altLang="ko-KR" noProof="0" dirty="0" smtClean="0">
-                          <a:latin typeface="맑은 고딕" panose="020B0503020000020004" pitchFamily="50" charset="-127"/>
-                          <a:ea typeface="맑은 고딕" panose="020B0503020000020004" pitchFamily="50" charset="-127"/>
-                        </a:rPr>
-                        <a:t>3</a:t>
-                      </a:r>
-                      <a:endParaRPr lang="ko-KR" altLang="en-US" noProof="0" dirty="0">
-                        <a:latin typeface="맑은 고딕" panose="020B0503020000020004" pitchFamily="50" charset="-127"/>
-                        <a:ea typeface="맑은 고딕" panose="020B0503020000020004" pitchFamily="50" charset="-127"/>
-                      </a:endParaRPr>
-                    </a:p>
-                  </a:txBody>
-                  <a:tcPr anchor="ctr"/>
-                </a:tc>
-                <a:tc>
-                  <a:txBody>
-                    <a:bodyPr/>
-                    <a:lstStyle/>
-                    <a:p>
-                      <a:pPr algn="ctr" rtl="0"/>
-                      <a:r>
-                        <a:rPr lang="en-US" altLang="ko-KR" noProof="0" dirty="0" smtClean="0">
-                          <a:latin typeface="맑은 고딕" panose="020B0503020000020004" pitchFamily="50" charset="-127"/>
-                          <a:ea typeface="맑은 고딕" panose="020B0503020000020004" pitchFamily="50" charset="-127"/>
-                        </a:rPr>
-                        <a:t>84</a:t>
-                      </a:r>
-                      <a:endParaRPr lang="ko-KR" altLang="en-US" noProof="0" dirty="0">
-                        <a:latin typeface="맑은 고딕" panose="020B0503020000020004" pitchFamily="50" charset="-127"/>
-                        <a:ea typeface="맑은 고딕" panose="020B0503020000020004" pitchFamily="50" charset="-127"/>
-                      </a:endParaRPr>
-                    </a:p>
-                  </a:txBody>
-                  <a:tcPr anchor="ctr"/>
-                </a:tc>
-                <a:tc>
-                  <a:txBody>
-                    <a:bodyPr/>
-                    <a:lstStyle/>
-                    <a:p>
-                      <a:pPr algn="ctr" rtl="0"/>
-                      <a:r>
-                        <a:rPr lang="en-US" altLang="ko-KR" noProof="0" dirty="0" smtClean="0">
-                          <a:latin typeface="맑은 고딕" panose="020B0503020000020004" pitchFamily="50" charset="-127"/>
-                          <a:ea typeface="맑은 고딕" panose="020B0503020000020004" pitchFamily="50" charset="-127"/>
-                        </a:rPr>
-                        <a:t>90</a:t>
-                      </a:r>
-                      <a:endParaRPr lang="ko-KR" altLang="en-US" noProof="0" dirty="0">
-                        <a:latin typeface="맑은 고딕" panose="020B0503020000020004" pitchFamily="50" charset="-127"/>
-                        <a:ea typeface="맑은 고딕" panose="020B0503020000020004" pitchFamily="50" charset="-127"/>
-                      </a:endParaRPr>
-                    </a:p>
-                  </a:txBody>
-                  <a:tcPr anchor="ctr"/>
-                </a:tc>
-                <a:extLst>
-                  <a:ext uri="{0D108BD9-81ED-4DB2-BD59-A6C34878D82A}">
-                    <a16:rowId xmlns:a16="http://schemas.microsoft.com/office/drawing/2014/main" xmlns="" val="10003"/>
-                  </a:ext>
-                </a:extLst>
-              </a:tr>
-            </a:tbl>
-          </a:graphicData>
-        </a:graphic>
-      </p:graphicFrame>
+      <p:sp>
+        <p:nvSpPr>
+          <p:cNvPr id="6" name="TextBox 5"/>
+          <p:cNvSpPr txBox="1"/>
+          <p:nvPr/>
+        </p:nvSpPr>
+        <p:spPr>
+          <a:xfrm>
+            <a:off x="5460274" y="1465496"/>
+            <a:ext cx="6032863" cy="1015663"/>
+          </a:xfrm>
+          <a:prstGeom prst="rect">
+            <a:avLst/>
+          </a:prstGeom>
+          <a:noFill/>
+          <a:ln w="12700">
+            <a:noFill/>
+          </a:ln>
+        </p:spPr>
+        <p:txBody>
+          <a:bodyPr wrap="square" rtlCol="0">
+            <a:spAutoFit/>
+          </a:bodyPr>
+          <a:lstStyle/>
+          <a:p>
+            <a:pPr marL="342900" indent="-342900">
+              <a:buFontTx/>
+              <a:buChar char="-"/>
+            </a:pPr>
+            <a:r>
+              <a:rPr lang="ko-KR" altLang="en-US" sz="2000" dirty="0" err="1" smtClean="0">
+                <a:latin typeface="맑은 고딕" panose="020B0503020000020004" pitchFamily="50" charset="-127"/>
+                <a:ea typeface="맑은 고딕" panose="020B0503020000020004" pitchFamily="50" charset="-127"/>
+              </a:rPr>
+              <a:t>평행광의</a:t>
+            </a:r>
+            <a:r>
+              <a:rPr lang="ko-KR" altLang="en-US" sz="2000" dirty="0" smtClean="0">
+                <a:latin typeface="맑은 고딕" panose="020B0503020000020004" pitchFamily="50" charset="-127"/>
+                <a:ea typeface="맑은 고딕" panose="020B0503020000020004" pitchFamily="50" charset="-127"/>
+              </a:rPr>
+              <a:t> 방향 </a:t>
+            </a:r>
+            <a:r>
+              <a:rPr lang="en-US" altLang="ko-KR" sz="2000" dirty="0" smtClean="0">
+                <a:latin typeface="맑은 고딕" panose="020B0503020000020004" pitchFamily="50" charset="-127"/>
+                <a:ea typeface="맑은 고딕" panose="020B0503020000020004" pitchFamily="50" charset="-127"/>
+              </a:rPr>
+              <a:t>: L</a:t>
+            </a:r>
+          </a:p>
+          <a:p>
+            <a:pPr marL="342900" indent="-342900">
+              <a:buFontTx/>
+              <a:buChar char="-"/>
+            </a:pPr>
+            <a:r>
+              <a:rPr lang="ko-KR" altLang="en-US" sz="2000" dirty="0" smtClean="0">
+                <a:latin typeface="맑은 고딕" panose="020B0503020000020004" pitchFamily="50" charset="-127"/>
+                <a:ea typeface="맑은 고딕" panose="020B0503020000020004" pitchFamily="50" charset="-127"/>
+              </a:rPr>
+              <a:t>정점 </a:t>
+            </a:r>
+            <a:r>
+              <a:rPr lang="en-US" altLang="ko-KR" sz="2000" dirty="0" smtClean="0">
+                <a:latin typeface="맑은 고딕" panose="020B0503020000020004" pitchFamily="50" charset="-127"/>
+                <a:ea typeface="맑은 고딕" panose="020B0503020000020004" pitchFamily="50" charset="-127"/>
+              </a:rPr>
+              <a:t>p</a:t>
+            </a:r>
+            <a:r>
+              <a:rPr lang="ko-KR" altLang="en-US" sz="2000" dirty="0" smtClean="0">
+                <a:latin typeface="맑은 고딕" panose="020B0503020000020004" pitchFamily="50" charset="-127"/>
+                <a:ea typeface="맑은 고딕" panose="020B0503020000020004" pitchFamily="50" charset="-127"/>
+              </a:rPr>
+              <a:t>를 거쳐 가는 광선에 해당하는 반직선은 </a:t>
+            </a:r>
+            <a:r>
+              <a:rPr lang="en-US" altLang="ko-KR" sz="2000" dirty="0" smtClean="0">
+                <a:latin typeface="맑은 고딕" panose="020B0503020000020004" pitchFamily="50" charset="-127"/>
+                <a:ea typeface="맑은 고딕" panose="020B0503020000020004" pitchFamily="50" charset="-127"/>
+              </a:rPr>
+              <a:t>r(t) = p + </a:t>
+            </a:r>
+            <a:r>
+              <a:rPr lang="en-US" altLang="ko-KR" sz="2000" dirty="0" err="1" smtClean="0">
+                <a:latin typeface="맑은 고딕" panose="020B0503020000020004" pitchFamily="50" charset="-127"/>
+                <a:ea typeface="맑은 고딕" panose="020B0503020000020004" pitchFamily="50" charset="-127"/>
+              </a:rPr>
+              <a:t>tL</a:t>
+            </a:r>
+            <a:r>
+              <a:rPr lang="ko-KR" altLang="en-US" sz="2000" dirty="0" smtClean="0">
+                <a:latin typeface="맑은 고딕" panose="020B0503020000020004" pitchFamily="50" charset="-127"/>
+                <a:ea typeface="맑은 고딕" panose="020B0503020000020004" pitchFamily="50" charset="-127"/>
+              </a:rPr>
+              <a:t>로 정의</a:t>
+            </a:r>
+            <a:endParaRPr lang="en-US" altLang="ko-KR" sz="2000" dirty="0" smtClean="0">
+              <a:latin typeface="맑은 고딕" panose="020B0503020000020004" pitchFamily="50" charset="-127"/>
+              <a:ea typeface="맑은 고딕" panose="020B0503020000020004" pitchFamily="50" charset="-127"/>
+            </a:endParaRPr>
+          </a:p>
+        </p:txBody>
+      </p:sp>
+      <p:pic>
+        <p:nvPicPr>
+          <p:cNvPr id="3" name="그림 2"/>
+          <p:cNvPicPr>
+            <a:picLocks noChangeAspect="1"/>
+          </p:cNvPicPr>
+          <p:nvPr/>
+        </p:nvPicPr>
+        <p:blipFill>
+          <a:blip r:embed="rId3">
+            <a:extLst>
+              <a:ext uri="{28A0092B-C50C-407E-A947-70E740481C1C}">
+                <a14:useLocalDpi xmlns:a14="http://schemas.microsoft.com/office/drawing/2010/main" val="0"/>
+              </a:ext>
+            </a:extLst>
+          </a:blip>
+          <a:stretch>
+            <a:fillRect/>
+          </a:stretch>
+        </p:blipFill>
+        <p:spPr>
+          <a:xfrm>
+            <a:off x="1974123" y="1241944"/>
+            <a:ext cx="2100944" cy="4194462"/>
+          </a:xfrm>
+          <a:prstGeom prst="rect">
+            <a:avLst/>
+          </a:prstGeom>
+        </p:spPr>
+      </p:pic>
+      <p:sp>
+        <p:nvSpPr>
+          <p:cNvPr id="7" name="TextBox 6"/>
+          <p:cNvSpPr txBox="1"/>
+          <p:nvPr/>
+        </p:nvSpPr>
+        <p:spPr>
+          <a:xfrm>
+            <a:off x="588916" y="5590902"/>
+            <a:ext cx="4871358" cy="400110"/>
+          </a:xfrm>
+          <a:prstGeom prst="rect">
+            <a:avLst/>
+          </a:prstGeom>
+          <a:noFill/>
+          <a:ln w="12700">
+            <a:noFill/>
+          </a:ln>
+        </p:spPr>
+        <p:txBody>
+          <a:bodyPr wrap="square" rtlCol="0">
+            <a:spAutoFit/>
+          </a:bodyPr>
+          <a:lstStyle/>
+          <a:p>
+            <a:r>
+              <a:rPr lang="ko-KR" altLang="en-US" sz="2000" dirty="0" err="1" smtClean="0">
+                <a:latin typeface="맑은 고딕" panose="020B0503020000020004" pitchFamily="50" charset="-127"/>
+                <a:ea typeface="맑은 고딕" panose="020B0503020000020004" pitchFamily="50" charset="-127"/>
+              </a:rPr>
+              <a:t>평행광원에</a:t>
+            </a:r>
+            <a:r>
+              <a:rPr lang="ko-KR" altLang="en-US" sz="2000" dirty="0" smtClean="0">
+                <a:latin typeface="맑은 고딕" panose="020B0503020000020004" pitchFamily="50" charset="-127"/>
+                <a:ea typeface="맑은 고딕" panose="020B0503020000020004" pitchFamily="50" charset="-127"/>
+              </a:rPr>
+              <a:t> 의한 물체의 그림자를 도식화</a:t>
+            </a:r>
+            <a:endParaRPr lang="en-US" altLang="ko-KR" sz="2000" dirty="0">
+              <a:latin typeface="맑은 고딕" panose="020B0503020000020004" pitchFamily="50" charset="-127"/>
+              <a:ea typeface="맑은 고딕" panose="020B0503020000020004" pitchFamily="50" charset="-127"/>
+            </a:endParaRPr>
+          </a:p>
+        </p:txBody>
+      </p:sp>
+      <p:pic>
+        <p:nvPicPr>
+          <p:cNvPr id="8" name="그림 7"/>
+          <p:cNvPicPr>
+            <a:picLocks noChangeAspect="1"/>
+          </p:cNvPicPr>
+          <p:nvPr/>
+        </p:nvPicPr>
+        <p:blipFill>
+          <a:blip r:embed="rId4"/>
+          <a:stretch>
+            <a:fillRect/>
+          </a:stretch>
+        </p:blipFill>
+        <p:spPr>
+          <a:xfrm>
+            <a:off x="5460274" y="3441030"/>
+            <a:ext cx="4925690" cy="1491918"/>
+          </a:xfrm>
+          <a:prstGeom prst="rect">
+            <a:avLst/>
+          </a:prstGeom>
+        </p:spPr>
+      </p:pic>
     </p:spTree>
     <p:extLst>
       <p:ext uri="{BB962C8B-B14F-4D97-AF65-F5344CB8AC3E}">
-        <p14:creationId xmlns:p14="http://schemas.microsoft.com/office/powerpoint/2010/main" val="2475092730"/>
+        <p14:creationId xmlns:p14="http://schemas.microsoft.com/office/powerpoint/2010/main" val="1337462504"/>
       </p:ext>
     </p:extLst>
   </p:cSld>
@@ -22209,6 +18470,13 @@
       </p:transition>
     </mc:Fallback>
   </mc:AlternateContent>
+  <p:timing>
+    <p:tnLst>
+      <p:par>
+        <p:cTn id="1" dur="indefinite" restart="never" nodeType="tmRoot"/>
+      </p:par>
+    </p:tnLst>
+  </p:timing>
 </p:sld>
 </file>
 
@@ -22239,62 +18507,226 @@
             <p:ph type="title"/>
           </p:nvPr>
         </p:nvSpPr>
-        <p:spPr/>
+        <p:spPr>
+          <a:xfrm>
+            <a:off x="1295400" y="189471"/>
+            <a:ext cx="9601200" cy="608270"/>
+          </a:xfrm>
+        </p:spPr>
         <p:txBody>
           <a:bodyPr rtlCol="0"/>
           <a:lstStyle/>
           <a:p>
             <a:pPr rtl="0"/>
             <a:r>
-              <a:rPr lang="en-US" altLang="ko-KR" dirty="0" smtClean="0">
-                <a:latin typeface="맑은 고딕" panose="020B0503020000020004" pitchFamily="50" charset="-127"/>
-                <a:ea typeface="맑은 고딕" panose="020B0503020000020004" pitchFamily="50" charset="-127"/>
-              </a:rPr>
-              <a:t>SmartArt</a:t>
-            </a:r>
-            <a:r>
-              <a:rPr lang="ko-KR" altLang="en-US" dirty="0" smtClean="0">
-                <a:latin typeface="맑은 고딕" panose="020B0503020000020004" pitchFamily="50" charset="-127"/>
-                <a:ea typeface="맑은 고딕" panose="020B0503020000020004" pitchFamily="50" charset="-127"/>
-              </a:rPr>
-              <a:t>가 있는 제목 및 내용 레이아웃</a:t>
-            </a:r>
-            <a:endParaRPr lang="ko-KR" altLang="en-US" dirty="0">
+              <a:rPr lang="en-US" altLang="ko-KR" dirty="0" smtClean="0"/>
+              <a:t>3</a:t>
+            </a:r>
+            <a:r>
+              <a:rPr lang="en-US" altLang="ko-KR" dirty="0" smtClean="0"/>
+              <a:t>.2 </a:t>
+            </a:r>
+            <a:r>
+              <a:rPr lang="ko-KR" altLang="en-US" dirty="0" err="1"/>
+              <a:t>점</a:t>
+            </a:r>
+            <a:r>
+              <a:rPr lang="ko-KR" altLang="en-US" dirty="0" err="1" smtClean="0"/>
+              <a:t>광</a:t>
+            </a:r>
+            <a:r>
+              <a:rPr lang="ko-KR" altLang="en-US" dirty="0" smtClean="0"/>
+              <a:t> 그림자</a:t>
+            </a:r>
+            <a:endParaRPr lang="en-US" altLang="ko-KR" dirty="0">
               <a:latin typeface="맑은 고딕" panose="020B0503020000020004" pitchFamily="50" charset="-127"/>
               <a:ea typeface="맑은 고딕" panose="020B0503020000020004" pitchFamily="50" charset="-127"/>
             </a:endParaRPr>
           </a:p>
         </p:txBody>
       </p:sp>
-      <p:graphicFrame>
-        <p:nvGraphicFramePr>
-          <p:cNvPr id="4" name="내용 개체 틀 3" descr="왼쪽에서 오른쪽으로 정렬된 3개의 단계와 각 단계에 대한 작업 설명이 있는 프로세스 화살표형 다이어그램"/>
-          <p:cNvGraphicFramePr>
-            <a:graphicFrameLocks noGrp="1"/>
-          </p:cNvGraphicFramePr>
-          <p:nvPr>
-            <p:ph idx="1"/>
-            <p:extLst>
-              <p:ext uri="{D42A27DB-BD31-4B8C-83A1-F6EECF244321}">
-                <p14:modId xmlns:p14="http://schemas.microsoft.com/office/powerpoint/2010/main" val="2474722938"/>
-              </p:ext>
-            </p:extLst>
-          </p:nvPr>
-        </p:nvGraphicFramePr>
-        <p:xfrm>
-          <a:off x="1295400" y="1981200"/>
-          <a:ext cx="9601200" cy="3810000"/>
-        </p:xfrm>
-        <a:graphic>
-          <a:graphicData uri="http://schemas.openxmlformats.org/drawingml/2006/diagram">
-            <dgm:relIds xmlns:dgm="http://schemas.openxmlformats.org/drawingml/2006/diagram" xmlns:r="http://schemas.openxmlformats.org/officeDocument/2006/relationships" r:dm="rId3" r:lo="rId4" r:qs="rId5" r:cs="rId6"/>
-          </a:graphicData>
-        </a:graphic>
-      </p:graphicFrame>
+      <p:sp>
+        <p:nvSpPr>
+          <p:cNvPr id="6" name="TextBox 5"/>
+          <p:cNvSpPr txBox="1"/>
+          <p:nvPr/>
+        </p:nvSpPr>
+        <p:spPr>
+          <a:xfrm>
+            <a:off x="2233871" y="3580695"/>
+            <a:ext cx="2486511" cy="400110"/>
+          </a:xfrm>
+          <a:prstGeom prst="rect">
+            <a:avLst/>
+          </a:prstGeom>
+          <a:noFill/>
+          <a:ln w="12700">
+            <a:noFill/>
+          </a:ln>
+        </p:spPr>
+        <p:txBody>
+          <a:bodyPr wrap="square" rtlCol="0">
+            <a:spAutoFit/>
+          </a:bodyPr>
+          <a:lstStyle/>
+          <a:p>
+            <a:pPr algn="ctr"/>
+            <a:r>
+              <a:rPr lang="en-US" altLang="ko-KR" sz="2000" dirty="0" smtClean="0">
+                <a:latin typeface="맑은 고딕" panose="020B0503020000020004" pitchFamily="50" charset="-127"/>
+                <a:ea typeface="맑은 고딕" panose="020B0503020000020004" pitchFamily="50" charset="-127"/>
+              </a:rPr>
+              <a:t>n . L &lt; 0</a:t>
+            </a:r>
+            <a:r>
+              <a:rPr lang="ko-KR" altLang="en-US" sz="2000" dirty="0" smtClean="0">
+                <a:latin typeface="맑은 고딕" panose="020B0503020000020004" pitchFamily="50" charset="-127"/>
+                <a:ea typeface="맑은 고딕" panose="020B0503020000020004" pitchFamily="50" charset="-127"/>
+              </a:rPr>
+              <a:t>인 상황</a:t>
+            </a:r>
+            <a:endParaRPr lang="en-US" altLang="ko-KR" sz="2000" dirty="0" smtClean="0">
+              <a:latin typeface="맑은 고딕" panose="020B0503020000020004" pitchFamily="50" charset="-127"/>
+              <a:ea typeface="맑은 고딕" panose="020B0503020000020004" pitchFamily="50" charset="-127"/>
+            </a:endParaRPr>
+          </a:p>
+        </p:txBody>
+      </p:sp>
+      <p:pic>
+        <p:nvPicPr>
+          <p:cNvPr id="4" name="그림 3"/>
+          <p:cNvPicPr>
+            <a:picLocks noChangeAspect="1"/>
+          </p:cNvPicPr>
+          <p:nvPr/>
+        </p:nvPicPr>
+        <p:blipFill>
+          <a:blip r:embed="rId3">
+            <a:extLst>
+              <a:ext uri="{28A0092B-C50C-407E-A947-70E740481C1C}">
+                <a14:useLocalDpi xmlns:a14="http://schemas.microsoft.com/office/drawing/2010/main" val="0"/>
+              </a:ext>
+            </a:extLst>
+          </a:blip>
+          <a:stretch>
+            <a:fillRect/>
+          </a:stretch>
+        </p:blipFill>
+        <p:spPr>
+          <a:xfrm>
+            <a:off x="1608221" y="998809"/>
+            <a:ext cx="3737812" cy="2380818"/>
+          </a:xfrm>
+          <a:prstGeom prst="rect">
+            <a:avLst/>
+          </a:prstGeom>
+        </p:spPr>
+      </p:pic>
+      <p:pic>
+        <p:nvPicPr>
+          <p:cNvPr id="5" name="그림 4"/>
+          <p:cNvPicPr>
+            <a:picLocks noChangeAspect="1"/>
+          </p:cNvPicPr>
+          <p:nvPr/>
+        </p:nvPicPr>
+        <p:blipFill>
+          <a:blip r:embed="rId4">
+            <a:extLst>
+              <a:ext uri="{28A0092B-C50C-407E-A947-70E740481C1C}">
+                <a14:useLocalDpi xmlns:a14="http://schemas.microsoft.com/office/drawing/2010/main" val="0"/>
+              </a:ext>
+            </a:extLst>
+          </a:blip>
+          <a:stretch>
+            <a:fillRect/>
+          </a:stretch>
+        </p:blipFill>
+        <p:spPr>
+          <a:xfrm>
+            <a:off x="8719930" y="918249"/>
+            <a:ext cx="1930982" cy="2461378"/>
+          </a:xfrm>
+          <a:prstGeom prst="rect">
+            <a:avLst/>
+          </a:prstGeom>
+        </p:spPr>
+      </p:pic>
+      <p:sp>
+        <p:nvSpPr>
+          <p:cNvPr id="9" name="TextBox 8"/>
+          <p:cNvSpPr txBox="1"/>
+          <p:nvPr/>
+        </p:nvSpPr>
+        <p:spPr>
+          <a:xfrm>
+            <a:off x="7988968" y="3591079"/>
+            <a:ext cx="3392905" cy="400110"/>
+          </a:xfrm>
+          <a:prstGeom prst="rect">
+            <a:avLst/>
+          </a:prstGeom>
+          <a:noFill/>
+          <a:ln w="12700">
+            <a:noFill/>
+          </a:ln>
+        </p:spPr>
+        <p:txBody>
+          <a:bodyPr wrap="square" rtlCol="0">
+            <a:spAutoFit/>
+          </a:bodyPr>
+          <a:lstStyle/>
+          <a:p>
+            <a:pPr algn="ctr"/>
+            <a:r>
+              <a:rPr lang="ko-KR" altLang="en-US" sz="2000" smtClean="0">
+                <a:latin typeface="맑은 고딕" panose="020B0503020000020004" pitchFamily="50" charset="-127"/>
+                <a:ea typeface="맑은 고딕" panose="020B0503020000020004" pitchFamily="50" charset="-127"/>
+              </a:rPr>
+              <a:t>점광원이</a:t>
+            </a:r>
+            <a:r>
+              <a:rPr lang="ko-KR" altLang="en-US" sz="2000" dirty="0" smtClean="0">
+                <a:latin typeface="맑은 고딕" panose="020B0503020000020004" pitchFamily="50" charset="-127"/>
+                <a:ea typeface="맑은 고딕" panose="020B0503020000020004" pitchFamily="50" charset="-127"/>
+              </a:rPr>
+              <a:t> 드리우는 그림자</a:t>
+            </a:r>
+            <a:endParaRPr lang="en-US" altLang="ko-KR" sz="2000" dirty="0" smtClean="0">
+              <a:latin typeface="맑은 고딕" panose="020B0503020000020004" pitchFamily="50" charset="-127"/>
+              <a:ea typeface="맑은 고딕" panose="020B0503020000020004" pitchFamily="50" charset="-127"/>
+            </a:endParaRPr>
+          </a:p>
+        </p:txBody>
+      </p:sp>
+      <p:pic>
+        <p:nvPicPr>
+          <p:cNvPr id="10" name="그림 9"/>
+          <p:cNvPicPr>
+            <a:picLocks noChangeAspect="1"/>
+          </p:cNvPicPr>
+          <p:nvPr/>
+        </p:nvPicPr>
+        <p:blipFill>
+          <a:blip r:embed="rId5"/>
+          <a:stretch>
+            <a:fillRect/>
+          </a:stretch>
+        </p:blipFill>
+        <p:spPr>
+          <a:xfrm>
+            <a:off x="3710089" y="4410473"/>
+            <a:ext cx="4771822" cy="1261516"/>
+          </a:xfrm>
+          <a:prstGeom prst="rect">
+            <a:avLst/>
+          </a:prstGeom>
+        </p:spPr>
+      </p:pic>
     </p:spTree>
     <p:extLst>
       <p:ext uri="{BB962C8B-B14F-4D97-AF65-F5344CB8AC3E}">
-        <p14:creationId xmlns:p14="http://schemas.microsoft.com/office/powerpoint/2010/main" val="2761515851"/>
+        <p14:creationId xmlns:p14="http://schemas.microsoft.com/office/powerpoint/2010/main" val="1662618834"/>
       </p:ext>
     </p:extLst>
   </p:cSld>
@@ -22313,6 +18745,13 @@
       </p:transition>
     </mc:Fallback>
   </mc:AlternateContent>
+  <p:timing>
+    <p:tnLst>
+      <p:par>
+        <p:cTn id="1" dur="indefinite" restart="never" nodeType="tmRoot"/>
+      </p:par>
+    </p:tnLst>
+  </p:timing>
 </p:sld>
 </file>
 
@@ -22343,25 +18782,28 @@
             <p:ph type="title"/>
           </p:nvPr>
         </p:nvSpPr>
-        <p:spPr/>
+        <p:spPr>
+          <a:xfrm>
+            <a:off x="1295400" y="189471"/>
+            <a:ext cx="9601200" cy="608270"/>
+          </a:xfrm>
+        </p:spPr>
         <p:txBody>
           <a:bodyPr rtlCol="0"/>
           <a:lstStyle/>
           <a:p>
             <a:pPr rtl="0"/>
             <a:r>
-              <a:rPr lang="ko-KR" altLang="en-US" dirty="0" smtClean="0">
-                <a:latin typeface="맑은 고딕" panose="020B0503020000020004" pitchFamily="50" charset="-127"/>
-                <a:ea typeface="맑은 고딕" panose="020B0503020000020004" pitchFamily="50" charset="-127"/>
-              </a:rPr>
-              <a:t>슬라이드 제목 추가 </a:t>
-            </a:r>
-            <a:r>
-              <a:rPr lang="en-US" altLang="ko-KR" dirty="0" smtClean="0">
-                <a:latin typeface="맑은 고딕" panose="020B0503020000020004" pitchFamily="50" charset="-127"/>
-                <a:ea typeface="맑은 고딕" panose="020B0503020000020004" pitchFamily="50" charset="-127"/>
-              </a:rPr>
-              <a:t>- 1</a:t>
+              <a:rPr lang="en-US" altLang="ko-KR" dirty="0" smtClean="0"/>
+              <a:t>3</a:t>
+            </a:r>
+            <a:r>
+              <a:rPr lang="en-US" altLang="ko-KR" dirty="0" smtClean="0"/>
+              <a:t>.3 </a:t>
+            </a:r>
+            <a:r>
+              <a:rPr lang="ko-KR" altLang="en-US" dirty="0" smtClean="0"/>
+              <a:t>스텐실 버퍼를 이용한 이중 혼합 방지</a:t>
             </a:r>
             <a:endParaRPr lang="en-US" altLang="ko-KR" dirty="0">
               <a:latin typeface="맑은 고딕" panose="020B0503020000020004" pitchFamily="50" charset="-127"/>
@@ -22370,33 +18812,177 @@
           </a:p>
         </p:txBody>
       </p:sp>
+      <p:pic>
+        <p:nvPicPr>
+          <p:cNvPr id="3" name="그림 2"/>
+          <p:cNvPicPr>
+            <a:picLocks noChangeAspect="1"/>
+          </p:cNvPicPr>
+          <p:nvPr/>
+        </p:nvPicPr>
+        <p:blipFill>
+          <a:blip r:embed="rId3">
+            <a:extLst>
+              <a:ext uri="{28A0092B-C50C-407E-A947-70E740481C1C}">
+                <a14:useLocalDpi xmlns:a14="http://schemas.microsoft.com/office/drawing/2010/main" val="0"/>
+              </a:ext>
+            </a:extLst>
+          </a:blip>
+          <a:stretch>
+            <a:fillRect/>
+          </a:stretch>
+        </p:blipFill>
+        <p:spPr>
+          <a:xfrm>
+            <a:off x="1475874" y="986590"/>
+            <a:ext cx="9240252" cy="3465094"/>
+          </a:xfrm>
+          <a:prstGeom prst="rect">
+            <a:avLst/>
+          </a:prstGeom>
+        </p:spPr>
+      </p:pic>
       <p:sp>
         <p:nvSpPr>
-          <p:cNvPr id="3" name="텍스트 개체 틀 2"/>
-          <p:cNvSpPr>
-            <a:spLocks noGrp="1"/>
-          </p:cNvSpPr>
-          <p:nvPr>
-            <p:ph type="body" idx="1"/>
-          </p:nvPr>
+          <p:cNvPr id="11" name="TextBox 10"/>
+          <p:cNvSpPr txBox="1"/>
+          <p:nvPr/>
         </p:nvSpPr>
-        <p:spPr/>
+        <p:spPr>
+          <a:xfrm>
+            <a:off x="632632" y="5109764"/>
+            <a:ext cx="10926736" cy="707886"/>
+          </a:xfrm>
+          <a:prstGeom prst="rect">
+            <a:avLst/>
+          </a:prstGeom>
+          <a:noFill/>
+          <a:ln w="12700">
+            <a:noFill/>
+          </a:ln>
+        </p:spPr>
         <p:txBody>
-          <a:bodyPr rtlCol="0"/>
+          <a:bodyPr wrap="square" rtlCol="0">
+            <a:spAutoFit/>
+          </a:bodyPr>
           <a:lstStyle/>
           <a:p>
-            <a:pPr rtl="0"/>
-            <a:endParaRPr lang="ko-KR" altLang="en-US" dirty="0">
+            <a:pPr marL="342900" indent="-342900">
+              <a:buFontTx/>
+              <a:buChar char="-"/>
+            </a:pPr>
+            <a:r>
+              <a:rPr lang="ko-KR" altLang="en-US" sz="2000" dirty="0" smtClean="0">
+                <a:latin typeface="맑은 고딕" panose="020B0503020000020004" pitchFamily="50" charset="-127"/>
+                <a:ea typeface="맑은 고딕" panose="020B0503020000020004" pitchFamily="50" charset="-127"/>
+              </a:rPr>
+              <a:t>물체의 </a:t>
+            </a:r>
+            <a:r>
+              <a:rPr lang="ko-KR" altLang="en-US" sz="2000" dirty="0" err="1" smtClean="0">
+                <a:latin typeface="맑은 고딕" panose="020B0503020000020004" pitchFamily="50" charset="-127"/>
+                <a:ea typeface="맑은 고딕" panose="020B0503020000020004" pitchFamily="50" charset="-127"/>
+              </a:rPr>
+              <a:t>기하구조를</a:t>
+            </a:r>
+            <a:r>
+              <a:rPr lang="ko-KR" altLang="en-US" sz="2000" dirty="0" smtClean="0">
+                <a:latin typeface="맑은 고딕" panose="020B0503020000020004" pitchFamily="50" charset="-127"/>
+                <a:ea typeface="맑은 고딕" panose="020B0503020000020004" pitchFamily="50" charset="-127"/>
+              </a:rPr>
+              <a:t> 평면에 투영 시 둘 이상의 투영된 삼각형이 겹쳐질 수 있다</a:t>
+            </a:r>
+            <a:r>
+              <a:rPr lang="en-US" altLang="ko-KR" sz="2000" dirty="0" smtClean="0">
+                <a:latin typeface="맑은 고딕" panose="020B0503020000020004" pitchFamily="50" charset="-127"/>
+                <a:ea typeface="맑은 고딕" panose="020B0503020000020004" pitchFamily="50" charset="-127"/>
+              </a:rPr>
+              <a:t>.</a:t>
+            </a:r>
+          </a:p>
+          <a:p>
+            <a:pPr marL="342900" indent="-342900">
+              <a:buFontTx/>
+              <a:buChar char="-"/>
+            </a:pPr>
+            <a:r>
+              <a:rPr lang="ko-KR" altLang="en-US" sz="2000" dirty="0" smtClean="0">
+                <a:latin typeface="맑은 고딕" panose="020B0503020000020004" pitchFamily="50" charset="-127"/>
+                <a:ea typeface="맑은 고딕" panose="020B0503020000020004" pitchFamily="50" charset="-127"/>
+              </a:rPr>
+              <a:t>혼합을 이용해 그림자를 반투명하게 렌더링하면 여러 번 혼합되어서 더 어둡게 나타난다</a:t>
+            </a:r>
+            <a:r>
+              <a:rPr lang="en-US" altLang="ko-KR" sz="2000" dirty="0" smtClean="0">
+                <a:latin typeface="맑은 고딕" panose="020B0503020000020004" pitchFamily="50" charset="-127"/>
+                <a:ea typeface="맑은 고딕" panose="020B0503020000020004" pitchFamily="50" charset="-127"/>
+              </a:rPr>
+              <a:t>.</a:t>
+            </a:r>
+            <a:r>
+              <a:rPr lang="ko-KR" altLang="en-US" sz="2000" dirty="0" smtClean="0">
+                <a:latin typeface="맑은 고딕" panose="020B0503020000020004" pitchFamily="50" charset="-127"/>
+                <a:ea typeface="맑은 고딕" panose="020B0503020000020004" pitchFamily="50" charset="-127"/>
+              </a:rPr>
+              <a:t> </a:t>
+            </a:r>
+            <a:endParaRPr lang="en-US" altLang="ko-KR" sz="2000" dirty="0" smtClean="0">
               <a:latin typeface="맑은 고딕" panose="020B0503020000020004" pitchFamily="50" charset="-127"/>
               <a:ea typeface="맑은 고딕" panose="020B0503020000020004" pitchFamily="50" charset="-127"/>
             </a:endParaRPr>
+          </a:p>
+        </p:txBody>
+      </p:sp>
+      <p:sp>
+        <p:nvSpPr>
+          <p:cNvPr id="8" name="타원 7"/>
+          <p:cNvSpPr/>
+          <p:nvPr/>
+        </p:nvSpPr>
+        <p:spPr>
+          <a:xfrm>
+            <a:off x="3212433" y="2610854"/>
+            <a:ext cx="1648326" cy="1648326"/>
+          </a:xfrm>
+          <a:prstGeom prst="ellipse">
+            <a:avLst/>
+          </a:prstGeom>
+          <a:noFill/>
+          <a:ln w="28575">
+            <a:solidFill>
+              <a:srgbClr val="FF0000"/>
+            </a:solidFill>
+          </a:ln>
+        </p:spPr>
+        <p:style>
+          <a:lnRef idx="2">
+            <a:schemeClr val="accent1">
+              <a:shade val="50000"/>
+            </a:schemeClr>
+          </a:lnRef>
+          <a:fillRef idx="1">
+            <a:schemeClr val="accent1"/>
+          </a:fillRef>
+          <a:effectRef idx="0">
+            <a:schemeClr val="accent1"/>
+          </a:effectRef>
+          <a:fontRef idx="minor">
+            <a:schemeClr val="lt1"/>
+          </a:fontRef>
+        </p:style>
+        <p:txBody>
+          <a:bodyPr rtlCol="0" anchor="ctr"/>
+          <a:lstStyle/>
+          <a:p>
+            <a:pPr algn="ctr"/>
+            <a:endParaRPr lang="ko-KR" altLang="en-US"/>
           </a:p>
         </p:txBody>
       </p:sp>
     </p:spTree>
     <p:extLst>
       <p:ext uri="{BB962C8B-B14F-4D97-AF65-F5344CB8AC3E}">
-        <p14:creationId xmlns:p14="http://schemas.microsoft.com/office/powerpoint/2010/main" val="2362296366"/>
+        <p14:creationId xmlns:p14="http://schemas.microsoft.com/office/powerpoint/2010/main" val="2201871425"/>
       </p:ext>
     </p:extLst>
   </p:cSld>
@@ -22415,537 +19001,13 @@
       </p:transition>
     </mc:Fallback>
   </mc:AlternateContent>
-</p:sld>
-</file>
-
-<file path=ppt/slides/slide13.xml><?xml version="1.0" encoding="utf-8"?>
-<p:sld xmlns:a="http://schemas.openxmlformats.org/drawingml/2006/main" xmlns:r="http://schemas.openxmlformats.org/officeDocument/2006/relationships" xmlns:p="http://schemas.openxmlformats.org/presentationml/2006/main">
-  <p:cSld>
-    <p:spTree>
-      <p:nvGrpSpPr>
-        <p:cNvPr id="1" name=""/>
-        <p:cNvGrpSpPr/>
-        <p:nvPr/>
-      </p:nvGrpSpPr>
-      <p:grpSpPr>
-        <a:xfrm>
-          <a:off x="0" y="0"/>
-          <a:ext cx="0" cy="0"/>
-          <a:chOff x="0" y="0"/>
-          <a:chExt cx="0" cy="0"/>
-        </a:xfrm>
-      </p:grpSpPr>
-      <p:sp>
-        <p:nvSpPr>
-          <p:cNvPr id="2" name="제목 1"/>
-          <p:cNvSpPr>
-            <a:spLocks noGrp="1"/>
-          </p:cNvSpPr>
-          <p:nvPr>
-            <p:ph type="title"/>
-          </p:nvPr>
-        </p:nvSpPr>
-        <p:spPr/>
-        <p:txBody>
-          <a:bodyPr rtlCol="0"/>
-          <a:lstStyle/>
-          <a:p>
-            <a:pPr rtl="0"/>
-            <a:r>
-              <a:rPr lang="ko-KR" altLang="en-US" dirty="0" smtClean="0">
-                <a:latin typeface="맑은 고딕" panose="020B0503020000020004" pitchFamily="50" charset="-127"/>
-                <a:ea typeface="맑은 고딕" panose="020B0503020000020004" pitchFamily="50" charset="-127"/>
-              </a:rPr>
-              <a:t>슬라이드 제목 추가 </a:t>
-            </a:r>
-            <a:r>
-              <a:rPr lang="en-US" altLang="ko-KR" dirty="0" smtClean="0">
-                <a:latin typeface="맑은 고딕" panose="020B0503020000020004" pitchFamily="50" charset="-127"/>
-                <a:ea typeface="맑은 고딕" panose="020B0503020000020004" pitchFamily="50" charset="-127"/>
-              </a:rPr>
-              <a:t>- 2</a:t>
-            </a:r>
-            <a:endParaRPr lang="en-US" altLang="ko-KR" dirty="0">
-              <a:latin typeface="맑은 고딕" panose="020B0503020000020004" pitchFamily="50" charset="-127"/>
-              <a:ea typeface="맑은 고딕" panose="020B0503020000020004" pitchFamily="50" charset="-127"/>
-            </a:endParaRPr>
-          </a:p>
-        </p:txBody>
-      </p:sp>
-      <p:sp>
-        <p:nvSpPr>
-          <p:cNvPr id="3" name="텍스트 개체 틀 2"/>
-          <p:cNvSpPr>
-            <a:spLocks noGrp="1"/>
-          </p:cNvSpPr>
-          <p:nvPr>
-            <p:ph type="body" idx="1"/>
-          </p:nvPr>
-        </p:nvSpPr>
-        <p:spPr/>
-        <p:txBody>
-          <a:bodyPr rtlCol="0"/>
-          <a:lstStyle/>
-          <a:p>
-            <a:pPr rtl="0"/>
-            <a:endParaRPr lang="ko-KR" altLang="en-US" dirty="0">
-              <a:latin typeface="맑은 고딕" panose="020B0503020000020004" pitchFamily="50" charset="-127"/>
-              <a:ea typeface="맑은 고딕" panose="020B0503020000020004" pitchFamily="50" charset="-127"/>
-            </a:endParaRPr>
-          </a:p>
-        </p:txBody>
-      </p:sp>
-      <p:sp>
-        <p:nvSpPr>
-          <p:cNvPr id="4" name="내용 개체 틀 3"/>
-          <p:cNvSpPr>
-            <a:spLocks noGrp="1"/>
-          </p:cNvSpPr>
-          <p:nvPr>
-            <p:ph sz="half" idx="2"/>
-          </p:nvPr>
-        </p:nvSpPr>
-        <p:spPr/>
-        <p:txBody>
-          <a:bodyPr rtlCol="0"/>
-          <a:lstStyle/>
-          <a:p>
-            <a:pPr rtl="0"/>
-            <a:endParaRPr lang="ko-KR" altLang="en-US" dirty="0">
-              <a:latin typeface="맑은 고딕" panose="020B0503020000020004" pitchFamily="50" charset="-127"/>
-              <a:ea typeface="맑은 고딕" panose="020B0503020000020004" pitchFamily="50" charset="-127"/>
-            </a:endParaRPr>
-          </a:p>
-        </p:txBody>
-      </p:sp>
-      <p:sp>
-        <p:nvSpPr>
-          <p:cNvPr id="5" name="텍스트 개체 틀 4"/>
-          <p:cNvSpPr>
-            <a:spLocks noGrp="1"/>
-          </p:cNvSpPr>
-          <p:nvPr>
-            <p:ph type="body" sz="quarter" idx="3"/>
-          </p:nvPr>
-        </p:nvSpPr>
-        <p:spPr/>
-        <p:txBody>
-          <a:bodyPr rtlCol="0"/>
-          <a:lstStyle/>
-          <a:p>
-            <a:pPr rtl="0"/>
-            <a:endParaRPr lang="ko-KR" altLang="en-US" dirty="0">
-              <a:latin typeface="맑은 고딕" panose="020B0503020000020004" pitchFamily="50" charset="-127"/>
-              <a:ea typeface="맑은 고딕" panose="020B0503020000020004" pitchFamily="50" charset="-127"/>
-            </a:endParaRPr>
-          </a:p>
-        </p:txBody>
-      </p:sp>
-      <p:sp>
-        <p:nvSpPr>
-          <p:cNvPr id="6" name="내용 개체 틀 5"/>
-          <p:cNvSpPr>
-            <a:spLocks noGrp="1"/>
-          </p:cNvSpPr>
-          <p:nvPr>
-            <p:ph sz="quarter" idx="4"/>
-          </p:nvPr>
-        </p:nvSpPr>
-        <p:spPr/>
-        <p:txBody>
-          <a:bodyPr rtlCol="0"/>
-          <a:lstStyle/>
-          <a:p>
-            <a:pPr rtl="0"/>
-            <a:endParaRPr lang="ko-KR" altLang="en-US" dirty="0">
-              <a:latin typeface="맑은 고딕" panose="020B0503020000020004" pitchFamily="50" charset="-127"/>
-              <a:ea typeface="맑은 고딕" panose="020B0503020000020004" pitchFamily="50" charset="-127"/>
-            </a:endParaRPr>
-          </a:p>
-        </p:txBody>
-      </p:sp>
-    </p:spTree>
-    <p:extLst>
-      <p:ext uri="{BB962C8B-B14F-4D97-AF65-F5344CB8AC3E}">
-        <p14:creationId xmlns:p14="http://schemas.microsoft.com/office/powerpoint/2010/main" val="3562943904"/>
-      </p:ext>
-    </p:extLst>
-  </p:cSld>
-  <p:clrMapOvr>
-    <a:masterClrMapping/>
-  </p:clrMapOvr>
-  <mc:AlternateContent xmlns:mc="http://schemas.openxmlformats.org/markup-compatibility/2006" xmlns:p14="http://schemas.microsoft.com/office/powerpoint/2010/main">
-    <mc:Choice Requires="p14">
-      <p:transition spd="med" p14:dur="700">
-        <p:fade/>
-      </p:transition>
-    </mc:Choice>
-    <mc:Fallback xmlns="">
-      <p:transition spd="med">
-        <p:fade/>
-      </p:transition>
-    </mc:Fallback>
-  </mc:AlternateContent>
-</p:sld>
-</file>
-
-<file path=ppt/slides/slide14.xml><?xml version="1.0" encoding="utf-8"?>
-<p:sld xmlns:a="http://schemas.openxmlformats.org/drawingml/2006/main" xmlns:r="http://schemas.openxmlformats.org/officeDocument/2006/relationships" xmlns:p="http://schemas.openxmlformats.org/presentationml/2006/main">
-  <p:cSld>
-    <p:spTree>
-      <p:nvGrpSpPr>
-        <p:cNvPr id="1" name=""/>
-        <p:cNvGrpSpPr/>
-        <p:nvPr/>
-      </p:nvGrpSpPr>
-      <p:grpSpPr>
-        <a:xfrm>
-          <a:off x="0" y="0"/>
-          <a:ext cx="0" cy="0"/>
-          <a:chOff x="0" y="0"/>
-          <a:chExt cx="0" cy="0"/>
-        </a:xfrm>
-      </p:grpSpPr>
-      <p:sp>
-        <p:nvSpPr>
-          <p:cNvPr id="2" name="제목 1"/>
-          <p:cNvSpPr>
-            <a:spLocks noGrp="1"/>
-          </p:cNvSpPr>
-          <p:nvPr>
-            <p:ph type="title"/>
-          </p:nvPr>
-        </p:nvSpPr>
-        <p:spPr/>
-        <p:txBody>
-          <a:bodyPr rtlCol="0"/>
-          <a:lstStyle/>
-          <a:p>
-            <a:pPr rtl="0"/>
-            <a:r>
-              <a:rPr lang="ko-KR" altLang="en-US" dirty="0" smtClean="0">
-                <a:latin typeface="맑은 고딕" panose="020B0503020000020004" pitchFamily="50" charset="-127"/>
-                <a:ea typeface="맑은 고딕" panose="020B0503020000020004" pitchFamily="50" charset="-127"/>
-              </a:rPr>
-              <a:t>슬라이드 제목 추가 </a:t>
-            </a:r>
-            <a:r>
-              <a:rPr lang="en-US" altLang="ko-KR" dirty="0" smtClean="0">
-                <a:latin typeface="맑은 고딕" panose="020B0503020000020004" pitchFamily="50" charset="-127"/>
-                <a:ea typeface="맑은 고딕" panose="020B0503020000020004" pitchFamily="50" charset="-127"/>
-              </a:rPr>
-              <a:t>- 3</a:t>
-            </a:r>
-            <a:endParaRPr lang="en-US" altLang="ko-KR" dirty="0">
-              <a:latin typeface="맑은 고딕" panose="020B0503020000020004" pitchFamily="50" charset="-127"/>
-              <a:ea typeface="맑은 고딕" panose="020B0503020000020004" pitchFamily="50" charset="-127"/>
-            </a:endParaRPr>
-          </a:p>
-        </p:txBody>
-      </p:sp>
-    </p:spTree>
-    <p:extLst>
-      <p:ext uri="{BB962C8B-B14F-4D97-AF65-F5344CB8AC3E}">
-        <p14:creationId xmlns:p14="http://schemas.microsoft.com/office/powerpoint/2010/main" val="452733939"/>
-      </p:ext>
-    </p:extLst>
-  </p:cSld>
-  <p:clrMapOvr>
-    <a:masterClrMapping/>
-  </p:clrMapOvr>
-  <mc:AlternateContent xmlns:mc="http://schemas.openxmlformats.org/markup-compatibility/2006" xmlns:p14="http://schemas.microsoft.com/office/powerpoint/2010/main">
-    <mc:Choice Requires="p14">
-      <p:transition spd="med" p14:dur="700">
-        <p:fade/>
-      </p:transition>
-    </mc:Choice>
-    <mc:Fallback xmlns="">
-      <p:transition spd="med">
-        <p:fade/>
-      </p:transition>
-    </mc:Fallback>
-  </mc:AlternateContent>
-</p:sld>
-</file>
-
-<file path=ppt/slides/slide15.xml><?xml version="1.0" encoding="utf-8"?>
-<p:sld xmlns:a="http://schemas.openxmlformats.org/drawingml/2006/main" xmlns:r="http://schemas.openxmlformats.org/officeDocument/2006/relationships" xmlns:p="http://schemas.openxmlformats.org/presentationml/2006/main">
-  <p:cSld>
-    <p:spTree>
-      <p:nvGrpSpPr>
-        <p:cNvPr id="1" name=""/>
-        <p:cNvGrpSpPr/>
-        <p:nvPr/>
-      </p:nvGrpSpPr>
-      <p:grpSpPr>
-        <a:xfrm>
-          <a:off x="0" y="0"/>
-          <a:ext cx="0" cy="0"/>
-          <a:chOff x="0" y="0"/>
-          <a:chExt cx="0" cy="0"/>
-        </a:xfrm>
-      </p:grpSpPr>
-    </p:spTree>
-    <p:extLst>
-      <p:ext uri="{BB962C8B-B14F-4D97-AF65-F5344CB8AC3E}">
-        <p14:creationId xmlns:p14="http://schemas.microsoft.com/office/powerpoint/2010/main" val="1544302913"/>
-      </p:ext>
-    </p:extLst>
-  </p:cSld>
-  <p:clrMapOvr>
-    <a:masterClrMapping/>
-  </p:clrMapOvr>
-  <mc:AlternateContent xmlns:mc="http://schemas.openxmlformats.org/markup-compatibility/2006" xmlns:p14="http://schemas.microsoft.com/office/powerpoint/2010/main">
-    <mc:Choice Requires="p14">
-      <p:transition spd="med" p14:dur="700">
-        <p:fade/>
-      </p:transition>
-    </mc:Choice>
-    <mc:Fallback xmlns="">
-      <p:transition spd="med">
-        <p:fade/>
-      </p:transition>
-    </mc:Fallback>
-  </mc:AlternateContent>
-</p:sld>
-</file>
-
-<file path=ppt/slides/slide16.xml><?xml version="1.0" encoding="utf-8"?>
-<p:sld xmlns:a="http://schemas.openxmlformats.org/drawingml/2006/main" xmlns:r="http://schemas.openxmlformats.org/officeDocument/2006/relationships" xmlns:p="http://schemas.openxmlformats.org/presentationml/2006/main">
-  <p:cSld>
-    <p:spTree>
-      <p:nvGrpSpPr>
-        <p:cNvPr id="1" name=""/>
-        <p:cNvGrpSpPr/>
-        <p:nvPr/>
-      </p:nvGrpSpPr>
-      <p:grpSpPr>
-        <a:xfrm>
-          <a:off x="0" y="0"/>
-          <a:ext cx="0" cy="0"/>
-          <a:chOff x="0" y="0"/>
-          <a:chExt cx="0" cy="0"/>
-        </a:xfrm>
-      </p:grpSpPr>
-      <p:sp>
-        <p:nvSpPr>
-          <p:cNvPr id="2" name="제목 1"/>
-          <p:cNvSpPr>
-            <a:spLocks noGrp="1"/>
-          </p:cNvSpPr>
-          <p:nvPr>
-            <p:ph type="title"/>
-          </p:nvPr>
-        </p:nvSpPr>
-        <p:spPr/>
-        <p:txBody>
-          <a:bodyPr rtlCol="0"/>
-          <a:lstStyle/>
-          <a:p>
-            <a:pPr rtl="0"/>
-            <a:r>
-              <a:rPr lang="ko-KR" altLang="en-US" dirty="0" smtClean="0">
-                <a:latin typeface="맑은 고딕" panose="020B0503020000020004" pitchFamily="50" charset="-127"/>
-                <a:ea typeface="맑은 고딕" panose="020B0503020000020004" pitchFamily="50" charset="-127"/>
-              </a:rPr>
-              <a:t>슬라이드 제목 추가 </a:t>
-            </a:r>
-            <a:r>
-              <a:rPr lang="en-US" altLang="ko-KR" dirty="0" smtClean="0">
-                <a:latin typeface="맑은 고딕" panose="020B0503020000020004" pitchFamily="50" charset="-127"/>
-                <a:ea typeface="맑은 고딕" panose="020B0503020000020004" pitchFamily="50" charset="-127"/>
-              </a:rPr>
-              <a:t>- 4</a:t>
-            </a:r>
-            <a:endParaRPr lang="en-US" altLang="ko-KR" dirty="0">
-              <a:latin typeface="맑은 고딕" panose="020B0503020000020004" pitchFamily="50" charset="-127"/>
-              <a:ea typeface="맑은 고딕" panose="020B0503020000020004" pitchFamily="50" charset="-127"/>
-            </a:endParaRPr>
-          </a:p>
-        </p:txBody>
-      </p:sp>
-      <p:sp>
-        <p:nvSpPr>
-          <p:cNvPr id="5" name="내용 개체 틀 4"/>
-          <p:cNvSpPr>
-            <a:spLocks noGrp="1"/>
-          </p:cNvSpPr>
-          <p:nvPr>
-            <p:ph idx="1"/>
-          </p:nvPr>
-        </p:nvSpPr>
-        <p:spPr/>
-        <p:txBody>
-          <a:bodyPr rtlCol="0"/>
-          <a:lstStyle/>
-          <a:p>
-            <a:pPr rtl="0"/>
-            <a:endParaRPr lang="ko-KR" altLang="en-US" dirty="0">
-              <a:latin typeface="맑은 고딕" panose="020B0503020000020004" pitchFamily="50" charset="-127"/>
-              <a:ea typeface="맑은 고딕" panose="020B0503020000020004" pitchFamily="50" charset="-127"/>
-            </a:endParaRPr>
-          </a:p>
-        </p:txBody>
-      </p:sp>
-      <p:sp>
-        <p:nvSpPr>
-          <p:cNvPr id="6" name="텍스트 개체 틀 5"/>
-          <p:cNvSpPr>
-            <a:spLocks noGrp="1"/>
-          </p:cNvSpPr>
-          <p:nvPr>
-            <p:ph type="body" sz="half" idx="2"/>
-          </p:nvPr>
-        </p:nvSpPr>
-        <p:spPr/>
-        <p:txBody>
-          <a:bodyPr rtlCol="0"/>
-          <a:lstStyle/>
-          <a:p>
-            <a:pPr rtl="0"/>
-            <a:endParaRPr lang="ko-KR" altLang="en-US" dirty="0">
-              <a:latin typeface="맑은 고딕" panose="020B0503020000020004" pitchFamily="50" charset="-127"/>
-              <a:ea typeface="맑은 고딕" panose="020B0503020000020004" pitchFamily="50" charset="-127"/>
-            </a:endParaRPr>
-          </a:p>
-        </p:txBody>
-      </p:sp>
-    </p:spTree>
-    <p:extLst>
-      <p:ext uri="{BB962C8B-B14F-4D97-AF65-F5344CB8AC3E}">
-        <p14:creationId xmlns:p14="http://schemas.microsoft.com/office/powerpoint/2010/main" val="4101607575"/>
-      </p:ext>
-    </p:extLst>
-  </p:cSld>
-  <p:clrMapOvr>
-    <a:masterClrMapping/>
-  </p:clrMapOvr>
-  <mc:AlternateContent xmlns:mc="http://schemas.openxmlformats.org/markup-compatibility/2006" xmlns:p14="http://schemas.microsoft.com/office/powerpoint/2010/main">
-    <mc:Choice Requires="p14">
-      <p:transition spd="med" p14:dur="700">
-        <p:fade/>
-      </p:transition>
-    </mc:Choice>
-    <mc:Fallback xmlns="">
-      <p:transition spd="med">
-        <p:fade/>
-      </p:transition>
-    </mc:Fallback>
-  </mc:AlternateContent>
-</p:sld>
-</file>
-
-<file path=ppt/slides/slide17.xml><?xml version="1.0" encoding="utf-8"?>
-<p:sld xmlns:a="http://schemas.openxmlformats.org/drawingml/2006/main" xmlns:r="http://schemas.openxmlformats.org/officeDocument/2006/relationships" xmlns:p="http://schemas.openxmlformats.org/presentationml/2006/main">
-  <p:cSld>
-    <p:spTree>
-      <p:nvGrpSpPr>
-        <p:cNvPr id="1" name=""/>
-        <p:cNvGrpSpPr/>
-        <p:nvPr/>
-      </p:nvGrpSpPr>
-      <p:grpSpPr>
-        <a:xfrm>
-          <a:off x="0" y="0"/>
-          <a:ext cx="0" cy="0"/>
-          <a:chOff x="0" y="0"/>
-          <a:chExt cx="0" cy="0"/>
-        </a:xfrm>
-      </p:grpSpPr>
-      <p:sp>
-        <p:nvSpPr>
-          <p:cNvPr id="3" name="제목 2"/>
-          <p:cNvSpPr>
-            <a:spLocks noGrp="1"/>
-          </p:cNvSpPr>
-          <p:nvPr>
-            <p:ph type="title"/>
-          </p:nvPr>
-        </p:nvSpPr>
-        <p:spPr/>
-        <p:txBody>
-          <a:bodyPr rtlCol="0"/>
-          <a:lstStyle/>
-          <a:p>
-            <a:pPr rtl="0"/>
-            <a:r>
-              <a:rPr lang="ko-KR" altLang="en-US" dirty="0" smtClean="0">
-                <a:latin typeface="맑은 고딕" panose="020B0503020000020004" pitchFamily="50" charset="-127"/>
-                <a:ea typeface="맑은 고딕" panose="020B0503020000020004" pitchFamily="50" charset="-127"/>
-              </a:rPr>
-              <a:t>슬라이드 제목 추가 </a:t>
-            </a:r>
-            <a:r>
-              <a:rPr lang="en-US" altLang="ko-KR" dirty="0" smtClean="0">
-                <a:latin typeface="맑은 고딕" panose="020B0503020000020004" pitchFamily="50" charset="-127"/>
-                <a:ea typeface="맑은 고딕" panose="020B0503020000020004" pitchFamily="50" charset="-127"/>
-              </a:rPr>
-              <a:t>- 5</a:t>
-            </a:r>
-            <a:endParaRPr lang="en-US" altLang="ko-KR" dirty="0">
-              <a:latin typeface="맑은 고딕" panose="020B0503020000020004" pitchFamily="50" charset="-127"/>
-              <a:ea typeface="맑은 고딕" panose="020B0503020000020004" pitchFamily="50" charset="-127"/>
-            </a:endParaRPr>
-          </a:p>
-        </p:txBody>
-      </p:sp>
-      <p:sp>
-        <p:nvSpPr>
-          <p:cNvPr id="5" name="그림 개체 틀 4"/>
-          <p:cNvSpPr>
-            <a:spLocks noGrp="1"/>
-          </p:cNvSpPr>
-          <p:nvPr>
-            <p:ph type="pic" idx="1"/>
-          </p:nvPr>
-        </p:nvSpPr>
-        <p:spPr/>
-      </p:sp>
-      <p:sp>
-        <p:nvSpPr>
-          <p:cNvPr id="6" name="텍스트 개체 틀 5"/>
-          <p:cNvSpPr>
-            <a:spLocks noGrp="1"/>
-          </p:cNvSpPr>
-          <p:nvPr>
-            <p:ph type="body" sz="half" idx="2"/>
-          </p:nvPr>
-        </p:nvSpPr>
-        <p:spPr/>
-        <p:txBody>
-          <a:bodyPr rtlCol="0"/>
-          <a:lstStyle/>
-          <a:p>
-            <a:pPr rtl="0"/>
-            <a:endParaRPr lang="ko-KR" altLang="en-US" dirty="0">
-              <a:latin typeface="맑은 고딕" panose="020B0503020000020004" pitchFamily="50" charset="-127"/>
-              <a:ea typeface="맑은 고딕" panose="020B0503020000020004" pitchFamily="50" charset="-127"/>
-            </a:endParaRPr>
-          </a:p>
-        </p:txBody>
-      </p:sp>
-    </p:spTree>
-    <p:extLst>
-      <p:ext uri="{BB962C8B-B14F-4D97-AF65-F5344CB8AC3E}">
-        <p14:creationId xmlns:p14="http://schemas.microsoft.com/office/powerpoint/2010/main" val="2794409471"/>
-      </p:ext>
-    </p:extLst>
-  </p:cSld>
-  <p:clrMapOvr>
-    <a:masterClrMapping/>
-  </p:clrMapOvr>
-  <mc:AlternateContent xmlns:mc="http://schemas.openxmlformats.org/markup-compatibility/2006" xmlns:p14="http://schemas.microsoft.com/office/powerpoint/2010/main">
-    <mc:Choice Requires="p14">
-      <p:transition spd="med" p14:dur="700">
-        <p:fade/>
-      </p:transition>
-    </mc:Choice>
-    <mc:Fallback xmlns="">
-      <p:transition spd="med">
-        <p:fade/>
-      </p:transition>
-    </mc:Fallback>
-  </mc:AlternateContent>
+  <p:timing>
+    <p:tnLst>
+      <p:par>
+        <p:cTn id="1" dur="indefinite" restart="never" nodeType="tmRoot"/>
+      </p:par>
+    </p:tnLst>
+  </p:timing>
 </p:sld>
 </file>
 
@@ -24282,14 +20344,7 @@
                 <a:latin typeface="맑은 고딕" panose="020B0503020000020004" pitchFamily="50" charset="-127"/>
                 <a:ea typeface="맑은 고딕" panose="020B0503020000020004" pitchFamily="50" charset="-127"/>
               </a:rPr>
-              <a:t>픽셀을 기</a:t>
-            </a:r>
-            <a:r>
-              <a:rPr lang="ko-KR" altLang="en-US" sz="2000" smtClean="0">
-                <a:latin typeface="맑은 고딕" panose="020B0503020000020004" pitchFamily="50" charset="-127"/>
-                <a:ea typeface="맑은 고딕" panose="020B0503020000020004" pitchFamily="50" charset="-127"/>
-              </a:rPr>
-              <a:t>각</a:t>
+              <a:t>픽셀을 기각</a:t>
             </a:r>
             <a:r>
               <a:rPr lang="en-US" altLang="ko-KR" sz="2000" smtClean="0">
@@ -24704,14 +20759,28 @@
               <a:buChar char="-"/>
             </a:pPr>
             <a:r>
-              <a:rPr lang="ko-KR" altLang="en-US" sz="2000" smtClean="0">
-                <a:latin typeface="맑은 고딕" panose="020B0503020000020004" pitchFamily="50" charset="-127"/>
-                <a:ea typeface="맑은 고딕" panose="020B0503020000020004" pitchFamily="50" charset="-127"/>
-              </a:rPr>
-              <a:t>거울을 제대로 구현하려면 반사상이 오직 거울을 통해서만 보여야 한다</a:t>
-            </a:r>
-            <a:r>
-              <a:rPr lang="en-US" altLang="ko-KR" sz="2000" smtClean="0">
+              <a:rPr lang="ko-KR" altLang="en-US" sz="2000" dirty="0" smtClean="0">
+                <a:latin typeface="맑은 고딕" panose="020B0503020000020004" pitchFamily="50" charset="-127"/>
+                <a:ea typeface="맑은 고딕" panose="020B0503020000020004" pitchFamily="50" charset="-127"/>
+              </a:rPr>
+              <a:t>거울을 제대로 구현하려면 </a:t>
+            </a:r>
+            <a:r>
+              <a:rPr lang="ko-KR" altLang="en-US" sz="2000" dirty="0" err="1" smtClean="0">
+                <a:latin typeface="맑은 고딕" panose="020B0503020000020004" pitchFamily="50" charset="-127"/>
+                <a:ea typeface="맑은 고딕" panose="020B0503020000020004" pitchFamily="50" charset="-127"/>
+              </a:rPr>
+              <a:t>반사상이</a:t>
+            </a:r>
+            <a:r>
+              <a:rPr lang="ko-KR" altLang="en-US" sz="2000" dirty="0" smtClean="0">
+                <a:latin typeface="맑은 고딕" panose="020B0503020000020004" pitchFamily="50" charset="-127"/>
+                <a:ea typeface="맑은 고딕" panose="020B0503020000020004" pitchFamily="50" charset="-127"/>
+              </a:rPr>
+              <a:t> 오직 거울을 통해서만 보여야 한다</a:t>
+            </a:r>
+            <a:r>
+              <a:rPr lang="en-US" altLang="ko-KR" sz="2000" dirty="0" smtClean="0">
                 <a:latin typeface="맑은 고딕" panose="020B0503020000020004" pitchFamily="50" charset="-127"/>
                 <a:ea typeface="맑은 고딕" panose="020B0503020000020004" pitchFamily="50" charset="-127"/>
               </a:rPr>
@@ -24724,14 +20793,14 @@
               <a:buChar char="-"/>
             </a:pPr>
             <a:r>
-              <a:rPr lang="ko-KR" altLang="en-US" sz="2000" smtClean="0">
+              <a:rPr lang="ko-KR" altLang="en-US" sz="2000" dirty="0" smtClean="0">
                 <a:latin typeface="맑은 고딕" panose="020B0503020000020004" pitchFamily="50" charset="-127"/>
                 <a:ea typeface="맑은 고딕" panose="020B0503020000020004" pitchFamily="50" charset="-127"/>
               </a:rPr>
               <a:t>이 문제는 스텐실 버퍼를 이용해서 해결가능하다</a:t>
             </a:r>
             <a:r>
-              <a:rPr lang="en-US" altLang="ko-KR" sz="2000" smtClean="0">
+              <a:rPr lang="en-US" altLang="ko-KR" sz="2000" dirty="0" smtClean="0">
                 <a:latin typeface="맑은 고딕" panose="020B0503020000020004" pitchFamily="50" charset="-127"/>
                 <a:ea typeface="맑은 고딕" panose="020B0503020000020004" pitchFamily="50" charset="-127"/>
               </a:rPr>
@@ -24743,61 +20812,61 @@
               <a:buFontTx/>
               <a:buChar char="-"/>
             </a:pPr>
-            <a:endParaRPr lang="en-US" altLang="ko-KR" sz="2000">
+            <a:endParaRPr lang="en-US" altLang="ko-KR" sz="2000" dirty="0">
               <a:latin typeface="맑은 고딕" panose="020B0503020000020004" pitchFamily="50" charset="-127"/>
               <a:ea typeface="맑은 고딕" panose="020B0503020000020004" pitchFamily="50" charset="-127"/>
             </a:endParaRPr>
           </a:p>
           <a:p>
             <a:r>
-              <a:rPr lang="en-US" altLang="ko-KR" sz="2000" smtClean="0">
+              <a:rPr lang="en-US" altLang="ko-KR" sz="2000" dirty="0" smtClean="0">
                 <a:latin typeface="맑은 고딕" panose="020B0503020000020004" pitchFamily="50" charset="-127"/>
                 <a:ea typeface="맑은 고딕" panose="020B0503020000020004" pitchFamily="50" charset="-127"/>
               </a:rPr>
               <a:t>※  </a:t>
             </a:r>
             <a:r>
-              <a:rPr lang="ko-KR" altLang="en-US" sz="2000" smtClean="0">
+              <a:rPr lang="ko-KR" altLang="en-US" sz="2000" dirty="0" smtClean="0">
                 <a:latin typeface="맑은 고딕" panose="020B0503020000020004" pitchFamily="50" charset="-127"/>
                 <a:ea typeface="맑은 고딕" panose="020B0503020000020004" pitchFamily="50" charset="-127"/>
               </a:rPr>
               <a:t>반사된 두개골의 픽셀 중 거울 표면 영역 바깥에 있는 픽셀들은 스텐실 버퍼를</a:t>
             </a:r>
             <a:r>
-              <a:rPr lang="en-US" altLang="ko-KR" sz="2000">
+              <a:rPr lang="en-US" altLang="ko-KR" sz="2000" dirty="0">
                 <a:latin typeface="맑은 고딕" panose="020B0503020000020004" pitchFamily="50" charset="-127"/>
                 <a:ea typeface="맑은 고딕" panose="020B0503020000020004" pitchFamily="50" charset="-127"/>
               </a:rPr>
               <a:t/>
             </a:r>
             <a:br>
-              <a:rPr lang="en-US" altLang="ko-KR" sz="2000">
+              <a:rPr lang="en-US" altLang="ko-KR" sz="2000" dirty="0">
                 <a:latin typeface="맑은 고딕" panose="020B0503020000020004" pitchFamily="50" charset="-127"/>
                 <a:ea typeface="맑은 고딕" panose="020B0503020000020004" pitchFamily="50" charset="-127"/>
               </a:rPr>
             </a:br>
             <a:r>
-              <a:rPr lang="en-US" altLang="ko-KR" sz="2000" smtClean="0">
+              <a:rPr lang="en-US" altLang="ko-KR" sz="2000" dirty="0" smtClean="0">
                 <a:latin typeface="맑은 고딕" panose="020B0503020000020004" pitchFamily="50" charset="-127"/>
                 <a:ea typeface="맑은 고딕" panose="020B0503020000020004" pitchFamily="50" charset="-127"/>
               </a:rPr>
               <a:t>    </a:t>
             </a:r>
             <a:r>
-              <a:rPr lang="ko-KR" altLang="en-US" sz="2000" smtClean="0">
+              <a:rPr lang="ko-KR" altLang="en-US" sz="2000" dirty="0" smtClean="0">
                 <a:latin typeface="맑은 고딕" panose="020B0503020000020004" pitchFamily="50" charset="-127"/>
                 <a:ea typeface="맑은 고딕" panose="020B0503020000020004" pitchFamily="50" charset="-127"/>
               </a:rPr>
               <a:t>통해서 폐기하면 된다</a:t>
             </a:r>
             <a:r>
-              <a:rPr lang="en-US" altLang="ko-KR" sz="2000" smtClean="0">
+              <a:rPr lang="en-US" altLang="ko-KR" sz="2000" dirty="0" smtClean="0">
                 <a:latin typeface="맑은 고딕" panose="020B0503020000020004" pitchFamily="50" charset="-127"/>
                 <a:ea typeface="맑은 고딕" panose="020B0503020000020004" pitchFamily="50" charset="-127"/>
               </a:rPr>
               <a:t>.</a:t>
             </a:r>
-            <a:endParaRPr lang="en-US" altLang="ko-KR" sz="2000">
+            <a:endParaRPr lang="en-US" altLang="ko-KR" sz="2000" dirty="0">
               <a:latin typeface="맑은 고딕" panose="020B0503020000020004" pitchFamily="50" charset="-127"/>
               <a:ea typeface="맑은 고딕" panose="020B0503020000020004" pitchFamily="50" charset="-127"/>
             </a:endParaRPr>
@@ -24941,7 +21010,7 @@
         </p:blipFill>
         <p:spPr>
           <a:xfrm>
-            <a:off x="1295400" y="4114481"/>
+            <a:off x="964473" y="2317427"/>
             <a:ext cx="3831772" cy="1334502"/>
           </a:xfrm>
           <a:prstGeom prst="rect">
@@ -24949,36 +21018,280 @@
           </a:prstGeom>
         </p:spPr>
       </p:pic>
-      <p:pic>
-        <p:nvPicPr>
-          <p:cNvPr id="5" name="그림 4"/>
-          <p:cNvPicPr>
-            <a:picLocks noChangeAspect="1"/>
-          </p:cNvPicPr>
+      <p:sp>
+        <p:nvSpPr>
+          <p:cNvPr id="6" name="TextBox 5"/>
+          <p:cNvSpPr txBox="1"/>
           <p:nvPr/>
-        </p:nvPicPr>
-        <p:blipFill>
-          <a:blip r:embed="rId4">
-            <a:extLst>
-              <a:ext uri="{28A0092B-C50C-407E-A947-70E740481C1C}">
-                <a14:useLocalDpi xmlns:a14="http://schemas.microsoft.com/office/drawing/2010/main" val="0"/>
-              </a:ext>
-            </a:extLst>
-          </a:blip>
-          <a:stretch>
-            <a:fillRect/>
-          </a:stretch>
-        </p:blipFill>
+        </p:nvSpPr>
         <p:spPr>
           <a:xfrm>
-            <a:off x="7066200" y="4060586"/>
-            <a:ext cx="3830400" cy="1388397"/>
+            <a:off x="5606142" y="2015182"/>
+            <a:ext cx="6032863" cy="1938992"/>
           </a:xfrm>
           <a:prstGeom prst="rect">
             <a:avLst/>
           </a:prstGeom>
+          <a:noFill/>
+          <a:ln w="12700">
+            <a:noFill/>
+          </a:ln>
         </p:spPr>
-      </p:pic>
+        <p:txBody>
+          <a:bodyPr wrap="square" rtlCol="0">
+            <a:spAutoFit/>
+          </a:bodyPr>
+          <a:lstStyle/>
+          <a:p>
+            <a:pPr marL="342900" indent="-342900">
+              <a:buFontTx/>
+              <a:buChar char="-"/>
+            </a:pPr>
+            <a:r>
+              <a:rPr lang="ko-KR" altLang="en-US" sz="2000" dirty="0" smtClean="0">
+                <a:latin typeface="맑은 고딕" panose="020B0503020000020004" pitchFamily="50" charset="-127"/>
+                <a:ea typeface="맑은 고딕" panose="020B0503020000020004" pitchFamily="50" charset="-127"/>
+              </a:rPr>
+              <a:t>바닥</a:t>
+            </a:r>
+            <a:r>
+              <a:rPr lang="en-US" altLang="ko-KR" sz="2000" dirty="0" smtClean="0">
+                <a:latin typeface="맑은 고딕" panose="020B0503020000020004" pitchFamily="50" charset="-127"/>
+                <a:ea typeface="맑은 고딕" panose="020B0503020000020004" pitchFamily="50" charset="-127"/>
+              </a:rPr>
+              <a:t>, </a:t>
+            </a:r>
+            <a:r>
+              <a:rPr lang="ko-KR" altLang="en-US" sz="2000" dirty="0" smtClean="0">
+                <a:latin typeface="맑은 고딕" panose="020B0503020000020004" pitchFamily="50" charset="-127"/>
+                <a:ea typeface="맑은 고딕" panose="020B0503020000020004" pitchFamily="50" charset="-127"/>
+              </a:rPr>
+              <a:t>벽</a:t>
+            </a:r>
+            <a:r>
+              <a:rPr lang="en-US" altLang="ko-KR" sz="2000" dirty="0" smtClean="0">
+                <a:latin typeface="맑은 고딕" panose="020B0503020000020004" pitchFamily="50" charset="-127"/>
+                <a:ea typeface="맑은 고딕" panose="020B0503020000020004" pitchFamily="50" charset="-127"/>
+              </a:rPr>
+              <a:t>, </a:t>
+            </a:r>
+            <a:r>
+              <a:rPr lang="ko-KR" altLang="en-US" sz="2000" dirty="0" smtClean="0">
+                <a:latin typeface="맑은 고딕" panose="020B0503020000020004" pitchFamily="50" charset="-127"/>
+                <a:ea typeface="맑은 고딕" panose="020B0503020000020004" pitchFamily="50" charset="-127"/>
+              </a:rPr>
+              <a:t>두개골을 렌더링</a:t>
+            </a:r>
+            <a:r>
+              <a:rPr lang="en-US" altLang="ko-KR" sz="2000" dirty="0" smtClean="0">
+                <a:latin typeface="맑은 고딕" panose="020B0503020000020004" pitchFamily="50" charset="-127"/>
+                <a:ea typeface="맑은 고딕" panose="020B0503020000020004" pitchFamily="50" charset="-127"/>
+              </a:rPr>
+              <a:t>(O), </a:t>
+            </a:r>
+            <a:r>
+              <a:rPr lang="ko-KR" altLang="en-US" sz="2000" dirty="0" smtClean="0">
+                <a:latin typeface="맑은 고딕" panose="020B0503020000020004" pitchFamily="50" charset="-127"/>
+                <a:ea typeface="맑은 고딕" panose="020B0503020000020004" pitchFamily="50" charset="-127"/>
+              </a:rPr>
+              <a:t>거울</a:t>
+            </a:r>
+            <a:r>
+              <a:rPr lang="en-US" altLang="ko-KR" sz="2000" dirty="0">
+                <a:latin typeface="맑은 고딕" panose="020B0503020000020004" pitchFamily="50" charset="-127"/>
+                <a:ea typeface="맑은 고딕" panose="020B0503020000020004" pitchFamily="50" charset="-127"/>
+              </a:rPr>
+              <a:t> </a:t>
+            </a:r>
+            <a:r>
+              <a:rPr lang="ko-KR" altLang="en-US" sz="2000" dirty="0" smtClean="0">
+                <a:latin typeface="맑은 고딕" panose="020B0503020000020004" pitchFamily="50" charset="-127"/>
+                <a:ea typeface="맑은 고딕" panose="020B0503020000020004" pitchFamily="50" charset="-127"/>
+              </a:rPr>
+              <a:t>렌더링</a:t>
+            </a:r>
+            <a:r>
+              <a:rPr lang="en-US" altLang="ko-KR" sz="2000" dirty="0" smtClean="0">
+                <a:latin typeface="맑은 고딕" panose="020B0503020000020004" pitchFamily="50" charset="-127"/>
+                <a:ea typeface="맑은 고딕" panose="020B0503020000020004" pitchFamily="50" charset="-127"/>
+              </a:rPr>
+              <a:t>(X)</a:t>
+            </a:r>
+            <a:r>
+              <a:rPr lang="en-US" altLang="ko-KR" sz="2000" dirty="0">
+                <a:latin typeface="맑은 고딕" panose="020B0503020000020004" pitchFamily="50" charset="-127"/>
+                <a:ea typeface="맑은 고딕" panose="020B0503020000020004" pitchFamily="50" charset="-127"/>
+              </a:rPr>
+              <a:t> </a:t>
+            </a:r>
+            <a:r>
+              <a:rPr lang="ko-KR" altLang="en-US" sz="2000" dirty="0" smtClean="0">
+                <a:latin typeface="맑은 고딕" panose="020B0503020000020004" pitchFamily="50" charset="-127"/>
+                <a:ea typeface="맑은 고딕" panose="020B0503020000020004" pitchFamily="50" charset="-127"/>
+              </a:rPr>
+              <a:t>스텐실 버퍼 갱신</a:t>
+            </a:r>
+            <a:r>
+              <a:rPr lang="en-US" altLang="ko-KR" sz="2000" dirty="0" smtClean="0">
+                <a:latin typeface="맑은 고딕" panose="020B0503020000020004" pitchFamily="50" charset="-127"/>
+                <a:ea typeface="맑은 고딕" panose="020B0503020000020004" pitchFamily="50" charset="-127"/>
+              </a:rPr>
+              <a:t>(X)</a:t>
+            </a:r>
+          </a:p>
+          <a:p>
+            <a:pPr marL="342900" indent="-342900">
+              <a:buFontTx/>
+              <a:buChar char="-"/>
+            </a:pPr>
+            <a:endParaRPr lang="en-US" altLang="ko-KR" sz="2000" dirty="0">
+              <a:latin typeface="맑은 고딕" panose="020B0503020000020004" pitchFamily="50" charset="-127"/>
+              <a:ea typeface="맑은 고딕" panose="020B0503020000020004" pitchFamily="50" charset="-127"/>
+            </a:endParaRPr>
+          </a:p>
+          <a:p>
+            <a:pPr marL="342900" indent="-342900">
+              <a:buFontTx/>
+              <a:buChar char="-"/>
+            </a:pPr>
+            <a:r>
+              <a:rPr lang="ko-KR" altLang="en-US" sz="2000" dirty="0" smtClean="0">
+                <a:latin typeface="맑은 고딕" panose="020B0503020000020004" pitchFamily="50" charset="-127"/>
+                <a:ea typeface="맑은 고딕" panose="020B0503020000020004" pitchFamily="50" charset="-127"/>
+              </a:rPr>
+              <a:t>스텐실 버퍼 </a:t>
+            </a:r>
+            <a:r>
+              <a:rPr lang="en-US" altLang="ko-KR" sz="2000" dirty="0" smtClean="0">
+                <a:latin typeface="맑은 고딕" panose="020B0503020000020004" pitchFamily="50" charset="-127"/>
+                <a:ea typeface="맑은 고딕" panose="020B0503020000020004" pitchFamily="50" charset="-127"/>
+              </a:rPr>
+              <a:t>0</a:t>
+            </a:r>
+            <a:r>
+              <a:rPr lang="ko-KR" altLang="en-US" sz="2000" dirty="0" smtClean="0">
+                <a:latin typeface="맑은 고딕" panose="020B0503020000020004" pitchFamily="50" charset="-127"/>
+                <a:ea typeface="맑은 고딕" panose="020B0503020000020004" pitchFamily="50" charset="-127"/>
+              </a:rPr>
+              <a:t>으로 지운다</a:t>
+            </a:r>
+            <a:r>
+              <a:rPr lang="en-US" altLang="ko-KR" sz="2000" dirty="0" smtClean="0">
+                <a:latin typeface="맑은 고딕" panose="020B0503020000020004" pitchFamily="50" charset="-127"/>
+                <a:ea typeface="맑은 고딕" panose="020B0503020000020004" pitchFamily="50" charset="-127"/>
+              </a:rPr>
+              <a:t>.</a:t>
+            </a:r>
+          </a:p>
+          <a:p>
+            <a:pPr marL="342900" indent="-342900">
+              <a:buFontTx/>
+              <a:buChar char="-"/>
+            </a:pPr>
+            <a:endParaRPr lang="en-US" altLang="ko-KR" sz="2000" dirty="0">
+              <a:latin typeface="맑은 고딕" panose="020B0503020000020004" pitchFamily="50" charset="-127"/>
+              <a:ea typeface="맑은 고딕" panose="020B0503020000020004" pitchFamily="50" charset="-127"/>
+            </a:endParaRPr>
+          </a:p>
+          <a:p>
+            <a:pPr marL="342900" indent="-342900">
+              <a:buFontTx/>
+              <a:buChar char="-"/>
+            </a:pPr>
+            <a:r>
+              <a:rPr lang="ko-KR" altLang="en-US" sz="2000" dirty="0" smtClean="0">
+                <a:latin typeface="맑은 고딕" panose="020B0503020000020004" pitchFamily="50" charset="-127"/>
+                <a:ea typeface="맑은 고딕" panose="020B0503020000020004" pitchFamily="50" charset="-127"/>
+              </a:rPr>
+              <a:t>스텐실 버퍼에만 거울 렌더링</a:t>
+            </a:r>
+            <a:endParaRPr lang="en-US" altLang="ko-KR" sz="2000" dirty="0" smtClean="0">
+              <a:latin typeface="맑은 고딕" panose="020B0503020000020004" pitchFamily="50" charset="-127"/>
+              <a:ea typeface="맑은 고딕" panose="020B0503020000020004" pitchFamily="50" charset="-127"/>
+            </a:endParaRPr>
+          </a:p>
+        </p:txBody>
+      </p:sp>
+      <p:sp>
+        <p:nvSpPr>
+          <p:cNvPr id="7" name="TextBox 6"/>
+          <p:cNvSpPr txBox="1"/>
+          <p:nvPr/>
+        </p:nvSpPr>
+        <p:spPr>
+          <a:xfrm>
+            <a:off x="536665" y="4765974"/>
+            <a:ext cx="11118670" cy="707886"/>
+          </a:xfrm>
+          <a:prstGeom prst="rect">
+            <a:avLst/>
+          </a:prstGeom>
+          <a:noFill/>
+          <a:ln w="12700">
+            <a:noFill/>
+          </a:ln>
+        </p:spPr>
+        <p:txBody>
+          <a:bodyPr wrap="square" rtlCol="0">
+            <a:spAutoFit/>
+          </a:bodyPr>
+          <a:lstStyle/>
+          <a:p>
+            <a:r>
+              <a:rPr lang="en-US" altLang="ko-KR" sz="2000" dirty="0" smtClean="0">
+                <a:latin typeface="맑은 고딕" panose="020B0503020000020004" pitchFamily="50" charset="-127"/>
+                <a:ea typeface="맑은 고딕" panose="020B0503020000020004" pitchFamily="50" charset="-127"/>
+              </a:rPr>
+              <a:t>※  </a:t>
+            </a:r>
+            <a:r>
+              <a:rPr lang="ko-KR" altLang="en-US" sz="2000" dirty="0" smtClean="0">
+                <a:latin typeface="맑은 고딕" panose="020B0503020000020004" pitchFamily="50" charset="-127"/>
+                <a:ea typeface="맑은 고딕" panose="020B0503020000020004" pitchFamily="50" charset="-127"/>
+              </a:rPr>
+              <a:t>두개골을 먼저 그린 후에 거울을 그려야 한다</a:t>
+            </a:r>
+            <a:r>
+              <a:rPr lang="en-US" altLang="ko-KR" sz="2000" dirty="0" smtClean="0">
+                <a:latin typeface="맑은 고딕" panose="020B0503020000020004" pitchFamily="50" charset="-127"/>
+                <a:ea typeface="맑은 고딕" panose="020B0503020000020004" pitchFamily="50" charset="-127"/>
+              </a:rPr>
+              <a:t>.</a:t>
+            </a:r>
+            <a:br>
+              <a:rPr lang="en-US" altLang="ko-KR" sz="2000" dirty="0" smtClean="0">
+                <a:latin typeface="맑은 고딕" panose="020B0503020000020004" pitchFamily="50" charset="-127"/>
+                <a:ea typeface="맑은 고딕" panose="020B0503020000020004" pitchFamily="50" charset="-127"/>
+              </a:rPr>
+            </a:br>
+            <a:r>
+              <a:rPr lang="en-US" altLang="ko-KR" sz="2000" dirty="0" smtClean="0">
+                <a:latin typeface="맑은 고딕" panose="020B0503020000020004" pitchFamily="50" charset="-127"/>
+                <a:ea typeface="맑은 고딕" panose="020B0503020000020004" pitchFamily="50" charset="-127"/>
+              </a:rPr>
+              <a:t>(</a:t>
+            </a:r>
+            <a:r>
+              <a:rPr lang="ko-KR" altLang="en-US" sz="2000" dirty="0" smtClean="0">
+                <a:latin typeface="맑은 고딕" panose="020B0503020000020004" pitchFamily="50" charset="-127"/>
+                <a:ea typeface="맑은 고딕" panose="020B0503020000020004" pitchFamily="50" charset="-127"/>
+              </a:rPr>
+              <a:t>거울 픽셀 중 두개골에 가려진 픽셀들이 깊이 판정에 실패해서 스텐실 버퍼가 수정되지 않는다</a:t>
+            </a:r>
+            <a:r>
+              <a:rPr lang="en-US" altLang="ko-KR" sz="2000" dirty="0" smtClean="0">
+                <a:latin typeface="맑은 고딕" panose="020B0503020000020004" pitchFamily="50" charset="-127"/>
+                <a:ea typeface="맑은 고딕" panose="020B0503020000020004" pitchFamily="50" charset="-127"/>
+              </a:rPr>
+              <a:t>)</a:t>
+            </a:r>
+            <a:endParaRPr lang="en-US" altLang="ko-KR" sz="2000" dirty="0">
+              <a:latin typeface="맑은 고딕" panose="020B0503020000020004" pitchFamily="50" charset="-127"/>
+              <a:ea typeface="맑은 고딕" panose="020B0503020000020004" pitchFamily="50" charset="-127"/>
+            </a:endParaRPr>
+          </a:p>
+        </p:txBody>
+      </p:sp>
     </p:spTree>
     <p:extLst>
       <p:ext uri="{BB962C8B-B14F-4D97-AF65-F5344CB8AC3E}">
@@ -25038,55 +21351,310 @@
             <p:ph type="title"/>
           </p:nvPr>
         </p:nvSpPr>
-        <p:spPr/>
+        <p:spPr>
+          <a:xfrm>
+            <a:off x="1295400" y="189471"/>
+            <a:ext cx="9601200" cy="608270"/>
+          </a:xfrm>
+        </p:spPr>
         <p:txBody>
           <a:bodyPr rtlCol="0"/>
           <a:lstStyle/>
           <a:p>
             <a:pPr rtl="0"/>
             <a:r>
-              <a:rPr lang="ko-KR" altLang="en-US" dirty="0" smtClean="0">
-                <a:latin typeface="맑은 고딕" panose="020B0503020000020004" pitchFamily="50" charset="-127"/>
-                <a:ea typeface="맑은 고딕" panose="020B0503020000020004" pitchFamily="50" charset="-127"/>
-              </a:rPr>
-              <a:t>차트를 사용한 제목 및 내용 레이아웃</a:t>
-            </a:r>
-            <a:endParaRPr lang="ko-KR" altLang="en-US" dirty="0">
+              <a:rPr lang="en-US" altLang="ko-KR" smtClean="0"/>
+              <a:t>2.1 </a:t>
+            </a:r>
+            <a:r>
+              <a:rPr lang="ko-KR" altLang="en-US" smtClean="0"/>
+              <a:t>거울 예제의 개요</a:t>
+            </a:r>
+            <a:endParaRPr lang="en-US" altLang="ko-KR" dirty="0">
               <a:latin typeface="맑은 고딕" panose="020B0503020000020004" pitchFamily="50" charset="-127"/>
               <a:ea typeface="맑은 고딕" panose="020B0503020000020004" pitchFamily="50" charset="-127"/>
             </a:endParaRPr>
           </a:p>
         </p:txBody>
       </p:sp>
-      <p:graphicFrame>
-        <p:nvGraphicFramePr>
-          <p:cNvPr id="6" name="내용 개체 틀 5" descr="4가지 범위에 대해 각각 3가지 값을 보여 주는 묶은 세로 막대형 차트"/>
-          <p:cNvGraphicFramePr>
-            <a:graphicFrameLocks noGrp="1"/>
-          </p:cNvGraphicFramePr>
-          <p:nvPr>
-            <p:ph idx="1"/>
-            <p:extLst>
-              <p:ext uri="{D42A27DB-BD31-4B8C-83A1-F6EECF244321}">
-                <p14:modId xmlns:p14="http://schemas.microsoft.com/office/powerpoint/2010/main" val="1662029953"/>
-              </p:ext>
-            </p:extLst>
-          </p:nvPr>
-        </p:nvGraphicFramePr>
-        <p:xfrm>
-          <a:off x="1295400" y="1981200"/>
-          <a:ext cx="9601200" cy="3810000"/>
-        </p:xfrm>
-        <a:graphic>
-          <a:graphicData uri="http://schemas.openxmlformats.org/drawingml/2006/chart">
-            <c:chart xmlns:c="http://schemas.openxmlformats.org/drawingml/2006/chart" xmlns:r="http://schemas.openxmlformats.org/officeDocument/2006/relationships" r:id="rId3"/>
-          </a:graphicData>
-        </a:graphic>
-      </p:graphicFrame>
+      <p:pic>
+        <p:nvPicPr>
+          <p:cNvPr id="8" name="그림 7"/>
+          <p:cNvPicPr>
+            <a:picLocks noChangeAspect="1"/>
+          </p:cNvPicPr>
+          <p:nvPr/>
+        </p:nvPicPr>
+        <p:blipFill>
+          <a:blip r:embed="rId3">
+            <a:extLst>
+              <a:ext uri="{28A0092B-C50C-407E-A947-70E740481C1C}">
+                <a14:useLocalDpi xmlns:a14="http://schemas.microsoft.com/office/drawing/2010/main" val="0"/>
+              </a:ext>
+            </a:extLst>
+          </a:blip>
+          <a:stretch>
+            <a:fillRect/>
+          </a:stretch>
+        </p:blipFill>
+        <p:spPr>
+          <a:xfrm>
+            <a:off x="860775" y="2252892"/>
+            <a:ext cx="4037796" cy="1463572"/>
+          </a:xfrm>
+          <a:prstGeom prst="rect">
+            <a:avLst/>
+          </a:prstGeom>
+        </p:spPr>
+      </p:pic>
+      <p:sp>
+        <p:nvSpPr>
+          <p:cNvPr id="6" name="TextBox 5"/>
+          <p:cNvSpPr txBox="1"/>
+          <p:nvPr/>
+        </p:nvSpPr>
+        <p:spPr>
+          <a:xfrm>
+            <a:off x="5606142" y="2015182"/>
+            <a:ext cx="6032863" cy="1631216"/>
+          </a:xfrm>
+          <a:prstGeom prst="rect">
+            <a:avLst/>
+          </a:prstGeom>
+          <a:noFill/>
+          <a:ln w="12700">
+            <a:noFill/>
+          </a:ln>
+        </p:spPr>
+        <p:txBody>
+          <a:bodyPr wrap="square" rtlCol="0">
+            <a:spAutoFit/>
+          </a:bodyPr>
+          <a:lstStyle/>
+          <a:p>
+            <a:pPr marL="342900" indent="-342900">
+              <a:buFontTx/>
+              <a:buChar char="-"/>
+            </a:pPr>
+            <a:r>
+              <a:rPr lang="ko-KR" altLang="en-US" sz="2000" dirty="0" smtClean="0">
+                <a:latin typeface="맑은 고딕" panose="020B0503020000020004" pitchFamily="50" charset="-127"/>
+                <a:ea typeface="맑은 고딕" panose="020B0503020000020004" pitchFamily="50" charset="-127"/>
+              </a:rPr>
+              <a:t>반사된 두개골을 후면 버퍼와 스텐실 버퍼에 렌더링</a:t>
+            </a:r>
+            <a:endParaRPr lang="en-US" altLang="ko-KR" sz="2000" dirty="0" smtClean="0">
+              <a:latin typeface="맑은 고딕" panose="020B0503020000020004" pitchFamily="50" charset="-127"/>
+              <a:ea typeface="맑은 고딕" panose="020B0503020000020004" pitchFamily="50" charset="-127"/>
+            </a:endParaRPr>
+          </a:p>
+          <a:p>
+            <a:pPr marL="342900" indent="-342900">
+              <a:buFontTx/>
+              <a:buChar char="-"/>
+            </a:pPr>
+            <a:endParaRPr lang="en-US" altLang="ko-KR" sz="2000" dirty="0">
+              <a:latin typeface="맑은 고딕" panose="020B0503020000020004" pitchFamily="50" charset="-127"/>
+              <a:ea typeface="맑은 고딕" panose="020B0503020000020004" pitchFamily="50" charset="-127"/>
+            </a:endParaRPr>
+          </a:p>
+          <a:p>
+            <a:pPr marL="342900" indent="-342900">
+              <a:buFontTx/>
+              <a:buChar char="-"/>
+            </a:pPr>
+            <a:r>
+              <a:rPr lang="ko-KR" altLang="en-US" sz="2000" dirty="0" smtClean="0">
+                <a:latin typeface="맑은 고딕" panose="020B0503020000020004" pitchFamily="50" charset="-127"/>
+                <a:ea typeface="맑은 고딕" panose="020B0503020000020004" pitchFamily="50" charset="-127"/>
+              </a:rPr>
+              <a:t>거울 자체를 후면 버퍼에 통상적인 방식으로 렌더링</a:t>
+            </a:r>
+            <a:endParaRPr lang="en-US" altLang="ko-KR" sz="2000" dirty="0" smtClean="0">
+              <a:latin typeface="맑은 고딕" panose="020B0503020000020004" pitchFamily="50" charset="-127"/>
+              <a:ea typeface="맑은 고딕" panose="020B0503020000020004" pitchFamily="50" charset="-127"/>
+            </a:endParaRPr>
+          </a:p>
+        </p:txBody>
+      </p:sp>
+      <p:sp>
+        <p:nvSpPr>
+          <p:cNvPr id="3" name="TextBox 2"/>
+          <p:cNvSpPr txBox="1"/>
+          <p:nvPr/>
+        </p:nvSpPr>
+        <p:spPr>
+          <a:xfrm>
+            <a:off x="5606142" y="1077606"/>
+            <a:ext cx="3106784" cy="369332"/>
+          </a:xfrm>
+          <a:prstGeom prst="rect">
+            <a:avLst/>
+          </a:prstGeom>
+          <a:noFill/>
+          <a:ln>
+            <a:solidFill>
+              <a:srgbClr val="FF0000"/>
+            </a:solidFill>
+          </a:ln>
+        </p:spPr>
+        <p:txBody>
+          <a:bodyPr wrap="square" rtlCol="0">
+            <a:spAutoFit/>
+          </a:bodyPr>
+          <a:lstStyle/>
+          <a:p>
+            <a:pPr algn="ctr"/>
+            <a:r>
+              <a:rPr lang="ko-KR" altLang="en-US" b="1" dirty="0" smtClean="0">
+                <a:solidFill>
+                  <a:srgbClr val="FF0000"/>
+                </a:solidFill>
+              </a:rPr>
+              <a:t>가시적 부분 스텐실 항목 </a:t>
+            </a:r>
+            <a:r>
+              <a:rPr lang="en-US" altLang="ko-KR" b="1" dirty="0" smtClean="0">
+                <a:solidFill>
+                  <a:srgbClr val="FF0000"/>
+                </a:solidFill>
+              </a:rPr>
+              <a:t>: 1</a:t>
+            </a:r>
+            <a:endParaRPr lang="ko-KR" altLang="en-US" b="1" dirty="0">
+              <a:solidFill>
+                <a:srgbClr val="FF0000"/>
+              </a:solidFill>
+            </a:endParaRPr>
+          </a:p>
+        </p:txBody>
+      </p:sp>
+      <p:cxnSp>
+        <p:nvCxnSpPr>
+          <p:cNvPr id="9" name="꺾인 연결선 8"/>
+          <p:cNvCxnSpPr/>
+          <p:nvPr/>
+        </p:nvCxnSpPr>
+        <p:spPr>
+          <a:xfrm rot="10800000" flipV="1">
+            <a:off x="4180114" y="1221794"/>
+            <a:ext cx="1426030" cy="1312400"/>
+          </a:xfrm>
+          <a:prstGeom prst="bentConnector3">
+            <a:avLst>
+              <a:gd name="adj1" fmla="val 99466"/>
+            </a:avLst>
+          </a:prstGeom>
+          <a:ln>
+            <a:tailEnd type="triangle"/>
+          </a:ln>
+        </p:spPr>
+        <p:style>
+          <a:lnRef idx="1">
+            <a:schemeClr val="accent1"/>
+          </a:lnRef>
+          <a:fillRef idx="0">
+            <a:schemeClr val="accent1"/>
+          </a:fillRef>
+          <a:effectRef idx="0">
+            <a:schemeClr val="accent1"/>
+          </a:effectRef>
+          <a:fontRef idx="minor">
+            <a:schemeClr val="tx1"/>
+          </a:fontRef>
+        </p:style>
+      </p:cxnSp>
+      <p:sp>
+        <p:nvSpPr>
+          <p:cNvPr id="19" name="TextBox 18"/>
+          <p:cNvSpPr txBox="1"/>
+          <p:nvPr/>
+        </p:nvSpPr>
+        <p:spPr>
+          <a:xfrm>
+            <a:off x="5775959" y="4214642"/>
+            <a:ext cx="1761309" cy="370216"/>
+          </a:xfrm>
+          <a:prstGeom prst="rect">
+            <a:avLst/>
+          </a:prstGeom>
+          <a:noFill/>
+          <a:ln>
+            <a:solidFill>
+              <a:srgbClr val="FF0000"/>
+            </a:solidFill>
+          </a:ln>
+        </p:spPr>
+        <p:txBody>
+          <a:bodyPr wrap="square" rtlCol="0">
+            <a:spAutoFit/>
+          </a:bodyPr>
+          <a:lstStyle/>
+          <a:p>
+            <a:pPr algn="ctr"/>
+            <a:r>
+              <a:rPr lang="ko-KR" altLang="en-US" b="1" err="1" smtClean="0">
+                <a:solidFill>
+                  <a:srgbClr val="FF0000"/>
+                </a:solidFill>
+              </a:rPr>
+              <a:t>깊이판정</a:t>
+            </a:r>
+            <a:r>
+              <a:rPr lang="ko-KR" altLang="en-US" b="1" dirty="0" smtClean="0">
+                <a:solidFill>
+                  <a:srgbClr val="FF0000"/>
+                </a:solidFill>
+              </a:rPr>
+              <a:t> 실패</a:t>
+            </a:r>
+            <a:endParaRPr lang="ko-KR" altLang="en-US" b="1" dirty="0">
+              <a:solidFill>
+                <a:srgbClr val="FF0000"/>
+              </a:solidFill>
+            </a:endParaRPr>
+          </a:p>
+        </p:txBody>
+      </p:sp>
+      <p:cxnSp>
+        <p:nvCxnSpPr>
+          <p:cNvPr id="21" name="직선 화살표 연결선 20"/>
+          <p:cNvCxnSpPr>
+            <a:stCxn id="19" idx="1"/>
+          </p:cNvCxnSpPr>
+          <p:nvPr/>
+        </p:nvCxnSpPr>
+        <p:spPr>
+          <a:xfrm flipH="1" flipV="1">
+            <a:off x="4095206" y="3102438"/>
+            <a:ext cx="1680753" cy="1297312"/>
+          </a:xfrm>
+          <a:prstGeom prst="straightConnector1">
+            <a:avLst/>
+          </a:prstGeom>
+          <a:ln>
+            <a:tailEnd type="triangle"/>
+          </a:ln>
+        </p:spPr>
+        <p:style>
+          <a:lnRef idx="1">
+            <a:schemeClr val="accent1"/>
+          </a:lnRef>
+          <a:fillRef idx="0">
+            <a:schemeClr val="accent1"/>
+          </a:fillRef>
+          <a:effectRef idx="0">
+            <a:schemeClr val="accent1"/>
+          </a:effectRef>
+          <a:fontRef idx="minor">
+            <a:schemeClr val="tx1"/>
+          </a:fontRef>
+        </p:style>
+      </p:cxnSp>
     </p:spTree>
     <p:extLst>
       <p:ext uri="{BB962C8B-B14F-4D97-AF65-F5344CB8AC3E}">
-        <p14:creationId xmlns:p14="http://schemas.microsoft.com/office/powerpoint/2010/main" val="1476019738"/>
+        <p14:creationId xmlns:p14="http://schemas.microsoft.com/office/powerpoint/2010/main" val="2906141186"/>
       </p:ext>
     </p:extLst>
   </p:cSld>
